--- a/Sidang-Skripsi.pptx
+++ b/Sidang-Skripsi.pptx
@@ -250,7 +250,7 @@
               <a:pPr>
                 <a:defRPr/>
               </a:pPr>
-              <a:t>12/12/2019</a:t>
+              <a:t>12/13/2019</a:t>
             </a:fld>
             <a:endParaRPr lang="en-US"/>
           </a:p>
@@ -850,7 +850,7 @@
               <a:pPr>
                 <a:defRPr/>
               </a:pPr>
-              <a:t>12/12/2019</a:t>
+              <a:t>13/12/2019</a:t>
             </a:fld>
             <a:endParaRPr lang="fr-CA"/>
           </a:p>
@@ -1037,7 +1037,7 @@
               <a:pPr>
                 <a:defRPr/>
               </a:pPr>
-              <a:t>12/12/2019</a:t>
+              <a:t>13/12/2019</a:t>
             </a:fld>
             <a:endParaRPr lang="fr-CA"/>
           </a:p>
@@ -1234,7 +1234,7 @@
               <a:pPr>
                 <a:defRPr/>
               </a:pPr>
-              <a:t>12/12/2019</a:t>
+              <a:t>13/12/2019</a:t>
             </a:fld>
             <a:endParaRPr lang="fr-CA"/>
           </a:p>
@@ -1421,7 +1421,7 @@
               <a:pPr>
                 <a:defRPr/>
               </a:pPr>
-              <a:t>12/12/2019</a:t>
+              <a:t>13/12/2019</a:t>
             </a:fld>
             <a:endParaRPr lang="fr-CA"/>
           </a:p>
@@ -1684,7 +1684,7 @@
               <a:pPr>
                 <a:defRPr/>
               </a:pPr>
-              <a:t>12/12/2019</a:t>
+              <a:t>13/12/2019</a:t>
             </a:fld>
             <a:endParaRPr lang="fr-CA"/>
           </a:p>
@@ -1989,7 +1989,7 @@
               <a:pPr>
                 <a:defRPr/>
               </a:pPr>
-              <a:t>12/12/2019</a:t>
+              <a:t>13/12/2019</a:t>
             </a:fld>
             <a:endParaRPr lang="fr-CA"/>
           </a:p>
@@ -2428,7 +2428,7 @@
               <a:pPr>
                 <a:defRPr/>
               </a:pPr>
-              <a:t>12/12/2019</a:t>
+              <a:t>13/12/2019</a:t>
             </a:fld>
             <a:endParaRPr lang="fr-CA"/>
           </a:p>
@@ -2563,7 +2563,7 @@
               <a:pPr>
                 <a:defRPr/>
               </a:pPr>
-              <a:t>12/12/2019</a:t>
+              <a:t>13/12/2019</a:t>
             </a:fld>
             <a:endParaRPr lang="fr-CA"/>
           </a:p>
@@ -2675,7 +2675,7 @@
               <a:pPr>
                 <a:defRPr/>
               </a:pPr>
-              <a:t>12/12/2019</a:t>
+              <a:t>13/12/2019</a:t>
             </a:fld>
             <a:endParaRPr lang="fr-CA"/>
           </a:p>
@@ -2969,7 +2969,7 @@
               <a:pPr>
                 <a:defRPr/>
               </a:pPr>
-              <a:t>12/12/2019</a:t>
+              <a:t>13/12/2019</a:t>
             </a:fld>
             <a:endParaRPr lang="fr-CA"/>
           </a:p>
@@ -3242,7 +3242,7 @@
               <a:pPr>
                 <a:defRPr/>
               </a:pPr>
-              <a:t>12/12/2019</a:t>
+              <a:t>13/12/2019</a:t>
             </a:fld>
             <a:endParaRPr lang="fr-CA"/>
           </a:p>
@@ -3486,7 +3486,7 @@
               <a:pPr>
                 <a:defRPr/>
               </a:pPr>
-              <a:t>12/12/2019</a:t>
+              <a:t>13/12/2019</a:t>
             </a:fld>
             <a:endParaRPr lang="fr-CA"/>
           </a:p>
@@ -7842,7 +7842,7 @@
                     <a:p>
                       <a:pPr fontAlgn="t"/>
                       <a:r>
-                        <a:rPr lang="id-ID" sz="1400">
+                        <a:rPr lang="id-ID" sz="1400" dirty="0">
                           <a:latin typeface="Courier New" pitchFamily="49" charset="0"/>
                           <a:cs typeface="Courier New" pitchFamily="49" charset="0"/>
                         </a:rPr>
@@ -7859,7 +7859,7 @@
                     <a:p>
                       <a:pPr fontAlgn="t"/>
                       <a:r>
-                        <a:rPr lang="id-ID" sz="1400">
+                        <a:rPr lang="id-ID" sz="1400" dirty="0">
                           <a:latin typeface="Courier New" pitchFamily="49" charset="0"/>
                           <a:cs typeface="Courier New" pitchFamily="49" charset="0"/>
                         </a:rPr>
@@ -7878,7 +7878,7 @@
                     <a:p>
                       <a:pPr fontAlgn="t"/>
                       <a:r>
-                        <a:rPr lang="id-ID" sz="1400">
+                        <a:rPr lang="id-ID" sz="1400" dirty="0">
                           <a:latin typeface="Courier New" pitchFamily="49" charset="0"/>
                           <a:cs typeface="Courier New" pitchFamily="49" charset="0"/>
                         </a:rPr>
@@ -7895,7 +7895,7 @@
                     <a:p>
                       <a:pPr fontAlgn="t"/>
                       <a:r>
-                        <a:rPr lang="id-ID" sz="1400">
+                        <a:rPr lang="id-ID" sz="1400" dirty="0">
                           <a:latin typeface="Courier New" pitchFamily="49" charset="0"/>
                           <a:cs typeface="Courier New" pitchFamily="49" charset="0"/>
                         </a:rPr>
@@ -8001,7 +8001,7 @@
                     <a:p>
                       <a:pPr fontAlgn="t"/>
                       <a:r>
-                        <a:rPr lang="nn-NO" sz="1400">
+                        <a:rPr lang="nn-NO" sz="1400" dirty="0">
                           <a:latin typeface="Courier New" pitchFamily="49" charset="0"/>
                           <a:cs typeface="Courier New" pitchFamily="49" charset="0"/>
                         </a:rPr>
@@ -8018,7 +8018,7 @@
                     <a:p>
                       <a:pPr fontAlgn="t"/>
                       <a:r>
-                        <a:rPr lang="id-ID" sz="1400">
+                        <a:rPr lang="id-ID" sz="1400" dirty="0">
                           <a:latin typeface="Courier New" pitchFamily="49" charset="0"/>
                           <a:cs typeface="Courier New" pitchFamily="49" charset="0"/>
                         </a:rPr>
@@ -8054,7 +8054,7 @@
                     <a:p>
                       <a:pPr fontAlgn="t"/>
                       <a:r>
-                        <a:rPr lang="id-ID" sz="1400">
+                        <a:rPr lang="id-ID" sz="1400" dirty="0">
                           <a:latin typeface="Courier New" pitchFamily="49" charset="0"/>
                           <a:cs typeface="Courier New" pitchFamily="49" charset="0"/>
                         </a:rPr>
@@ -8071,7 +8071,7 @@
                     <a:p>
                       <a:pPr fontAlgn="t"/>
                       <a:r>
-                        <a:rPr lang="id-ID" sz="1400">
+                        <a:rPr lang="id-ID" sz="1400" dirty="0">
                           <a:latin typeface="Courier New" pitchFamily="49" charset="0"/>
                           <a:cs typeface="Courier New" pitchFamily="49" charset="0"/>
                         </a:rPr>
@@ -8090,7 +8090,7 @@
                     <a:p>
                       <a:pPr fontAlgn="t"/>
                       <a:r>
-                        <a:rPr lang="id-ID" sz="1400">
+                        <a:rPr lang="id-ID" sz="1400" dirty="0">
                           <a:latin typeface="Courier New" pitchFamily="49" charset="0"/>
                           <a:cs typeface="Courier New" pitchFamily="49" charset="0"/>
                         </a:rPr>
@@ -8107,7 +8107,7 @@
                     <a:p>
                       <a:pPr fontAlgn="t"/>
                       <a:r>
-                        <a:rPr lang="id-ID" sz="1400">
+                        <a:rPr lang="id-ID" sz="1400" dirty="0">
                           <a:latin typeface="Courier New" pitchFamily="49" charset="0"/>
                           <a:cs typeface="Courier New" pitchFamily="49" charset="0"/>
                         </a:rPr>
@@ -8124,7 +8124,7 @@
                     <a:p>
                       <a:pPr fontAlgn="t"/>
                       <a:r>
-                        <a:rPr lang="id-ID" sz="1400">
+                        <a:rPr lang="id-ID" sz="1400" dirty="0">
                           <a:latin typeface="Courier New" pitchFamily="49" charset="0"/>
                           <a:cs typeface="Courier New" pitchFamily="49" charset="0"/>
                         </a:rPr>
@@ -8160,7 +8160,7 @@
                     <a:p>
                       <a:pPr fontAlgn="t"/>
                       <a:r>
-                        <a:rPr lang="id-ID" sz="1400">
+                        <a:rPr lang="id-ID" sz="1400" dirty="0">
                           <a:latin typeface="Courier New" pitchFamily="49" charset="0"/>
                           <a:cs typeface="Courier New" pitchFamily="49" charset="0"/>
                         </a:rPr>
@@ -8622,7 +8622,7 @@
         </p:nvGraphicFramePr>
         <p:xfrm>
           <a:off x="381000" y="914400"/>
-          <a:ext cx="8229600" cy="4101465"/>
+          <a:ext cx="8229600" cy="4097020"/>
         </p:xfrm>
         <a:graphic>
           <a:graphicData uri="http://schemas.openxmlformats.org/drawingml/2006/table">
@@ -8721,6 +8721,16 @@
                     <a:p>
                       <a:pPr algn="l" fontAlgn="b"/>
                       <a:r>
+                        <a:rPr lang="id-ID" sz="1200" b="0" i="0" u="none" strike="noStrike" dirty="0" smtClean="0">
+                          <a:solidFill>
+                            <a:srgbClr val="000000"/>
+                          </a:solidFill>
+                          <a:latin typeface="Courier New" pitchFamily="49" charset="0"/>
+                          <a:cs typeface="Courier New" pitchFamily="49" charset="0"/>
+                        </a:rPr>
+                        <a:t>jokowi </a:t>
+                      </a:r>
+                      <a:r>
                         <a:rPr lang="id-ID" sz="1200" b="0" i="0" u="none" strike="noStrike" dirty="0">
                           <a:solidFill>
                             <a:srgbClr val="000000"/>
@@ -8728,7 +8738,7 @@
                           <a:latin typeface="Courier New" pitchFamily="49" charset="0"/>
                           <a:cs typeface="Courier New" pitchFamily="49" charset="0"/>
                         </a:rPr>
-                        <a:t>campusteast jokowi bakal menang kalau curang maya curang manana sama kpuid c</a:t>
+                        <a:t>bakal menang kalau curang maya curang manana sama kpuid c</a:t>
                       </a:r>
                     </a:p>
                   </a:txBody>
@@ -8741,7 +8751,7 @@
                     <a:p>
                       <a:pPr algn="r" fontAlgn="b"/>
                       <a:r>
-                        <a:rPr lang="id-ID" sz="1200" b="0" i="0" u="none" strike="noStrike">
+                        <a:rPr lang="id-ID" sz="1200" b="0" i="0" u="none" strike="noStrike" dirty="0">
                           <a:solidFill>
                             <a:srgbClr val="000000"/>
                           </a:solidFill>
@@ -8823,7 +8833,7 @@
                     <a:p>
                       <a:pPr algn="r" fontAlgn="b"/>
                       <a:r>
-                        <a:rPr lang="id-ID" sz="1200" b="0" i="0" u="none" strike="noStrike">
+                        <a:rPr lang="id-ID" sz="1200" b="0" i="0" u="none" strike="noStrike" dirty="0">
                           <a:solidFill>
                             <a:srgbClr val="000000"/>
                           </a:solidFill>
@@ -8843,7 +8853,7 @@
                     <a:p>
                       <a:pPr algn="r" fontAlgn="b"/>
                       <a:r>
-                        <a:rPr lang="id-ID" sz="1200" b="0" i="0" u="none" strike="noStrike">
+                        <a:rPr lang="id-ID" sz="1200" b="0" i="0" u="none" strike="noStrike" dirty="0">
                           <a:solidFill>
                             <a:srgbClr val="000000"/>
                           </a:solidFill>
@@ -8925,7 +8935,7 @@
                     <a:p>
                       <a:pPr algn="r" fontAlgn="b"/>
                       <a:r>
-                        <a:rPr lang="id-ID" sz="1200" b="0" i="0" u="none" strike="noStrike">
+                        <a:rPr lang="id-ID" sz="1200" b="0" i="0" u="none" strike="noStrike" dirty="0">
                           <a:solidFill>
                             <a:srgbClr val="000000"/>
                           </a:solidFill>
@@ -8974,8 +8984,35 @@
                           <a:latin typeface="Courier New" pitchFamily="49" charset="0"/>
                           <a:cs typeface="Courier New" pitchFamily="49" charset="0"/>
                         </a:rPr>
-                        <a:t>kpuid nyata sekelas kpuid seleranya akun bokep penghina rosululloh</a:t>
+                        <a:t>kpuid nyata sekelas kpuid seleranya </a:t>
                       </a:r>
+                      <a:r>
+                        <a:rPr lang="id-ID" sz="1200" b="0" i="0" u="none" strike="noStrike">
+                          <a:solidFill>
+                            <a:srgbClr val="000000"/>
+                          </a:solidFill>
+                          <a:latin typeface="Courier New" pitchFamily="49" charset="0"/>
+                          <a:cs typeface="Courier New" pitchFamily="49" charset="0"/>
+                        </a:rPr>
+                        <a:t>akun </a:t>
+                      </a:r>
+                      <a:r>
+                        <a:rPr lang="id-ID" sz="1200" b="0" i="0" u="none" strike="noStrike" smtClean="0">
+                          <a:solidFill>
+                            <a:srgbClr val="000000"/>
+                          </a:solidFill>
+                          <a:latin typeface="Courier New" pitchFamily="49" charset="0"/>
+                          <a:cs typeface="Courier New" pitchFamily="49" charset="0"/>
+                        </a:rPr>
+                        <a:t>penghina</a:t>
+                      </a:r>
+                      <a:endParaRPr lang="id-ID" sz="1200" b="0" i="0" u="none" strike="noStrike" dirty="0">
+                        <a:solidFill>
+                          <a:srgbClr val="000000"/>
+                        </a:solidFill>
+                        <a:latin typeface="Courier New" pitchFamily="49" charset="0"/>
+                        <a:cs typeface="Courier New" pitchFamily="49" charset="0"/>
+                      </a:endParaRPr>
                     </a:p>
                   </a:txBody>
                   <a:tcPr marL="9525" marR="9525" marT="9525" marB="0" anchor="b"/>
@@ -8987,7 +9024,7 @@
                     <a:p>
                       <a:pPr algn="r" fontAlgn="b"/>
                       <a:r>
-                        <a:rPr lang="id-ID" sz="1200" b="0" i="0" u="none" strike="noStrike">
+                        <a:rPr lang="id-ID" sz="1200" b="0" i="0" u="none" strike="noStrike" dirty="0">
                           <a:solidFill>
                             <a:srgbClr val="000000"/>
                           </a:solidFill>
@@ -9007,7 +9044,7 @@
                     <a:p>
                       <a:pPr algn="r" fontAlgn="b"/>
                       <a:r>
-                        <a:rPr lang="id-ID" sz="1200" b="0" i="0" u="none" strike="noStrike">
+                        <a:rPr lang="id-ID" sz="1200" b="0" i="0" u="none" strike="noStrike" dirty="0">
                           <a:solidFill>
                             <a:srgbClr val="000000"/>
                           </a:solidFill>
@@ -9069,7 +9106,7 @@
                     <a:p>
                       <a:pPr algn="r" fontAlgn="b"/>
                       <a:r>
-                        <a:rPr lang="id-ID" sz="1200" b="0" i="0" u="none" strike="noStrike">
+                        <a:rPr lang="id-ID" sz="1200" b="0" i="0" u="none" strike="noStrike" dirty="0">
                           <a:solidFill>
                             <a:srgbClr val="000000"/>
                           </a:solidFill>
@@ -9089,7 +9126,7 @@
                     <a:p>
                       <a:pPr algn="r" fontAlgn="b"/>
                       <a:r>
-                        <a:rPr lang="id-ID" sz="1200" b="0" i="0" u="none" strike="noStrike">
+                        <a:rPr lang="id-ID" sz="1200" b="0" i="0" u="none" strike="noStrike" dirty="0">
                           <a:solidFill>
                             <a:srgbClr val="000000"/>
                           </a:solidFill>
@@ -9171,7 +9208,7 @@
                     <a:p>
                       <a:pPr algn="r" fontAlgn="b"/>
                       <a:r>
-                        <a:rPr lang="id-ID" sz="1200" b="0" i="0" u="none" strike="noStrike">
+                        <a:rPr lang="id-ID" sz="1200" b="0" i="0" u="none" strike="noStrike" dirty="0">
                           <a:solidFill>
                             <a:srgbClr val="000000"/>
                           </a:solidFill>
@@ -9295,7 +9332,7 @@
                     <a:p>
                       <a:pPr algn="l" fontAlgn="b"/>
                       <a:r>
-                        <a:rPr lang="id-ID" sz="1200" b="0" i="0" u="none" strike="noStrike">
+                        <a:rPr lang="id-ID" sz="1200" b="0" i="0" u="none" strike="noStrike" dirty="0">
                           <a:solidFill>
                             <a:srgbClr val="000000"/>
                           </a:solidFill>
@@ -9377,7 +9414,7 @@
                     <a:p>
                       <a:pPr algn="l" fontAlgn="b"/>
                       <a:r>
-                        <a:rPr lang="id-ID" sz="1200" b="0" i="0" u="none" strike="noStrike">
+                        <a:rPr lang="id-ID" sz="1200" b="0" i="0" u="none" strike="noStrike" dirty="0">
                           <a:solidFill>
                             <a:srgbClr val="000000"/>
                           </a:solidFill>

--- a/Sidang-Skripsi.pptx
+++ b/Sidang-Skripsi.pptx
@@ -5,7 +5,7 @@
     <p:sldMasterId id="2147483660" r:id="rId1"/>
   </p:sldMasterIdLst>
   <p:notesMasterIdLst>
-    <p:notesMasterId r:id="rId18"/>
+    <p:notesMasterId r:id="rId19"/>
   </p:notesMasterIdLst>
   <p:sldIdLst>
     <p:sldId id="256" r:id="rId2"/>
@@ -15,15 +15,16 @@
     <p:sldId id="266" r:id="rId6"/>
     <p:sldId id="292" r:id="rId7"/>
     <p:sldId id="304" r:id="rId8"/>
-    <p:sldId id="305" r:id="rId9"/>
-    <p:sldId id="303" r:id="rId10"/>
-    <p:sldId id="264" r:id="rId11"/>
-    <p:sldId id="286" r:id="rId12"/>
-    <p:sldId id="287" r:id="rId13"/>
-    <p:sldId id="288" r:id="rId14"/>
-    <p:sldId id="298" r:id="rId15"/>
-    <p:sldId id="306" r:id="rId16"/>
-    <p:sldId id="261" r:id="rId17"/>
+    <p:sldId id="307" r:id="rId9"/>
+    <p:sldId id="305" r:id="rId10"/>
+    <p:sldId id="303" r:id="rId11"/>
+    <p:sldId id="264" r:id="rId12"/>
+    <p:sldId id="286" r:id="rId13"/>
+    <p:sldId id="287" r:id="rId14"/>
+    <p:sldId id="288" r:id="rId15"/>
+    <p:sldId id="298" r:id="rId16"/>
+    <p:sldId id="306" r:id="rId17"/>
+    <p:sldId id="261" r:id="rId18"/>
   </p:sldIdLst>
   <p:sldSz cx="9144000" cy="6858000" type="screen4x3"/>
   <p:notesSz cx="6858000" cy="9144000"/>
@@ -250,7 +251,7 @@
               <a:pPr>
                 <a:defRPr/>
               </a:pPr>
-              <a:t>12/13/2019</a:t>
+              <a:t>12/19/2019</a:t>
             </a:fld>
             <a:endParaRPr lang="en-US"/>
           </a:p>
@@ -850,7 +851,7 @@
               <a:pPr>
                 <a:defRPr/>
               </a:pPr>
-              <a:t>13/12/2019</a:t>
+              <a:t>19/12/2019</a:t>
             </a:fld>
             <a:endParaRPr lang="fr-CA"/>
           </a:p>
@@ -1037,7 +1038,7 @@
               <a:pPr>
                 <a:defRPr/>
               </a:pPr>
-              <a:t>13/12/2019</a:t>
+              <a:t>19/12/2019</a:t>
             </a:fld>
             <a:endParaRPr lang="fr-CA"/>
           </a:p>
@@ -1234,7 +1235,7 @@
               <a:pPr>
                 <a:defRPr/>
               </a:pPr>
-              <a:t>13/12/2019</a:t>
+              <a:t>19/12/2019</a:t>
             </a:fld>
             <a:endParaRPr lang="fr-CA"/>
           </a:p>
@@ -1421,7 +1422,7 @@
               <a:pPr>
                 <a:defRPr/>
               </a:pPr>
-              <a:t>13/12/2019</a:t>
+              <a:t>19/12/2019</a:t>
             </a:fld>
             <a:endParaRPr lang="fr-CA"/>
           </a:p>
@@ -1684,7 +1685,7 @@
               <a:pPr>
                 <a:defRPr/>
               </a:pPr>
-              <a:t>13/12/2019</a:t>
+              <a:t>19/12/2019</a:t>
             </a:fld>
             <a:endParaRPr lang="fr-CA"/>
           </a:p>
@@ -1989,7 +1990,7 @@
               <a:pPr>
                 <a:defRPr/>
               </a:pPr>
-              <a:t>13/12/2019</a:t>
+              <a:t>19/12/2019</a:t>
             </a:fld>
             <a:endParaRPr lang="fr-CA"/>
           </a:p>
@@ -2428,7 +2429,7 @@
               <a:pPr>
                 <a:defRPr/>
               </a:pPr>
-              <a:t>13/12/2019</a:t>
+              <a:t>19/12/2019</a:t>
             </a:fld>
             <a:endParaRPr lang="fr-CA"/>
           </a:p>
@@ -2563,7 +2564,7 @@
               <a:pPr>
                 <a:defRPr/>
               </a:pPr>
-              <a:t>13/12/2019</a:t>
+              <a:t>19/12/2019</a:t>
             </a:fld>
             <a:endParaRPr lang="fr-CA"/>
           </a:p>
@@ -2675,7 +2676,7 @@
               <a:pPr>
                 <a:defRPr/>
               </a:pPr>
-              <a:t>13/12/2019</a:t>
+              <a:t>19/12/2019</a:t>
             </a:fld>
             <a:endParaRPr lang="fr-CA"/>
           </a:p>
@@ -2969,7 +2970,7 @@
               <a:pPr>
                 <a:defRPr/>
               </a:pPr>
-              <a:t>13/12/2019</a:t>
+              <a:t>19/12/2019</a:t>
             </a:fld>
             <a:endParaRPr lang="fr-CA"/>
           </a:p>
@@ -3242,7 +3243,7 @@
               <a:pPr>
                 <a:defRPr/>
               </a:pPr>
-              <a:t>13/12/2019</a:t>
+              <a:t>19/12/2019</a:t>
             </a:fld>
             <a:endParaRPr lang="fr-CA"/>
           </a:p>
@@ -3486,7 +3487,7 @@
               <a:pPr>
                 <a:defRPr/>
               </a:pPr>
-              <a:t>13/12/2019</a:t>
+              <a:t>19/12/2019</a:t>
             </a:fld>
             <a:endParaRPr lang="fr-CA"/>
           </a:p>
@@ -4406,6 +4407,7 @@
   <p:clrMapOvr>
     <a:masterClrMapping/>
   </p:clrMapOvr>
+  <p:transition/>
   <p:timing>
     <p:tnLst>
       <p:par>
@@ -4656,30 +4658,21 @@
                             </p:childTnLst>
                           </p:cTn>
                         </p:par>
-                      </p:childTnLst>
-                    </p:cTn>
-                  </p:par>
-                  <p:par>
-                    <p:cTn id="15" fill="hold" nodeType="clickPar">
-                      <p:stCondLst>
-                        <p:cond delay="indefinite"/>
-                      </p:stCondLst>
-                      <p:childTnLst>
                         <p:par>
-                          <p:cTn id="16" fill="hold" nodeType="withGroup">
+                          <p:cTn id="15" fill="hold" nodeType="withGroup">
                             <p:stCondLst>
-                              <p:cond delay="0"/>
+                              <p:cond delay="500"/>
                             </p:stCondLst>
                             <p:childTnLst>
                               <p:par>
-                                <p:cTn id="17" presetID="52" presetClass="entr" presetSubtype="0" fill="hold" grpId="0" nodeType="clickEffect">
+                                <p:cTn id="16" presetID="52" presetClass="entr" presetSubtype="0" fill="hold" grpId="0" nodeType="afterEffect">
                                   <p:stCondLst>
                                     <p:cond delay="0"/>
                                   </p:stCondLst>
                                   <p:childTnLst>
                                     <p:set>
                                       <p:cBhvr>
-                                        <p:cTn id="18" dur="1" fill="hold">
+                                        <p:cTn id="17" dur="1" fill="hold">
                                           <p:stCondLst>
                                             <p:cond delay="0"/>
                                           </p:stCondLst>
@@ -4701,7 +4694,7 @@
                                     </p:set>
                                     <p:animScale>
                                       <p:cBhvr>
-                                        <p:cTn id="19" dur="1000" decel="50000" fill="hold">
+                                        <p:cTn id="18" dur="1000" decel="50000" fill="hold">
                                           <p:stCondLst>
                                             <p:cond delay="0"/>
                                           </p:stCondLst>
@@ -4719,7 +4712,7 @@
                                     </p:animScale>
                                     <p:animMotion origin="layout" path="M -0.46736 0.92887  C -0.37517 0.88508  -0.02552 0.75279  0.0908 0.66613  C  0.20747 0.57948  0.21649 0.50394  0.23177 0.40825  C 0.24705 0.31256  0.22118 0.15964   0.18264 0.09152  C 0.1441 0.02341  0.03802 0.0  0.0 0.0  " pathEditMode="relative" ptsTypes="">
                                       <p:cBhvr>
-                                        <p:cTn id="20" dur="1000" decel="50000" fill="hold">
+                                        <p:cTn id="19" dur="1000" decel="50000" fill="hold">
                                           <p:stCondLst>
                                             <p:cond delay="0"/>
                                           </p:stCondLst>
@@ -4739,7 +4732,7 @@
                                     </p:animMotion>
                                     <p:animEffect transition="in" filter="fade">
                                       <p:cBhvr>
-                                        <p:cTn id="21" dur="1000"/>
+                                        <p:cTn id="20" dur="1000"/>
                                         <p:tgtEl>
                                           <p:spTgt spid="2051">
                                             <p:txEl>
@@ -4755,30 +4748,21 @@
                             </p:childTnLst>
                           </p:cTn>
                         </p:par>
-                      </p:childTnLst>
-                    </p:cTn>
-                  </p:par>
-                  <p:par>
-                    <p:cTn id="22" fill="hold" nodeType="clickPar">
-                      <p:stCondLst>
-                        <p:cond delay="indefinite"/>
-                      </p:stCondLst>
-                      <p:childTnLst>
                         <p:par>
-                          <p:cTn id="23" fill="hold" nodeType="withGroup">
+                          <p:cTn id="21" fill="hold" nodeType="withGroup">
                             <p:stCondLst>
-                              <p:cond delay="0"/>
+                              <p:cond delay="1500"/>
                             </p:stCondLst>
                             <p:childTnLst>
                               <p:par>
-                                <p:cTn id="24" presetID="52" presetClass="entr" presetSubtype="0" fill="hold" grpId="0" nodeType="clickEffect">
+                                <p:cTn id="22" presetID="52" presetClass="entr" presetSubtype="0" fill="hold" grpId="0" nodeType="afterEffect">
                                   <p:stCondLst>
                                     <p:cond delay="0"/>
                                   </p:stCondLst>
                                   <p:childTnLst>
                                     <p:set>
                                       <p:cBhvr>
-                                        <p:cTn id="25" dur="1" fill="hold">
+                                        <p:cTn id="23" dur="1" fill="hold">
                                           <p:stCondLst>
                                             <p:cond delay="0"/>
                                           </p:stCondLst>
@@ -4800,7 +4784,7 @@
                                     </p:set>
                                     <p:animScale>
                                       <p:cBhvr>
-                                        <p:cTn id="26" dur="1000" decel="50000" fill="hold">
+                                        <p:cTn id="24" dur="1000" decel="50000" fill="hold">
                                           <p:stCondLst>
                                             <p:cond delay="0"/>
                                           </p:stCondLst>
@@ -4818,7 +4802,7 @@
                                     </p:animScale>
                                     <p:animMotion origin="layout" path="M -0.46736 0.92887  C -0.37517 0.88508  -0.02552 0.75279  0.0908 0.66613  C  0.20747 0.57948  0.21649 0.50394  0.23177 0.40825  C 0.24705 0.31256  0.22118 0.15964   0.18264 0.09152  C 0.1441 0.02341  0.03802 0.0  0.0 0.0  " pathEditMode="relative" ptsTypes="">
                                       <p:cBhvr>
-                                        <p:cTn id="27" dur="1000" decel="50000" fill="hold">
+                                        <p:cTn id="25" dur="1000" decel="50000" fill="hold">
                                           <p:stCondLst>
                                             <p:cond delay="0"/>
                                           </p:stCondLst>
@@ -4838,7 +4822,7 @@
                                     </p:animMotion>
                                     <p:animEffect transition="in" filter="fade">
                                       <p:cBhvr>
-                                        <p:cTn id="28" dur="1000"/>
+                                        <p:cTn id="26" dur="1000"/>
                                         <p:tgtEl>
                                           <p:spTgt spid="2051">
                                             <p:txEl>
@@ -4854,30 +4838,21 @@
                             </p:childTnLst>
                           </p:cTn>
                         </p:par>
-                      </p:childTnLst>
-                    </p:cTn>
-                  </p:par>
-                  <p:par>
-                    <p:cTn id="29" fill="hold" nodeType="clickPar">
-                      <p:stCondLst>
-                        <p:cond delay="indefinite"/>
-                      </p:stCondLst>
-                      <p:childTnLst>
                         <p:par>
-                          <p:cTn id="30" fill="hold" nodeType="withGroup">
+                          <p:cTn id="27" fill="hold" nodeType="withGroup">
                             <p:stCondLst>
-                              <p:cond delay="0"/>
+                              <p:cond delay="2500"/>
                             </p:stCondLst>
                             <p:childTnLst>
                               <p:par>
-                                <p:cTn id="31" presetID="52" presetClass="entr" presetSubtype="0" fill="hold" grpId="0" nodeType="clickEffect">
+                                <p:cTn id="28" presetID="52" presetClass="entr" presetSubtype="0" fill="hold" grpId="0" nodeType="afterEffect">
                                   <p:stCondLst>
                                     <p:cond delay="0"/>
                                   </p:stCondLst>
                                   <p:childTnLst>
                                     <p:set>
                                       <p:cBhvr>
-                                        <p:cTn id="32" dur="1" fill="hold">
+                                        <p:cTn id="29" dur="1" fill="hold">
                                           <p:stCondLst>
                                             <p:cond delay="0"/>
                                           </p:stCondLst>
@@ -4899,7 +4874,7 @@
                                     </p:set>
                                     <p:animScale>
                                       <p:cBhvr>
-                                        <p:cTn id="33" dur="1000" decel="50000" fill="hold">
+                                        <p:cTn id="30" dur="1000" decel="50000" fill="hold">
                                           <p:stCondLst>
                                             <p:cond delay="0"/>
                                           </p:stCondLst>
@@ -4917,7 +4892,7 @@
                                     </p:animScale>
                                     <p:animMotion origin="layout" path="M -0.46736 0.92887  C -0.37517 0.88508  -0.02552 0.75279  0.0908 0.66613  C  0.20747 0.57948  0.21649 0.50394  0.23177 0.40825  C 0.24705 0.31256  0.22118 0.15964   0.18264 0.09152  C 0.1441 0.02341  0.03802 0.0  0.0 0.0  " pathEditMode="relative" ptsTypes="">
                                       <p:cBhvr>
-                                        <p:cTn id="34" dur="1000" decel="50000" fill="hold">
+                                        <p:cTn id="31" dur="1000" decel="50000" fill="hold">
                                           <p:stCondLst>
                                             <p:cond delay="0"/>
                                           </p:stCondLst>
@@ -4937,7 +4912,7 @@
                                     </p:animMotion>
                                     <p:animEffect transition="in" filter="fade">
                                       <p:cBhvr>
-                                        <p:cTn id="35" dur="1000"/>
+                                        <p:cTn id="32" dur="1000"/>
                                         <p:tgtEl>
                                           <p:spTgt spid="2051">
                                             <p:txEl>
@@ -4953,30 +4928,21 @@
                             </p:childTnLst>
                           </p:cTn>
                         </p:par>
-                      </p:childTnLst>
-                    </p:cTn>
-                  </p:par>
-                  <p:par>
-                    <p:cTn id="36" fill="hold" nodeType="clickPar">
-                      <p:stCondLst>
-                        <p:cond delay="indefinite"/>
-                      </p:stCondLst>
-                      <p:childTnLst>
                         <p:par>
-                          <p:cTn id="37" fill="hold" nodeType="withGroup">
+                          <p:cTn id="33" fill="hold" nodeType="withGroup">
                             <p:stCondLst>
-                              <p:cond delay="0"/>
+                              <p:cond delay="3500"/>
                             </p:stCondLst>
                             <p:childTnLst>
                               <p:par>
-                                <p:cTn id="38" presetID="52" presetClass="entr" presetSubtype="0" fill="hold" grpId="0" nodeType="clickEffect">
+                                <p:cTn id="34" presetID="52" presetClass="entr" presetSubtype="0" fill="hold" grpId="0" nodeType="afterEffect">
                                   <p:stCondLst>
                                     <p:cond delay="0"/>
                                   </p:stCondLst>
                                   <p:childTnLst>
                                     <p:set>
                                       <p:cBhvr>
-                                        <p:cTn id="39" dur="1" fill="hold">
+                                        <p:cTn id="35" dur="1" fill="hold">
                                           <p:stCondLst>
                                             <p:cond delay="0"/>
                                           </p:stCondLst>
@@ -4998,7 +4964,7 @@
                                     </p:set>
                                     <p:animScale>
                                       <p:cBhvr>
-                                        <p:cTn id="40" dur="1000" decel="50000" fill="hold">
+                                        <p:cTn id="36" dur="1000" decel="50000" fill="hold">
                                           <p:stCondLst>
                                             <p:cond delay="0"/>
                                           </p:stCondLst>
@@ -5016,7 +4982,7 @@
                                     </p:animScale>
                                     <p:animMotion origin="layout" path="M -0.46736 0.92887  C -0.37517 0.88508  -0.02552 0.75279  0.0908 0.66613  C  0.20747 0.57948  0.21649 0.50394  0.23177 0.40825  C 0.24705 0.31256  0.22118 0.15964   0.18264 0.09152  C 0.1441 0.02341  0.03802 0.0  0.0 0.0  " pathEditMode="relative" ptsTypes="">
                                       <p:cBhvr>
-                                        <p:cTn id="41" dur="1000" decel="50000" fill="hold">
+                                        <p:cTn id="37" dur="1000" decel="50000" fill="hold">
                                           <p:stCondLst>
                                             <p:cond delay="0"/>
                                           </p:stCondLst>
@@ -5036,7 +5002,7 @@
                                     </p:animMotion>
                                     <p:animEffect transition="in" filter="fade">
                                       <p:cBhvr>
-                                        <p:cTn id="42" dur="1000"/>
+                                        <p:cTn id="38" dur="1000"/>
                                         <p:tgtEl>
                                           <p:spTgt spid="2051">
                                             <p:txEl>
@@ -5077,7 +5043,7 @@
       </p:par>
     </p:tnLst>
     <p:bldLst>
-      <p:bldP spid="2051" grpId="0" build="p"/>
+      <p:bldP spid="2051" grpId="0" uiExpand="1" build="p"/>
       <p:bldP spid="9" grpId="0"/>
     </p:bldLst>
   </p:timing>
@@ -5085,6 +5051,956 @@
 </file>
 
 <file path=ppt/slides/slide10.xml><?xml version="1.0" encoding="utf-8"?>
+<p:sld xmlns:a="http://schemas.openxmlformats.org/drawingml/2006/main" xmlns:r="http://schemas.openxmlformats.org/officeDocument/2006/relationships" xmlns:p="http://schemas.openxmlformats.org/presentationml/2006/main">
+  <p:cSld>
+    <p:spTree>
+      <p:nvGrpSpPr>
+        <p:cNvPr id="1" name=""/>
+        <p:cNvGrpSpPr/>
+        <p:nvPr/>
+      </p:nvGrpSpPr>
+      <p:grpSpPr>
+        <a:xfrm>
+          <a:off x="0" y="0"/>
+          <a:ext cx="0" cy="0"/>
+          <a:chOff x="0" y="0"/>
+          <a:chExt cx="0" cy="0"/>
+        </a:xfrm>
+      </p:grpSpPr>
+      <p:sp>
+        <p:nvSpPr>
+          <p:cNvPr id="10242" name="Titre 1"/>
+          <p:cNvSpPr>
+            <a:spLocks noGrp="1"/>
+          </p:cNvSpPr>
+          <p:nvPr>
+            <p:ph type="title"/>
+          </p:nvPr>
+        </p:nvSpPr>
+        <p:spPr/>
+        <p:txBody>
+          <a:bodyPr/>
+          <a:lstStyle/>
+          <a:p>
+            <a:pPr eaLnBrk="1" hangingPunct="1"/>
+            <a:r>
+              <a:rPr lang="fr-CA" smtClean="0">
+                <a:solidFill>
+                  <a:schemeClr val="bg1"/>
+                </a:solidFill>
+              </a:rPr>
+              <a:t>Struktur Navigasi</a:t>
+            </a:r>
+          </a:p>
+        </p:txBody>
+      </p:sp>
+      <p:sp>
+        <p:nvSpPr>
+          <p:cNvPr id="10" name="Rectangle 9"/>
+          <p:cNvSpPr/>
+          <p:nvPr/>
+        </p:nvSpPr>
+        <p:spPr>
+          <a:xfrm>
+            <a:off x="3962400" y="1981200"/>
+            <a:ext cx="1371600" cy="533400"/>
+          </a:xfrm>
+          <a:prstGeom prst="rect">
+            <a:avLst/>
+          </a:prstGeom>
+          <a:noFill/>
+          <a:ln>
+            <a:noFill/>
+          </a:ln>
+        </p:spPr>
+        <p:style>
+          <a:lnRef idx="2">
+            <a:schemeClr val="accent1">
+              <a:shade val="50000"/>
+            </a:schemeClr>
+          </a:lnRef>
+          <a:fillRef idx="1">
+            <a:schemeClr val="accent1"/>
+          </a:fillRef>
+          <a:effectRef idx="0">
+            <a:schemeClr val="accent1"/>
+          </a:effectRef>
+          <a:fontRef idx="minor">
+            <a:schemeClr val="lt1"/>
+          </a:fontRef>
+        </p:style>
+        <p:txBody>
+          <a:bodyPr anchor="ctr"/>
+          <a:lstStyle/>
+          <a:p>
+            <a:pPr algn="ctr" eaLnBrk="1" hangingPunct="1">
+              <a:defRPr/>
+            </a:pPr>
+            <a:endParaRPr lang="en-US"/>
+          </a:p>
+        </p:txBody>
+      </p:sp>
+      <p:pic>
+        <p:nvPicPr>
+          <p:cNvPr id="10244" name="Picture 7" descr="HEADER1 copy.png"/>
+          <p:cNvPicPr>
+            <a:picLocks noChangeAspect="1"/>
+          </p:cNvPicPr>
+          <p:nvPr/>
+        </p:nvPicPr>
+        <p:blipFill>
+          <a:blip r:embed="rId2"/>
+          <a:srcRect/>
+          <a:stretch>
+            <a:fillRect/>
+          </a:stretch>
+        </p:blipFill>
+        <p:spPr bwMode="auto">
+          <a:xfrm>
+            <a:off x="0" y="0"/>
+            <a:ext cx="9144000" cy="1417638"/>
+          </a:xfrm>
+          <a:prstGeom prst="rect">
+            <a:avLst/>
+          </a:prstGeom>
+          <a:noFill/>
+          <a:ln w="9525">
+            <a:noFill/>
+            <a:miter lim="800000"/>
+            <a:headEnd/>
+            <a:tailEnd/>
+          </a:ln>
+        </p:spPr>
+      </p:pic>
+      <p:sp>
+        <p:nvSpPr>
+          <p:cNvPr id="10245" name="TextBox 45"/>
+          <p:cNvSpPr txBox="1">
+            <a:spLocks noChangeArrowheads="1"/>
+          </p:cNvSpPr>
+          <p:nvPr/>
+        </p:nvSpPr>
+        <p:spPr bwMode="auto">
+          <a:xfrm>
+            <a:off x="2286000" y="228600"/>
+            <a:ext cx="4419600" cy="461963"/>
+          </a:xfrm>
+          <a:prstGeom prst="rect">
+            <a:avLst/>
+          </a:prstGeom>
+          <a:noFill/>
+          <a:ln w="9525">
+            <a:noFill/>
+            <a:miter lim="800000"/>
+            <a:headEnd/>
+            <a:tailEnd/>
+          </a:ln>
+        </p:spPr>
+        <p:txBody>
+          <a:bodyPr>
+            <a:spAutoFit/>
+          </a:bodyPr>
+          <a:lstStyle/>
+          <a:p>
+            <a:pPr algn="ctr" eaLnBrk="1" hangingPunct="1"/>
+            <a:r>
+              <a:rPr lang="en-US" sz="2400" b="1" dirty="0">
+                <a:solidFill>
+                  <a:schemeClr val="bg1"/>
+                </a:solidFill>
+                <a:latin typeface="Times New Roman" pitchFamily="18" charset="0"/>
+                <a:cs typeface="Times New Roman" pitchFamily="18" charset="0"/>
+              </a:rPr>
+              <a:t>Flowchart </a:t>
+            </a:r>
+            <a:r>
+              <a:rPr lang="id-ID" sz="2400" b="1" dirty="0" smtClean="0">
+                <a:solidFill>
+                  <a:schemeClr val="bg1"/>
+                </a:solidFill>
+                <a:latin typeface="Times New Roman" pitchFamily="18" charset="0"/>
+                <a:cs typeface="Times New Roman" pitchFamily="18" charset="0"/>
+              </a:rPr>
+              <a:t>SVM</a:t>
+            </a:r>
+            <a:endParaRPr lang="en-US" sz="2400" b="1" dirty="0">
+              <a:solidFill>
+                <a:schemeClr val="bg1"/>
+              </a:solidFill>
+              <a:latin typeface="Times New Roman" pitchFamily="18" charset="0"/>
+              <a:cs typeface="Times New Roman" pitchFamily="18" charset="0"/>
+            </a:endParaRPr>
+          </a:p>
+        </p:txBody>
+      </p:sp>
+      <p:pic>
+        <p:nvPicPr>
+          <p:cNvPr id="10246" name="Picture 6" descr="FOOTER1.png"/>
+          <p:cNvPicPr>
+            <a:picLocks noChangeAspect="1"/>
+          </p:cNvPicPr>
+          <p:nvPr/>
+        </p:nvPicPr>
+        <p:blipFill>
+          <a:blip r:embed="rId3"/>
+          <a:srcRect/>
+          <a:stretch>
+            <a:fillRect/>
+          </a:stretch>
+        </p:blipFill>
+        <p:spPr bwMode="auto">
+          <a:xfrm>
+            <a:off x="0" y="5483225"/>
+            <a:ext cx="9144000" cy="1374775"/>
+          </a:xfrm>
+          <a:prstGeom prst="rect">
+            <a:avLst/>
+          </a:prstGeom>
+          <a:noFill/>
+          <a:ln w="9525">
+            <a:noFill/>
+            <a:miter lim="800000"/>
+            <a:headEnd/>
+            <a:tailEnd/>
+          </a:ln>
+        </p:spPr>
+      </p:pic>
+      <p:sp>
+        <p:nvSpPr>
+          <p:cNvPr id="2" name="Flowchart: Terminator 1"/>
+          <p:cNvSpPr/>
+          <p:nvPr/>
+        </p:nvSpPr>
+        <p:spPr>
+          <a:xfrm>
+            <a:off x="228600" y="990600"/>
+            <a:ext cx="930275" cy="307975"/>
+          </a:xfrm>
+          <a:prstGeom prst="flowChartTerminator">
+            <a:avLst/>
+          </a:prstGeom>
+        </p:spPr>
+        <p:style>
+          <a:lnRef idx="1">
+            <a:schemeClr val="accent1"/>
+          </a:lnRef>
+          <a:fillRef idx="3">
+            <a:schemeClr val="accent1"/>
+          </a:fillRef>
+          <a:effectRef idx="2">
+            <a:schemeClr val="accent1"/>
+          </a:effectRef>
+          <a:fontRef idx="minor">
+            <a:schemeClr val="lt1"/>
+          </a:fontRef>
+        </p:style>
+        <p:txBody>
+          <a:bodyPr anchor="ctr"/>
+          <a:lstStyle/>
+          <a:p>
+            <a:pPr algn="ctr">
+              <a:defRPr/>
+            </a:pPr>
+            <a:r>
+              <a:rPr lang="en-US" dirty="0" err="1"/>
+              <a:t>Mulai</a:t>
+            </a:r>
+            <a:endParaRPr lang="en-US" dirty="0"/>
+          </a:p>
+        </p:txBody>
+      </p:sp>
+      <p:sp>
+        <p:nvSpPr>
+          <p:cNvPr id="3" name="Flowchart: Process 2"/>
+          <p:cNvSpPr/>
+          <p:nvPr/>
+        </p:nvSpPr>
+        <p:spPr>
+          <a:xfrm>
+            <a:off x="1066800" y="1657350"/>
+            <a:ext cx="2133600" cy="857250"/>
+          </a:xfrm>
+          <a:prstGeom prst="flowChartProcess">
+            <a:avLst/>
+          </a:prstGeom>
+        </p:spPr>
+        <p:style>
+          <a:lnRef idx="1">
+            <a:schemeClr val="accent1"/>
+          </a:lnRef>
+          <a:fillRef idx="3">
+            <a:schemeClr val="accent1"/>
+          </a:fillRef>
+          <a:effectRef idx="2">
+            <a:schemeClr val="accent1"/>
+          </a:effectRef>
+          <a:fontRef idx="minor">
+            <a:schemeClr val="lt1"/>
+          </a:fontRef>
+        </p:style>
+        <p:txBody>
+          <a:bodyPr anchor="ctr"/>
+          <a:lstStyle/>
+          <a:p>
+            <a:pPr algn="ctr">
+              <a:defRPr/>
+            </a:pPr>
+            <a:r>
+              <a:rPr lang="id-ID" sz="1400" dirty="0" smtClean="0"/>
+              <a:t>Vektorisasi TF –IDF dan Hitung iterasi Kernel Linear untuk x dan y</a:t>
+            </a:r>
+            <a:endParaRPr lang="en-US" sz="1400" dirty="0"/>
+          </a:p>
+        </p:txBody>
+      </p:sp>
+      <p:sp>
+        <p:nvSpPr>
+          <p:cNvPr id="17" name="Flowchart: Process 16"/>
+          <p:cNvSpPr/>
+          <p:nvPr/>
+        </p:nvSpPr>
+        <p:spPr>
+          <a:xfrm>
+            <a:off x="685800" y="2714625"/>
+            <a:ext cx="2895600" cy="866775"/>
+          </a:xfrm>
+          <a:prstGeom prst="flowChartProcess">
+            <a:avLst/>
+          </a:prstGeom>
+        </p:spPr>
+        <p:style>
+          <a:lnRef idx="1">
+            <a:schemeClr val="accent1"/>
+          </a:lnRef>
+          <a:fillRef idx="3">
+            <a:schemeClr val="accent1"/>
+          </a:fillRef>
+          <a:effectRef idx="2">
+            <a:schemeClr val="accent1"/>
+          </a:effectRef>
+          <a:fontRef idx="minor">
+            <a:schemeClr val="lt1"/>
+          </a:fontRef>
+        </p:style>
+        <p:txBody>
+          <a:bodyPr anchor="ctr"/>
+          <a:lstStyle/>
+          <a:p>
+            <a:pPr algn="ctr">
+              <a:defRPr/>
+            </a:pPr>
+            <a:r>
+              <a:rPr lang="id-ID" sz="1400" dirty="0" smtClean="0"/>
+              <a:t>Mengubah x dan y ke bentuk matrix dan menjumlahkannya untuk menentukan titik x dan y setiap kalimat</a:t>
+            </a:r>
+            <a:endParaRPr lang="en-US" sz="1400" dirty="0"/>
+          </a:p>
+        </p:txBody>
+      </p:sp>
+      <p:cxnSp>
+        <p:nvCxnSpPr>
+          <p:cNvPr id="11" name="Straight Arrow Connector 10"/>
+          <p:cNvCxnSpPr>
+            <a:stCxn id="3" idx="2"/>
+            <a:endCxn id="17" idx="0"/>
+          </p:cNvCxnSpPr>
+          <p:nvPr/>
+        </p:nvCxnSpPr>
+        <p:spPr>
+          <a:xfrm rot="5400000">
+            <a:off x="2033588" y="2614612"/>
+            <a:ext cx="200025" cy="1588"/>
+          </a:xfrm>
+          <a:prstGeom prst="straightConnector1">
+            <a:avLst/>
+          </a:prstGeom>
+          <a:ln>
+            <a:tailEnd type="triangle"/>
+          </a:ln>
+        </p:spPr>
+        <p:style>
+          <a:lnRef idx="3">
+            <a:schemeClr val="accent1"/>
+          </a:lnRef>
+          <a:fillRef idx="0">
+            <a:schemeClr val="accent1"/>
+          </a:fillRef>
+          <a:effectRef idx="2">
+            <a:schemeClr val="accent1"/>
+          </a:effectRef>
+          <a:fontRef idx="minor">
+            <a:schemeClr val="tx1"/>
+          </a:fontRef>
+        </p:style>
+      </p:cxnSp>
+      <p:sp>
+        <p:nvSpPr>
+          <p:cNvPr id="22" name="Flowchart: Process 21"/>
+          <p:cNvSpPr/>
+          <p:nvPr/>
+        </p:nvSpPr>
+        <p:spPr>
+          <a:xfrm>
+            <a:off x="806450" y="3795713"/>
+            <a:ext cx="2549525" cy="852487"/>
+          </a:xfrm>
+          <a:prstGeom prst="flowChartProcess">
+            <a:avLst/>
+          </a:prstGeom>
+        </p:spPr>
+        <p:style>
+          <a:lnRef idx="1">
+            <a:schemeClr val="accent3"/>
+          </a:lnRef>
+          <a:fillRef idx="3">
+            <a:schemeClr val="accent3"/>
+          </a:fillRef>
+          <a:effectRef idx="2">
+            <a:schemeClr val="accent3"/>
+          </a:effectRef>
+          <a:fontRef idx="minor">
+            <a:schemeClr val="lt1"/>
+          </a:fontRef>
+        </p:style>
+        <p:txBody>
+          <a:bodyPr anchor="ctr"/>
+          <a:lstStyle/>
+          <a:p>
+            <a:pPr algn="ctr">
+              <a:defRPr/>
+            </a:pPr>
+            <a:r>
+              <a:rPr lang="id-ID" dirty="0" smtClean="0"/>
+              <a:t>Menghitung Transformasi Vektor</a:t>
+            </a:r>
+            <a:endParaRPr lang="en-US" dirty="0"/>
+          </a:p>
+        </p:txBody>
+      </p:sp>
+      <p:sp>
+        <p:nvSpPr>
+          <p:cNvPr id="29" name="Flowchart: Process 28"/>
+          <p:cNvSpPr/>
+          <p:nvPr/>
+        </p:nvSpPr>
+        <p:spPr>
+          <a:xfrm>
+            <a:off x="806450" y="4862512"/>
+            <a:ext cx="2549525" cy="852488"/>
+          </a:xfrm>
+          <a:prstGeom prst="flowChartProcess">
+            <a:avLst/>
+          </a:prstGeom>
+        </p:spPr>
+        <p:style>
+          <a:lnRef idx="1">
+            <a:schemeClr val="accent1"/>
+          </a:lnRef>
+          <a:fillRef idx="3">
+            <a:schemeClr val="accent1"/>
+          </a:fillRef>
+          <a:effectRef idx="2">
+            <a:schemeClr val="accent1"/>
+          </a:effectRef>
+          <a:fontRef idx="minor">
+            <a:schemeClr val="lt1"/>
+          </a:fontRef>
+        </p:style>
+        <p:txBody>
+          <a:bodyPr anchor="ctr"/>
+          <a:lstStyle/>
+          <a:p>
+            <a:pPr algn="ctr">
+              <a:defRPr/>
+            </a:pPr>
+            <a:r>
+              <a:rPr lang="id-ID" dirty="0" smtClean="0"/>
+              <a:t>Menentukan </a:t>
+            </a:r>
+            <a:r>
+              <a:rPr lang="id-ID" dirty="0" smtClean="0"/>
+              <a:t>support vektor</a:t>
+            </a:r>
+            <a:endParaRPr lang="en-US" dirty="0"/>
+          </a:p>
+        </p:txBody>
+      </p:sp>
+      <p:sp>
+        <p:nvSpPr>
+          <p:cNvPr id="30" name="Flowchart: Terminator 29"/>
+          <p:cNvSpPr/>
+          <p:nvPr/>
+        </p:nvSpPr>
+        <p:spPr>
+          <a:xfrm>
+            <a:off x="6705600" y="5105400"/>
+            <a:ext cx="930275" cy="306388"/>
+          </a:xfrm>
+          <a:prstGeom prst="flowChartTerminator">
+            <a:avLst/>
+          </a:prstGeom>
+        </p:spPr>
+        <p:style>
+          <a:lnRef idx="1">
+            <a:schemeClr val="accent1"/>
+          </a:lnRef>
+          <a:fillRef idx="3">
+            <a:schemeClr val="accent1"/>
+          </a:fillRef>
+          <a:effectRef idx="2">
+            <a:schemeClr val="accent1"/>
+          </a:effectRef>
+          <a:fontRef idx="minor">
+            <a:schemeClr val="lt1"/>
+          </a:fontRef>
+        </p:style>
+        <p:txBody>
+          <a:bodyPr anchor="ctr"/>
+          <a:lstStyle/>
+          <a:p>
+            <a:pPr algn="ctr">
+              <a:defRPr/>
+            </a:pPr>
+            <a:r>
+              <a:rPr lang="en-US" dirty="0" err="1"/>
+              <a:t>Selesai</a:t>
+            </a:r>
+            <a:endParaRPr lang="en-US" dirty="0"/>
+          </a:p>
+        </p:txBody>
+      </p:sp>
+      <p:cxnSp>
+        <p:nvCxnSpPr>
+          <p:cNvPr id="23" name="Straight Arrow Connector 22"/>
+          <p:cNvCxnSpPr>
+            <a:stCxn id="17" idx="2"/>
+            <a:endCxn id="22" idx="0"/>
+          </p:cNvCxnSpPr>
+          <p:nvPr/>
+        </p:nvCxnSpPr>
+        <p:spPr>
+          <a:xfrm rot="5400000">
+            <a:off x="2000251" y="3662363"/>
+            <a:ext cx="214313" cy="52387"/>
+          </a:xfrm>
+          <a:prstGeom prst="straightConnector1">
+            <a:avLst/>
+          </a:prstGeom>
+          <a:ln>
+            <a:tailEnd type="triangle"/>
+          </a:ln>
+        </p:spPr>
+        <p:style>
+          <a:lnRef idx="3">
+            <a:schemeClr val="accent1"/>
+          </a:lnRef>
+          <a:fillRef idx="0">
+            <a:schemeClr val="accent1"/>
+          </a:fillRef>
+          <a:effectRef idx="2">
+            <a:schemeClr val="accent1"/>
+          </a:effectRef>
+          <a:fontRef idx="minor">
+            <a:schemeClr val="tx1"/>
+          </a:fontRef>
+        </p:style>
+      </p:cxnSp>
+      <p:cxnSp>
+        <p:nvCxnSpPr>
+          <p:cNvPr id="25" name="Straight Arrow Connector 24"/>
+          <p:cNvCxnSpPr>
+            <a:stCxn id="22" idx="2"/>
+            <a:endCxn id="29" idx="0"/>
+          </p:cNvCxnSpPr>
+          <p:nvPr/>
+        </p:nvCxnSpPr>
+        <p:spPr>
+          <a:xfrm rot="5400000">
+            <a:off x="1974057" y="4755356"/>
+            <a:ext cx="214312" cy="1588"/>
+          </a:xfrm>
+          <a:prstGeom prst="straightConnector1">
+            <a:avLst/>
+          </a:prstGeom>
+          <a:ln>
+            <a:tailEnd type="triangle"/>
+          </a:ln>
+        </p:spPr>
+        <p:style>
+          <a:lnRef idx="3">
+            <a:schemeClr val="accent1"/>
+          </a:lnRef>
+          <a:fillRef idx="0">
+            <a:schemeClr val="accent1"/>
+          </a:fillRef>
+          <a:effectRef idx="2">
+            <a:schemeClr val="accent1"/>
+          </a:effectRef>
+          <a:fontRef idx="minor">
+            <a:schemeClr val="tx1"/>
+          </a:fontRef>
+        </p:style>
+      </p:cxnSp>
+      <p:sp>
+        <p:nvSpPr>
+          <p:cNvPr id="31" name="Flowchart: Process 30"/>
+          <p:cNvSpPr/>
+          <p:nvPr/>
+        </p:nvSpPr>
+        <p:spPr>
+          <a:xfrm>
+            <a:off x="3962400" y="1295400"/>
+            <a:ext cx="2913063" cy="525463"/>
+          </a:xfrm>
+          <a:prstGeom prst="flowChartProcess">
+            <a:avLst/>
+          </a:prstGeom>
+        </p:spPr>
+        <p:style>
+          <a:lnRef idx="1">
+            <a:schemeClr val="accent3"/>
+          </a:lnRef>
+          <a:fillRef idx="3">
+            <a:schemeClr val="accent3"/>
+          </a:fillRef>
+          <a:effectRef idx="2">
+            <a:schemeClr val="accent3"/>
+          </a:effectRef>
+          <a:fontRef idx="minor">
+            <a:schemeClr val="lt1"/>
+          </a:fontRef>
+        </p:style>
+        <p:txBody>
+          <a:bodyPr anchor="ctr"/>
+          <a:lstStyle/>
+          <a:p>
+            <a:pPr algn="ctr">
+              <a:defRPr/>
+            </a:pPr>
+            <a:r>
+              <a:rPr lang="id-ID" dirty="0" smtClean="0"/>
+              <a:t>Fungsi Transformasi Vektor</a:t>
+            </a:r>
+            <a:endParaRPr lang="en-US" dirty="0"/>
+          </a:p>
+        </p:txBody>
+      </p:sp>
+      <p:sp>
+        <p:nvSpPr>
+          <p:cNvPr id="26" name="Flowchart: Data 25"/>
+          <p:cNvSpPr/>
+          <p:nvPr/>
+        </p:nvSpPr>
+        <p:spPr>
+          <a:xfrm>
+            <a:off x="1219200" y="914400"/>
+            <a:ext cx="2209800" cy="457200"/>
+          </a:xfrm>
+          <a:prstGeom prst="flowChartInputOutput">
+            <a:avLst/>
+          </a:prstGeom>
+        </p:spPr>
+        <p:style>
+          <a:lnRef idx="1">
+            <a:schemeClr val="accent1"/>
+          </a:lnRef>
+          <a:fillRef idx="3">
+            <a:schemeClr val="accent1"/>
+          </a:fillRef>
+          <a:effectRef idx="2">
+            <a:schemeClr val="accent1"/>
+          </a:effectRef>
+          <a:fontRef idx="minor">
+            <a:schemeClr val="lt1"/>
+          </a:fontRef>
+        </p:style>
+        <p:txBody>
+          <a:bodyPr anchor="ctr"/>
+          <a:lstStyle/>
+          <a:p>
+            <a:pPr algn="ctr">
+              <a:defRPr/>
+            </a:pPr>
+            <a:r>
+              <a:rPr lang="id-ID" dirty="0" smtClean="0"/>
+              <a:t>Hasil TF-IDF</a:t>
+            </a:r>
+            <a:endParaRPr lang="en-US" dirty="0"/>
+          </a:p>
+        </p:txBody>
+      </p:sp>
+      <p:cxnSp>
+        <p:nvCxnSpPr>
+          <p:cNvPr id="40" name="Straight Arrow Connector 39"/>
+          <p:cNvCxnSpPr>
+            <a:stCxn id="2" idx="3"/>
+            <a:endCxn id="26" idx="2"/>
+          </p:cNvCxnSpPr>
+          <p:nvPr/>
+        </p:nvCxnSpPr>
+        <p:spPr>
+          <a:xfrm flipV="1">
+            <a:off x="1158875" y="1143000"/>
+            <a:ext cx="281305" cy="1588"/>
+          </a:xfrm>
+          <a:prstGeom prst="straightConnector1">
+            <a:avLst/>
+          </a:prstGeom>
+          <a:ln>
+            <a:tailEnd type="arrow"/>
+          </a:ln>
+        </p:spPr>
+        <p:style>
+          <a:lnRef idx="2">
+            <a:schemeClr val="accent1"/>
+          </a:lnRef>
+          <a:fillRef idx="0">
+            <a:schemeClr val="accent1"/>
+          </a:fillRef>
+          <a:effectRef idx="1">
+            <a:schemeClr val="accent1"/>
+          </a:effectRef>
+          <a:fontRef idx="minor">
+            <a:schemeClr val="tx1"/>
+          </a:fontRef>
+        </p:style>
+      </p:cxnSp>
+      <p:cxnSp>
+        <p:nvCxnSpPr>
+          <p:cNvPr id="43" name="Straight Arrow Connector 42"/>
+          <p:cNvCxnSpPr>
+            <a:stCxn id="26" idx="3"/>
+            <a:endCxn id="3" idx="0"/>
+          </p:cNvCxnSpPr>
+          <p:nvPr/>
+        </p:nvCxnSpPr>
+        <p:spPr>
+          <a:xfrm rot="16200000" flipH="1">
+            <a:off x="1975485" y="1499235"/>
+            <a:ext cx="285750" cy="30480"/>
+          </a:xfrm>
+          <a:prstGeom prst="straightConnector1">
+            <a:avLst/>
+          </a:prstGeom>
+          <a:ln>
+            <a:tailEnd type="arrow"/>
+          </a:ln>
+        </p:spPr>
+        <p:style>
+          <a:lnRef idx="2">
+            <a:schemeClr val="accent1"/>
+          </a:lnRef>
+          <a:fillRef idx="0">
+            <a:schemeClr val="accent1"/>
+          </a:fillRef>
+          <a:effectRef idx="1">
+            <a:schemeClr val="accent1"/>
+          </a:effectRef>
+          <a:fontRef idx="minor">
+            <a:schemeClr val="tx1"/>
+          </a:fontRef>
+        </p:style>
+      </p:cxnSp>
+      <p:pic>
+        <p:nvPicPr>
+          <p:cNvPr id="33" name="Content Placeholder 32" descr="rumustransform.PNG"/>
+          <p:cNvPicPr>
+            <a:picLocks noGrp="1"/>
+          </p:cNvPicPr>
+          <p:nvPr>
+            <p:ph idx="1"/>
+          </p:nvPr>
+        </p:nvPicPr>
+        <p:blipFill>
+          <a:blip r:embed="rId4"/>
+          <a:stretch>
+            <a:fillRect/>
+          </a:stretch>
+        </p:blipFill>
+        <p:spPr>
+          <a:xfrm>
+            <a:off x="4038600" y="2133600"/>
+            <a:ext cx="4495800" cy="1371600"/>
+          </a:xfrm>
+          <a:prstGeom prst="rect">
+            <a:avLst/>
+          </a:prstGeom>
+        </p:spPr>
+      </p:pic>
+      <p:sp>
+        <p:nvSpPr>
+          <p:cNvPr id="24" name="TextBox 23"/>
+          <p:cNvSpPr txBox="1"/>
+          <p:nvPr/>
+        </p:nvSpPr>
+        <p:spPr>
+          <a:xfrm>
+            <a:off x="4038600" y="3505200"/>
+            <a:ext cx="5028941" cy="738664"/>
+          </a:xfrm>
+          <a:prstGeom prst="rect">
+            <a:avLst/>
+          </a:prstGeom>
+          <a:noFill/>
+        </p:spPr>
+        <p:txBody>
+          <a:bodyPr wrap="none" rtlCol="0">
+            <a:spAutoFit/>
+          </a:bodyPr>
+          <a:lstStyle/>
+          <a:p>
+            <a:r>
+              <a:rPr lang="id-ID" sz="1400" dirty="0" smtClean="0"/>
+              <a:t>Dimana,</a:t>
+            </a:r>
+          </a:p>
+          <a:p>
+            <a:endParaRPr lang="id-ID" sz="1400" dirty="0" smtClean="0"/>
+          </a:p>
+          <a:p>
+            <a:r>
+              <a:rPr lang="id-ID" sz="1400" dirty="0" smtClean="0"/>
+              <a:t> x dan y adalah nilai titik dari proses perhitungan sebelumnya</a:t>
+            </a:r>
+            <a:endParaRPr lang="id-ID" sz="1600" dirty="0"/>
+          </a:p>
+        </p:txBody>
+      </p:sp>
+      <p:sp>
+        <p:nvSpPr>
+          <p:cNvPr id="28" name="Flowchart: Process 27"/>
+          <p:cNvSpPr/>
+          <p:nvPr/>
+        </p:nvSpPr>
+        <p:spPr>
+          <a:xfrm>
+            <a:off x="3657600" y="4876800"/>
+            <a:ext cx="2549525" cy="852488"/>
+          </a:xfrm>
+          <a:prstGeom prst="flowChartProcess">
+            <a:avLst/>
+          </a:prstGeom>
+        </p:spPr>
+        <p:style>
+          <a:lnRef idx="1">
+            <a:schemeClr val="accent1"/>
+          </a:lnRef>
+          <a:fillRef idx="3">
+            <a:schemeClr val="accent1"/>
+          </a:fillRef>
+          <a:effectRef idx="2">
+            <a:schemeClr val="accent1"/>
+          </a:effectRef>
+          <a:fontRef idx="minor">
+            <a:schemeClr val="lt1"/>
+          </a:fontRef>
+        </p:style>
+        <p:txBody>
+          <a:bodyPr anchor="ctr"/>
+          <a:lstStyle/>
+          <a:p>
+            <a:pPr algn="ctr">
+              <a:defRPr/>
+            </a:pPr>
+            <a:r>
+              <a:rPr lang="id-ID" dirty="0" smtClean="0"/>
+              <a:t>Menentukan bobot (w) dan hyperplane (b)</a:t>
+            </a:r>
+            <a:endParaRPr lang="en-US" dirty="0"/>
+          </a:p>
+        </p:txBody>
+      </p:sp>
+      <p:cxnSp>
+        <p:nvCxnSpPr>
+          <p:cNvPr id="35" name="Straight Arrow Connector 34"/>
+          <p:cNvCxnSpPr>
+            <a:stCxn id="29" idx="3"/>
+            <a:endCxn id="28" idx="1"/>
+          </p:cNvCxnSpPr>
+          <p:nvPr/>
+        </p:nvCxnSpPr>
+        <p:spPr>
+          <a:xfrm>
+            <a:off x="3355975" y="5288756"/>
+            <a:ext cx="301625" cy="14288"/>
+          </a:xfrm>
+          <a:prstGeom prst="straightConnector1">
+            <a:avLst/>
+          </a:prstGeom>
+          <a:ln>
+            <a:tailEnd type="arrow"/>
+          </a:ln>
+        </p:spPr>
+        <p:style>
+          <a:lnRef idx="2">
+            <a:schemeClr val="accent1"/>
+          </a:lnRef>
+          <a:fillRef idx="0">
+            <a:schemeClr val="accent1"/>
+          </a:fillRef>
+          <a:effectRef idx="1">
+            <a:schemeClr val="accent1"/>
+          </a:effectRef>
+          <a:fontRef idx="minor">
+            <a:schemeClr val="tx1"/>
+          </a:fontRef>
+        </p:style>
+      </p:cxnSp>
+      <p:cxnSp>
+        <p:nvCxnSpPr>
+          <p:cNvPr id="37" name="Straight Arrow Connector 36"/>
+          <p:cNvCxnSpPr>
+            <a:stCxn id="28" idx="3"/>
+            <a:endCxn id="30" idx="1"/>
+          </p:cNvCxnSpPr>
+          <p:nvPr/>
+        </p:nvCxnSpPr>
+        <p:spPr>
+          <a:xfrm flipV="1">
+            <a:off x="6207125" y="5258594"/>
+            <a:ext cx="498475" cy="44450"/>
+          </a:xfrm>
+          <a:prstGeom prst="straightConnector1">
+            <a:avLst/>
+          </a:prstGeom>
+          <a:ln>
+            <a:tailEnd type="arrow"/>
+          </a:ln>
+        </p:spPr>
+        <p:style>
+          <a:lnRef idx="2">
+            <a:schemeClr val="accent1"/>
+          </a:lnRef>
+          <a:fillRef idx="0">
+            <a:schemeClr val="accent1"/>
+          </a:fillRef>
+          <a:effectRef idx="1">
+            <a:schemeClr val="accent1"/>
+          </a:effectRef>
+          <a:fontRef idx="minor">
+            <a:schemeClr val="tx1"/>
+          </a:fontRef>
+        </p:style>
+      </p:cxnSp>
+    </p:spTree>
+  </p:cSld>
+  <p:clrMapOvr>
+    <a:masterClrMapping/>
+  </p:clrMapOvr>
+  <p:transition>
+    <p:wipe dir="r"/>
+  </p:transition>
+  <p:timing>
+    <p:tnLst>
+      <p:par>
+        <p:cTn id="1" dur="indefinite" restart="never" nodeType="tmRoot"/>
+      </p:par>
+    </p:tnLst>
+  </p:timing>
+</p:sld>
+</file>
+
+<file path=ppt/slides/slide11.xml><?xml version="1.0" encoding="utf-8"?>
 <p:sld xmlns:a="http://schemas.openxmlformats.org/drawingml/2006/main" xmlns:r="http://schemas.openxmlformats.org/officeDocument/2006/relationships" xmlns:p="http://schemas.openxmlformats.org/presentationml/2006/main">
   <p:cSld>
     <p:spTree>
@@ -5136,7 +6052,7 @@
         </p:nvSpPr>
         <p:spPr>
           <a:xfrm>
-            <a:off x="3962400" y="1981200"/>
+            <a:off x="5791200" y="2055812"/>
             <a:ext cx="1371600" cy="533400"/>
           </a:xfrm>
           <a:prstGeom prst="rect">
@@ -5274,7 +6190,7 @@
         </p:blipFill>
         <p:spPr bwMode="auto">
           <a:xfrm>
-            <a:off x="0" y="5483225"/>
+            <a:off x="0" y="5486400"/>
             <a:ext cx="9144000" cy="1374775"/>
           </a:xfrm>
           <a:prstGeom prst="rect">
@@ -5297,7 +6213,7 @@
         </p:nvSpPr>
         <p:spPr>
           <a:xfrm>
-            <a:off x="304800" y="1063625"/>
+            <a:off x="2057400" y="1138237"/>
             <a:ext cx="930275" cy="307975"/>
           </a:xfrm>
           <a:prstGeom prst="flowChartTerminator">
@@ -5341,7 +6257,7 @@
         </p:nvSpPr>
         <p:spPr>
           <a:xfrm>
-            <a:off x="4038600" y="914400"/>
+            <a:off x="5867400" y="989012"/>
             <a:ext cx="2133600" cy="857250"/>
           </a:xfrm>
           <a:prstGeom prst="flowChartProcess">
@@ -5385,7 +6301,7 @@
         </p:nvSpPr>
         <p:spPr>
           <a:xfrm>
-            <a:off x="990600" y="1828800"/>
+            <a:off x="2819400" y="1903412"/>
             <a:ext cx="2466975" cy="1143000"/>
           </a:xfrm>
           <a:prstGeom prst="flowChartProcess">
@@ -5429,7 +6345,7 @@
         </p:nvSpPr>
         <p:spPr>
           <a:xfrm>
-            <a:off x="955675" y="3200400"/>
+            <a:off x="2784475" y="3275012"/>
             <a:ext cx="2549525" cy="852487"/>
           </a:xfrm>
           <a:prstGeom prst="flowChartProcess">
@@ -5473,8 +6389,8 @@
         </p:nvSpPr>
         <p:spPr>
           <a:xfrm>
-            <a:off x="955675" y="4267200"/>
-            <a:ext cx="2549525" cy="852488"/>
+            <a:off x="2784475" y="4341812"/>
+            <a:ext cx="2549525" cy="1068388"/>
           </a:xfrm>
           <a:prstGeom prst="flowChartProcess">
             <a:avLst/>
@@ -5502,10 +6418,14 @@
               <a:defRPr/>
             </a:pPr>
             <a:r>
-              <a:rPr lang="id-ID" dirty="0" smtClean="0"/>
-              <a:t>Membandingkan dengan hyperplane (b)</a:t>
-            </a:r>
-            <a:endParaRPr lang="en-US" dirty="0"/>
+              <a:rPr lang="id-ID" sz="1600" dirty="0" smtClean="0"/>
+              <a:t>Mengkalikan bobot dengan Transformasi vektor dan Membandingkan </a:t>
+            </a:r>
+            <a:r>
+              <a:rPr lang="id-ID" sz="1600" dirty="0" smtClean="0"/>
+              <a:t>dengan hyperplane (b)</a:t>
+            </a:r>
+            <a:endParaRPr lang="en-US" sz="1600" dirty="0"/>
           </a:p>
         </p:txBody>
       </p:sp>
@@ -5517,7 +6437,7 @@
         </p:nvSpPr>
         <p:spPr>
           <a:xfrm>
-            <a:off x="1752600" y="5334000"/>
+            <a:off x="3581400" y="5791200"/>
             <a:ext cx="930275" cy="306388"/>
           </a:xfrm>
           <a:prstGeom prst="flowChartTerminator">
@@ -5561,7 +6481,7 @@
         </p:nvSpPr>
         <p:spPr>
           <a:xfrm>
-            <a:off x="1371600" y="990600"/>
+            <a:off x="3124200" y="1065212"/>
             <a:ext cx="2209800" cy="457200"/>
           </a:xfrm>
           <a:prstGeom prst="flowChartInputOutput">
@@ -5608,7 +6528,7 @@
         </p:nvCxnSpPr>
         <p:spPr>
           <a:xfrm>
-            <a:off x="1235075" y="1217613"/>
+            <a:off x="2987675" y="1292225"/>
             <a:ext cx="357505" cy="1587"/>
           </a:xfrm>
           <a:prstGeom prst="straightConnector1">
@@ -5644,8 +6564,8 @@
         </p:nvCxnSpPr>
         <p:spPr>
           <a:xfrm>
-            <a:off x="3360420" y="1219200"/>
-            <a:ext cx="678180" cy="123825"/>
+            <a:off x="5113020" y="1293812"/>
+            <a:ext cx="754380" cy="123825"/>
           </a:xfrm>
           <a:prstGeom prst="straightConnector1">
             <a:avLst/>
@@ -5680,7 +6600,7 @@
         </p:nvCxnSpPr>
         <p:spPr>
           <a:xfrm rot="16200000" flipH="1">
-            <a:off x="2112963" y="3082925"/>
+            <a:off x="3941763" y="3157537"/>
             <a:ext cx="228600" cy="6350"/>
           </a:xfrm>
           <a:prstGeom prst="straightConnector1">
@@ -5716,7 +6636,7 @@
         </p:nvCxnSpPr>
         <p:spPr>
           <a:xfrm rot="5400000">
-            <a:off x="2123282" y="4160043"/>
+            <a:off x="3952082" y="4234655"/>
             <a:ext cx="214313" cy="1588"/>
           </a:xfrm>
           <a:prstGeom prst="straightConnector1">
@@ -5752,8 +6672,8 @@
         </p:nvCxnSpPr>
         <p:spPr>
           <a:xfrm rot="5400000">
-            <a:off x="2116932" y="5220494"/>
-            <a:ext cx="214312" cy="12700"/>
+            <a:off x="3862388" y="5594350"/>
+            <a:ext cx="381000" cy="12700"/>
           </a:xfrm>
           <a:prstGeom prst="straightConnector1">
             <a:avLst/>
@@ -5788,7 +6708,7 @@
         </p:nvCxnSpPr>
         <p:spPr>
           <a:xfrm rot="5400000">
-            <a:off x="3967163" y="1262063"/>
+            <a:off x="5795963" y="1336675"/>
             <a:ext cx="628650" cy="1647825"/>
           </a:xfrm>
           <a:prstGeom prst="bentConnector2">
@@ -5818,6 +6738,9 @@
   <p:clrMapOvr>
     <a:masterClrMapping/>
   </p:clrMapOvr>
+  <p:transition>
+    <p:wipe dir="r"/>
+  </p:transition>
   <p:timing>
     <p:tnLst>
       <p:par>
@@ -5828,7 +6751,7 @@
 </p:sld>
 </file>
 
-<file path=ppt/slides/slide11.xml><?xml version="1.0" encoding="utf-8"?>
+<file path=ppt/slides/slide12.xml><?xml version="1.0" encoding="utf-8"?>
 <p:sld xmlns:a="http://schemas.openxmlformats.org/drawingml/2006/main" xmlns:r="http://schemas.openxmlformats.org/officeDocument/2006/relationships" xmlns:p="http://schemas.openxmlformats.org/presentationml/2006/main">
   <p:cSld>
     <p:spTree>
@@ -6798,7 +7721,7 @@
 </p:sld>
 </file>
 
-<file path=ppt/slides/slide12.xml><?xml version="1.0" encoding="utf-8"?>
+<file path=ppt/slides/slide13.xml><?xml version="1.0" encoding="utf-8"?>
 <p:sld xmlns:a="http://schemas.openxmlformats.org/drawingml/2006/main" xmlns:r="http://schemas.openxmlformats.org/officeDocument/2006/relationships" xmlns:p="http://schemas.openxmlformats.org/presentationml/2006/main">
   <p:cSld>
     <p:spTree>
@@ -7628,7 +8551,7 @@
 </p:sld>
 </file>
 
-<file path=ppt/slides/slide13.xml><?xml version="1.0" encoding="utf-8"?>
+<file path=ppt/slides/slide14.xml><?xml version="1.0" encoding="utf-8"?>
 <p:sld xmlns:a="http://schemas.openxmlformats.org/drawingml/2006/main" xmlns:r="http://schemas.openxmlformats.org/officeDocument/2006/relationships" xmlns:p="http://schemas.openxmlformats.org/presentationml/2006/main">
   <p:cSld>
     <p:spTree>
@@ -8488,7 +9411,7 @@
 </p:sld>
 </file>
 
-<file path=ppt/slides/slide14.xml><?xml version="1.0" encoding="utf-8"?>
+<file path=ppt/slides/slide15.xml><?xml version="1.0" encoding="utf-8"?>
 <p:sld xmlns:a="http://schemas.openxmlformats.org/drawingml/2006/main" xmlns:r="http://schemas.openxmlformats.org/officeDocument/2006/relationships" xmlns:p="http://schemas.openxmlformats.org/presentationml/2006/main">
   <p:cSld>
     <p:spTree>
@@ -9677,7 +10600,7 @@
 </p:sld>
 </file>
 
-<file path=ppt/slides/slide15.xml><?xml version="1.0" encoding="utf-8"?>
+<file path=ppt/slides/slide16.xml><?xml version="1.0" encoding="utf-8"?>
 <p:sld xmlns:a="http://schemas.openxmlformats.org/drawingml/2006/main" xmlns:r="http://schemas.openxmlformats.org/officeDocument/2006/relationships" xmlns:p="http://schemas.openxmlformats.org/presentationml/2006/main">
   <p:cSld>
     <p:spTree>
@@ -10801,7 +11724,7 @@
 </p:sld>
 </file>
 
-<file path=ppt/slides/slide16.xml><?xml version="1.0" encoding="utf-8"?>
+<file path=ppt/slides/slide17.xml><?xml version="1.0" encoding="utf-8"?>
 <p:sld xmlns:a="http://schemas.openxmlformats.org/drawingml/2006/main" xmlns:r="http://schemas.openxmlformats.org/officeDocument/2006/relationships" xmlns:p="http://schemas.openxmlformats.org/presentationml/2006/main">
   <p:cSld>
     <p:spTree>
@@ -11324,30 +12247,21 @@
                             </p:childTnLst>
                           </p:cTn>
                         </p:par>
-                      </p:childTnLst>
-                    </p:cTn>
-                  </p:par>
-                  <p:par>
-                    <p:cTn id="10" fill="hold" nodeType="clickPar">
-                      <p:stCondLst>
-                        <p:cond delay="indefinite"/>
-                      </p:stCondLst>
-                      <p:childTnLst>
                         <p:par>
-                          <p:cTn id="11" fill="hold" nodeType="withGroup">
+                          <p:cTn id="10" fill="hold" nodeType="withGroup">
                             <p:stCondLst>
-                              <p:cond delay="0"/>
+                              <p:cond delay="500"/>
                             </p:stCondLst>
                             <p:childTnLst>
                               <p:par>
-                                <p:cTn id="12" presetID="12" presetClass="entr" presetSubtype="4" fill="hold" nodeType="clickEffect">
+                                <p:cTn id="11" presetID="12" presetClass="entr" presetSubtype="4" fill="hold" nodeType="afterEffect">
                                   <p:stCondLst>
                                     <p:cond delay="0"/>
                                   </p:stCondLst>
                                   <p:childTnLst>
                                     <p:set>
                                       <p:cBhvr>
-                                        <p:cTn id="13" dur="1" fill="hold">
+                                        <p:cTn id="12" dur="1" fill="hold">
                                           <p:stCondLst>
                                             <p:cond delay="0"/>
                                           </p:stCondLst>
@@ -11369,7 +12283,7 @@
                                     </p:set>
                                     <p:animEffect transition="in" filter="slide(fromBottom)">
                                       <p:cBhvr>
-                                        <p:cTn id="14" dur="500"/>
+                                        <p:cTn id="13" dur="500"/>
                                         <p:tgtEl>
                                           <p:spTgt spid="21507">
                                             <p:txEl>
@@ -11385,30 +12299,21 @@
                             </p:childTnLst>
                           </p:cTn>
                         </p:par>
-                      </p:childTnLst>
-                    </p:cTn>
-                  </p:par>
-                  <p:par>
-                    <p:cTn id="15" fill="hold">
-                      <p:stCondLst>
-                        <p:cond delay="indefinite"/>
-                      </p:stCondLst>
-                      <p:childTnLst>
                         <p:par>
-                          <p:cTn id="16" fill="hold">
+                          <p:cTn id="14" fill="hold">
                             <p:stCondLst>
-                              <p:cond delay="0"/>
+                              <p:cond delay="1000"/>
                             </p:stCondLst>
                             <p:childTnLst>
                               <p:par>
-                                <p:cTn id="17" presetID="12" presetClass="entr" presetSubtype="4" fill="hold" nodeType="clickEffect">
+                                <p:cTn id="15" presetID="12" presetClass="entr" presetSubtype="4" fill="hold" nodeType="afterEffect">
                                   <p:stCondLst>
                                     <p:cond delay="0"/>
                                   </p:stCondLst>
                                   <p:childTnLst>
                                     <p:set>
                                       <p:cBhvr>
-                                        <p:cTn id="18" dur="1" fill="hold">
+                                        <p:cTn id="16" dur="1" fill="hold">
                                           <p:stCondLst>
                                             <p:cond delay="0"/>
                                           </p:stCondLst>
@@ -11430,7 +12335,7 @@
                                     </p:set>
                                     <p:animEffect transition="in" filter="slide(fromBottom)">
                                       <p:cBhvr>
-                                        <p:cTn id="19" dur="500"/>
+                                        <p:cTn id="17" dur="500"/>
                                         <p:tgtEl>
                                           <p:spTgt spid="21507">
                                             <p:txEl>
@@ -11446,30 +12351,21 @@
                             </p:childTnLst>
                           </p:cTn>
                         </p:par>
-                      </p:childTnLst>
-                    </p:cTn>
-                  </p:par>
-                  <p:par>
-                    <p:cTn id="20" fill="hold">
-                      <p:stCondLst>
-                        <p:cond delay="indefinite"/>
-                      </p:stCondLst>
-                      <p:childTnLst>
                         <p:par>
-                          <p:cTn id="21" fill="hold">
+                          <p:cTn id="18" fill="hold">
                             <p:stCondLst>
-                              <p:cond delay="0"/>
+                              <p:cond delay="1500"/>
                             </p:stCondLst>
                             <p:childTnLst>
                               <p:par>
-                                <p:cTn id="22" presetID="12" presetClass="entr" presetSubtype="4" fill="hold" nodeType="clickEffect">
+                                <p:cTn id="19" presetID="12" presetClass="entr" presetSubtype="4" fill="hold" nodeType="afterEffect">
                                   <p:stCondLst>
                                     <p:cond delay="0"/>
                                   </p:stCondLst>
                                   <p:childTnLst>
                                     <p:set>
                                       <p:cBhvr>
-                                        <p:cTn id="23" dur="1" fill="hold">
+                                        <p:cTn id="20" dur="1" fill="hold">
                                           <p:stCondLst>
                                             <p:cond delay="0"/>
                                           </p:stCondLst>
@@ -11491,7 +12387,7 @@
                                     </p:set>
                                     <p:animEffect transition="in" filter="slide(fromBottom)">
                                       <p:cBhvr>
-                                        <p:cTn id="24" dur="500"/>
+                                        <p:cTn id="21" dur="500"/>
                                         <p:tgtEl>
                                           <p:spTgt spid="21507">
                                             <p:txEl>
@@ -11721,7 +12617,15 @@
             </a:r>
             <a:r>
               <a:rPr lang="id-ID" sz="2000" b="1" dirty="0" smtClean="0"/>
-              <a:t>untuk segala hal baik interaksi pribadi maupun interaksi masyarakat dan pemerintahan, tidak terkecuali KPU</a:t>
+              <a:t>untuk segala hal baik interaksi pribadi maupun interaksi masyarakat dan pemerintahan, </a:t>
+            </a:r>
+            <a:r>
+              <a:rPr lang="id-ID" sz="2000" b="1" smtClean="0"/>
+              <a:t>tidak terkecuali kritis terhadap </a:t>
+            </a:r>
+            <a:r>
+              <a:rPr lang="id-ID" sz="2000" b="1" dirty="0" smtClean="0"/>
+              <a:t>KPU</a:t>
             </a:r>
           </a:p>
           <a:p>
@@ -12151,30 +13055,21 @@
                             </p:childTnLst>
                           </p:cTn>
                         </p:par>
-                      </p:childTnLst>
-                    </p:cTn>
-                  </p:par>
-                  <p:par>
-                    <p:cTn id="9" fill="hold">
-                      <p:stCondLst>
-                        <p:cond delay="indefinite"/>
-                      </p:stCondLst>
-                      <p:childTnLst>
                         <p:par>
-                          <p:cTn id="10" fill="hold">
+                          <p:cTn id="9" fill="hold">
                             <p:stCondLst>
-                              <p:cond delay="0"/>
+                              <p:cond delay="500"/>
                             </p:stCondLst>
                             <p:childTnLst>
                               <p:par>
-                                <p:cTn id="11" presetID="3" presetClass="entr" presetSubtype="10" fill="hold" nodeType="clickEffect">
+                                <p:cTn id="10" presetID="3" presetClass="entr" presetSubtype="10" fill="hold" nodeType="afterEffect">
                                   <p:stCondLst>
                                     <p:cond delay="0"/>
                                   </p:stCondLst>
                                   <p:childTnLst>
                                     <p:set>
                                       <p:cBhvr>
-                                        <p:cTn id="12" dur="1" fill="hold">
+                                        <p:cTn id="11" dur="1" fill="hold">
                                           <p:stCondLst>
                                             <p:cond delay="0"/>
                                           </p:stCondLst>
@@ -12196,7 +13091,7 @@
                                     </p:set>
                                     <p:animEffect transition="in" filter="blinds(horizontal)">
                                       <p:cBhvr>
-                                        <p:cTn id="13" dur="500"/>
+                                        <p:cTn id="12" dur="500"/>
                                         <p:tgtEl>
                                           <p:spTgt spid="4099">
                                             <p:txEl>
@@ -12212,30 +13107,21 @@
                             </p:childTnLst>
                           </p:cTn>
                         </p:par>
-                      </p:childTnLst>
-                    </p:cTn>
-                  </p:par>
-                  <p:par>
-                    <p:cTn id="14" fill="hold">
-                      <p:stCondLst>
-                        <p:cond delay="indefinite"/>
-                      </p:stCondLst>
-                      <p:childTnLst>
                         <p:par>
-                          <p:cTn id="15" fill="hold">
+                          <p:cTn id="13" fill="hold">
                             <p:stCondLst>
-                              <p:cond delay="0"/>
+                              <p:cond delay="1000"/>
                             </p:stCondLst>
                             <p:childTnLst>
                               <p:par>
-                                <p:cTn id="16" presetID="3" presetClass="entr" presetSubtype="10" fill="hold" nodeType="clickEffect">
+                                <p:cTn id="14" presetID="3" presetClass="entr" presetSubtype="10" fill="hold" nodeType="afterEffect">
                                   <p:stCondLst>
                                     <p:cond delay="0"/>
                                   </p:stCondLst>
                                   <p:childTnLst>
                                     <p:set>
                                       <p:cBhvr>
-                                        <p:cTn id="17" dur="1" fill="hold">
+                                        <p:cTn id="15" dur="1" fill="hold">
                                           <p:stCondLst>
                                             <p:cond delay="0"/>
                                           </p:stCondLst>
@@ -12257,7 +13143,7 @@
                                     </p:set>
                                     <p:animEffect transition="in" filter="blinds(horizontal)">
                                       <p:cBhvr>
-                                        <p:cTn id="18" dur="500"/>
+                                        <p:cTn id="16" dur="500"/>
                                         <p:tgtEl>
                                           <p:spTgt spid="4099">
                                             <p:txEl>
@@ -12273,30 +13159,21 @@
                             </p:childTnLst>
                           </p:cTn>
                         </p:par>
-                      </p:childTnLst>
-                    </p:cTn>
-                  </p:par>
-                  <p:par>
-                    <p:cTn id="19" fill="hold">
-                      <p:stCondLst>
-                        <p:cond delay="indefinite"/>
-                      </p:stCondLst>
-                      <p:childTnLst>
                         <p:par>
-                          <p:cTn id="20" fill="hold">
+                          <p:cTn id="17" fill="hold">
                             <p:stCondLst>
-                              <p:cond delay="0"/>
+                              <p:cond delay="1500"/>
                             </p:stCondLst>
                             <p:childTnLst>
                               <p:par>
-                                <p:cTn id="21" presetID="3" presetClass="entr" presetSubtype="10" fill="hold" nodeType="clickEffect">
+                                <p:cTn id="18" presetID="3" presetClass="entr" presetSubtype="10" fill="hold" nodeType="afterEffect">
                                   <p:stCondLst>
                                     <p:cond delay="0"/>
                                   </p:stCondLst>
                                   <p:childTnLst>
                                     <p:set>
                                       <p:cBhvr>
-                                        <p:cTn id="22" dur="1" fill="hold">
+                                        <p:cTn id="19" dur="1" fill="hold">
                                           <p:stCondLst>
                                             <p:cond delay="0"/>
                                           </p:stCondLst>
@@ -12318,7 +13195,7 @@
                                     </p:set>
                                     <p:animEffect transition="in" filter="blinds(horizontal)">
                                       <p:cBhvr>
-                                        <p:cTn id="23" dur="500"/>
+                                        <p:cTn id="20" dur="500"/>
                                         <p:tgtEl>
                                           <p:spTgt spid="4099">
                                             <p:txEl>
@@ -12334,30 +13211,21 @@
                             </p:childTnLst>
                           </p:cTn>
                         </p:par>
-                      </p:childTnLst>
-                    </p:cTn>
-                  </p:par>
-                  <p:par>
-                    <p:cTn id="24" fill="hold">
-                      <p:stCondLst>
-                        <p:cond delay="indefinite"/>
-                      </p:stCondLst>
-                      <p:childTnLst>
                         <p:par>
-                          <p:cTn id="25" fill="hold">
+                          <p:cTn id="21" fill="hold">
                             <p:stCondLst>
-                              <p:cond delay="0"/>
+                              <p:cond delay="2000"/>
                             </p:stCondLst>
                             <p:childTnLst>
                               <p:par>
-                                <p:cTn id="26" presetID="3" presetClass="entr" presetSubtype="10" fill="hold" nodeType="clickEffect">
+                                <p:cTn id="22" presetID="3" presetClass="entr" presetSubtype="10" fill="hold" nodeType="afterEffect">
                                   <p:stCondLst>
                                     <p:cond delay="0"/>
                                   </p:stCondLst>
                                   <p:childTnLst>
                                     <p:set>
                                       <p:cBhvr>
-                                        <p:cTn id="27" dur="1" fill="hold">
+                                        <p:cTn id="23" dur="1" fill="hold">
                                           <p:stCondLst>
                                             <p:cond delay="0"/>
                                           </p:stCondLst>
@@ -12379,7 +13247,7 @@
                                     </p:set>
                                     <p:animEffect transition="in" filter="blinds(horizontal)">
                                       <p:cBhvr>
-                                        <p:cTn id="28" dur="500"/>
+                                        <p:cTn id="24" dur="500"/>
                                         <p:tgtEl>
                                           <p:spTgt spid="4099">
                                             <p:txEl>
@@ -13499,30 +14367,21 @@
                             </p:childTnLst>
                           </p:cTn>
                         </p:par>
-                      </p:childTnLst>
-                    </p:cTn>
-                  </p:par>
-                  <p:par>
-                    <p:cTn id="9" fill="hold" nodeType="clickPar">
-                      <p:stCondLst>
-                        <p:cond delay="indefinite"/>
-                      </p:stCondLst>
-                      <p:childTnLst>
                         <p:par>
-                          <p:cTn id="10" fill="hold" nodeType="withGroup">
+                          <p:cTn id="9" fill="hold" nodeType="withGroup">
                             <p:stCondLst>
-                              <p:cond delay="0"/>
+                              <p:cond delay="500"/>
                             </p:stCondLst>
                             <p:childTnLst>
                               <p:par>
-                                <p:cTn id="11" presetID="3" presetClass="entr" presetSubtype="10" fill="hold" nodeType="clickEffect">
+                                <p:cTn id="10" presetID="3" presetClass="entr" presetSubtype="10" fill="hold" nodeType="afterEffect">
                                   <p:stCondLst>
                                     <p:cond delay="0"/>
                                   </p:stCondLst>
                                   <p:childTnLst>
                                     <p:set>
                                       <p:cBhvr>
-                                        <p:cTn id="12" dur="1" fill="hold">
+                                        <p:cTn id="11" dur="1" fill="hold">
                                           <p:stCondLst>
                                             <p:cond delay="0"/>
                                           </p:stCondLst>
@@ -13544,7 +14403,7 @@
                                     </p:set>
                                     <p:animEffect transition="in" filter="blinds(horizontal)">
                                       <p:cBhvr>
-                                        <p:cTn id="13" dur="500"/>
+                                        <p:cTn id="12" dur="500"/>
                                         <p:tgtEl>
                                           <p:spTgt spid="4099">
                                             <p:txEl>
@@ -13560,30 +14419,21 @@
                             </p:childTnLst>
                           </p:cTn>
                         </p:par>
-                      </p:childTnLst>
-                    </p:cTn>
-                  </p:par>
-                  <p:par>
-                    <p:cTn id="14" fill="hold">
-                      <p:stCondLst>
-                        <p:cond delay="indefinite"/>
-                      </p:stCondLst>
-                      <p:childTnLst>
                         <p:par>
-                          <p:cTn id="15" fill="hold">
+                          <p:cTn id="13" fill="hold">
                             <p:stCondLst>
-                              <p:cond delay="0"/>
+                              <p:cond delay="1000"/>
                             </p:stCondLst>
                             <p:childTnLst>
                               <p:par>
-                                <p:cTn id="16" presetID="3" presetClass="entr" presetSubtype="10" fill="hold" nodeType="clickEffect">
+                                <p:cTn id="14" presetID="3" presetClass="entr" presetSubtype="10" fill="hold" nodeType="afterEffect">
                                   <p:stCondLst>
                                     <p:cond delay="0"/>
                                   </p:stCondLst>
                                   <p:childTnLst>
                                     <p:set>
                                       <p:cBhvr>
-                                        <p:cTn id="17" dur="1" fill="hold">
+                                        <p:cTn id="15" dur="1" fill="hold">
                                           <p:stCondLst>
                                             <p:cond delay="0"/>
                                           </p:stCondLst>
@@ -13605,7 +14455,7 @@
                                     </p:set>
                                     <p:animEffect transition="in" filter="blinds(horizontal)">
                                       <p:cBhvr>
-                                        <p:cTn id="18" dur="500"/>
+                                        <p:cTn id="16" dur="500"/>
                                         <p:tgtEl>
                                           <p:spTgt spid="4099">
                                             <p:txEl>
@@ -13621,30 +14471,21 @@
                             </p:childTnLst>
                           </p:cTn>
                         </p:par>
-                      </p:childTnLst>
-                    </p:cTn>
-                  </p:par>
-                  <p:par>
-                    <p:cTn id="19" fill="hold">
-                      <p:stCondLst>
-                        <p:cond delay="indefinite"/>
-                      </p:stCondLst>
-                      <p:childTnLst>
                         <p:par>
-                          <p:cTn id="20" fill="hold">
+                          <p:cTn id="17" fill="hold">
                             <p:stCondLst>
-                              <p:cond delay="0"/>
+                              <p:cond delay="1500"/>
                             </p:stCondLst>
                             <p:childTnLst>
                               <p:par>
-                                <p:cTn id="21" presetID="3" presetClass="entr" presetSubtype="10" fill="hold" nodeType="clickEffect">
+                                <p:cTn id="18" presetID="3" presetClass="entr" presetSubtype="10" fill="hold" nodeType="afterEffect">
                                   <p:stCondLst>
                                     <p:cond delay="0"/>
                                   </p:stCondLst>
                                   <p:childTnLst>
                                     <p:set>
                                       <p:cBhvr>
-                                        <p:cTn id="22" dur="1" fill="hold">
+                                        <p:cTn id="19" dur="1" fill="hold">
                                           <p:stCondLst>
                                             <p:cond delay="0"/>
                                           </p:stCondLst>
@@ -13666,7 +14507,7 @@
                                     </p:set>
                                     <p:animEffect transition="in" filter="blinds(horizontal)">
                                       <p:cBhvr>
-                                        <p:cTn id="23" dur="500"/>
+                                        <p:cTn id="20" dur="500"/>
                                         <p:tgtEl>
                                           <p:spTgt spid="4099">
                                             <p:txEl>
@@ -14216,30 +15057,21 @@
                             </p:childTnLst>
                           </p:cTn>
                         </p:par>
-                      </p:childTnLst>
-                    </p:cTn>
-                  </p:par>
-                  <p:par>
-                    <p:cTn id="10" fill="hold" nodeType="clickPar">
-                      <p:stCondLst>
-                        <p:cond delay="indefinite"/>
-                      </p:stCondLst>
-                      <p:childTnLst>
                         <p:par>
-                          <p:cTn id="11" fill="hold" nodeType="withGroup">
+                          <p:cTn id="10" fill="hold" nodeType="withGroup">
                             <p:stCondLst>
-                              <p:cond delay="0"/>
+                              <p:cond delay="500"/>
                             </p:stCondLst>
                             <p:childTnLst>
                               <p:par>
-                                <p:cTn id="12" presetID="4" presetClass="entr" presetSubtype="16" fill="hold" nodeType="clickEffect">
+                                <p:cTn id="11" presetID="4" presetClass="entr" presetSubtype="16" fill="hold" nodeType="afterEffect">
                                   <p:stCondLst>
                                     <p:cond delay="0"/>
                                   </p:stCondLst>
                                   <p:childTnLst>
                                     <p:set>
                                       <p:cBhvr>
-                                        <p:cTn id="13" dur="1" fill="hold">
+                                        <p:cTn id="12" dur="1" fill="hold">
                                           <p:stCondLst>
                                             <p:cond delay="0"/>
                                           </p:stCondLst>
@@ -14261,7 +15093,7 @@
                                     </p:set>
                                     <p:animEffect transition="in" filter="box(in)">
                                       <p:cBhvr>
-                                        <p:cTn id="14" dur="500"/>
+                                        <p:cTn id="13" dur="500"/>
                                         <p:tgtEl>
                                           <p:spTgt spid="5123">
                                             <p:txEl>
@@ -14277,30 +15109,21 @@
                             </p:childTnLst>
                           </p:cTn>
                         </p:par>
-                      </p:childTnLst>
-                    </p:cTn>
-                  </p:par>
-                  <p:par>
-                    <p:cTn id="15" fill="hold">
-                      <p:stCondLst>
-                        <p:cond delay="indefinite"/>
-                      </p:stCondLst>
-                      <p:childTnLst>
                         <p:par>
-                          <p:cTn id="16" fill="hold">
+                          <p:cTn id="14" fill="hold">
                             <p:stCondLst>
-                              <p:cond delay="0"/>
+                              <p:cond delay="1000"/>
                             </p:stCondLst>
                             <p:childTnLst>
                               <p:par>
-                                <p:cTn id="17" presetID="4" presetClass="entr" presetSubtype="16" fill="hold" nodeType="clickEffect">
+                                <p:cTn id="15" presetID="4" presetClass="entr" presetSubtype="16" fill="hold" nodeType="afterEffect">
                                   <p:stCondLst>
                                     <p:cond delay="0"/>
                                   </p:stCondLst>
                                   <p:childTnLst>
                                     <p:set>
                                       <p:cBhvr>
-                                        <p:cTn id="18" dur="1" fill="hold">
+                                        <p:cTn id="16" dur="1" fill="hold">
                                           <p:stCondLst>
                                             <p:cond delay="0"/>
                                           </p:stCondLst>
@@ -14322,7 +15145,7 @@
                                     </p:set>
                                     <p:animEffect transition="in" filter="box(in)">
                                       <p:cBhvr>
-                                        <p:cTn id="19" dur="500"/>
+                                        <p:cTn id="17" dur="500"/>
                                         <p:tgtEl>
                                           <p:spTgt spid="5123">
                                             <p:txEl>
@@ -14338,35 +15161,26 @@
                             </p:childTnLst>
                           </p:cTn>
                         </p:par>
-                      </p:childTnLst>
-                    </p:cTn>
-                  </p:par>
-                  <p:par>
-                    <p:cTn id="20" fill="hold" nodeType="clickPar">
-                      <p:stCondLst>
-                        <p:cond delay="indefinite"/>
-                      </p:stCondLst>
-                      <p:childTnLst>
                         <p:par>
-                          <p:cTn id="21" fill="hold" nodeType="withGroup">
+                          <p:cTn id="18" fill="hold" nodeType="withGroup">
                             <p:stCondLst>
-                              <p:cond delay="0"/>
+                              <p:cond delay="1500"/>
                             </p:stCondLst>
                             <p:childTnLst>
                               <p:par>
-                                <p:cTn id="22" presetID="4" presetClass="entr" presetSubtype="16" fill="hold" nodeType="clickEffect" nodePh="1">
+                                <p:cTn id="19" presetID="4" presetClass="entr" presetSubtype="16" fill="hold" nodeType="afterEffect" nodePh="1">
                                   <p:stCondLst>
                                     <p:cond delay="0"/>
                                   </p:stCondLst>
                                   <p:endCondLst>
                                     <p:cond evt="begin" delay="0">
-                                      <p:tn val="22"/>
+                                      <p:tn val="19"/>
                                     </p:cond>
                                   </p:endCondLst>
                                   <p:childTnLst>
                                     <p:set>
                                       <p:cBhvr>
-                                        <p:cTn id="23" dur="1" fill="hold">
+                                        <p:cTn id="20" dur="1" fill="hold">
                                           <p:stCondLst>
                                             <p:cond delay="0"/>
                                           </p:stCondLst>
@@ -14388,7 +15202,7 @@
                                     </p:set>
                                     <p:animEffect transition="in" filter="box(in)">
                                       <p:cBhvr>
-                                        <p:cTn id="24" dur="500"/>
+                                        <p:cTn id="21" dur="500"/>
                                         <p:tgtEl>
                                           <p:spTgt spid="5">
                                             <p:txEl>
@@ -14668,7 +15482,7 @@
         </p:nvSpPr>
         <p:spPr>
           <a:xfrm>
-            <a:off x="3886200" y="990600"/>
+            <a:off x="3962400" y="1006475"/>
             <a:ext cx="1066800" cy="365125"/>
           </a:xfrm>
           <a:prstGeom prst="flowChartAlternateProcess">
@@ -14699,54 +15513,6 @@
             <a:r>
               <a:rPr lang="en-US" dirty="0" err="1"/>
               <a:t>Mulai</a:t>
-            </a:r>
-            <a:endParaRPr lang="en-US" dirty="0"/>
-          </a:p>
-        </p:txBody>
-      </p:sp>
-      <p:sp>
-        <p:nvSpPr>
-          <p:cNvPr id="4" name="Flowchart: Data 3"/>
-          <p:cNvSpPr/>
-          <p:nvPr/>
-        </p:nvSpPr>
-        <p:spPr>
-          <a:xfrm>
-            <a:off x="3429000" y="1577974"/>
-            <a:ext cx="1981200" cy="555625"/>
-          </a:xfrm>
-          <a:prstGeom prst="flowChartInputOutput">
-            <a:avLst/>
-          </a:prstGeom>
-        </p:spPr>
-        <p:style>
-          <a:lnRef idx="1">
-            <a:schemeClr val="accent2"/>
-          </a:lnRef>
-          <a:fillRef idx="3">
-            <a:schemeClr val="accent2"/>
-          </a:fillRef>
-          <a:effectRef idx="2">
-            <a:schemeClr val="accent2"/>
-          </a:effectRef>
-          <a:fontRef idx="minor">
-            <a:schemeClr val="lt1"/>
-          </a:fontRef>
-        </p:style>
-        <p:txBody>
-          <a:bodyPr anchor="ctr"/>
-          <a:lstStyle/>
-          <a:p>
-            <a:pPr algn="ctr">
-              <a:defRPr/>
-            </a:pPr>
-            <a:r>
-              <a:rPr lang="en-US" dirty="0"/>
-              <a:t>Input </a:t>
-            </a:r>
-            <a:r>
-              <a:rPr lang="id-ID" dirty="0" smtClean="0"/>
-              <a:t>Tweets</a:t>
             </a:r>
             <a:endParaRPr lang="en-US" dirty="0"/>
           </a:p>
@@ -14888,14 +15654,14 @@
           <p:cNvPr id="8" name="Straight Arrow Connector 7"/>
           <p:cNvCxnSpPr>
             <a:stCxn id="3" idx="2"/>
-            <a:endCxn id="4" idx="1"/>
+            <a:endCxn id="20" idx="0"/>
           </p:cNvCxnSpPr>
           <p:nvPr/>
         </p:nvCxnSpPr>
         <p:spPr>
           <a:xfrm rot="5400000">
-            <a:off x="4308476" y="1466849"/>
-            <a:ext cx="222249" cy="1588"/>
+            <a:off x="4362450" y="1466850"/>
+            <a:ext cx="228600" cy="38100"/>
           </a:xfrm>
           <a:prstGeom prst="straightConnector1">
             <a:avLst/>
@@ -14923,15 +15689,15 @@
         <p:nvCxnSpPr>
           <p:cNvPr id="11" name="Straight Arrow Connector 10"/>
           <p:cNvCxnSpPr>
-            <a:stCxn id="4" idx="4"/>
+            <a:stCxn id="20" idx="2"/>
             <a:endCxn id="5" idx="0"/>
           </p:cNvCxnSpPr>
           <p:nvPr/>
         </p:nvCxnSpPr>
         <p:spPr>
-          <a:xfrm rot="16200000" flipH="1">
-            <a:off x="4286250" y="2266949"/>
-            <a:ext cx="304801" cy="38100"/>
+          <a:xfrm rot="5400000">
+            <a:off x="4305300" y="2286000"/>
+            <a:ext cx="304800" cy="1588"/>
           </a:xfrm>
           <a:prstGeom prst="straightConnector1">
             <a:avLst/>
@@ -15187,11 +15953,60 @@
           </a:fontRef>
         </p:style>
       </p:cxnSp>
+      <p:sp>
+        <p:nvSpPr>
+          <p:cNvPr id="20" name="Rectangle 19"/>
+          <p:cNvSpPr/>
+          <p:nvPr/>
+        </p:nvSpPr>
+        <p:spPr>
+          <a:xfrm>
+            <a:off x="3505200" y="1600200"/>
+            <a:ext cx="1904999" cy="533400"/>
+          </a:xfrm>
+          <a:prstGeom prst="rect">
+            <a:avLst/>
+          </a:prstGeom>
+        </p:spPr>
+        <p:style>
+          <a:lnRef idx="2">
+            <a:schemeClr val="accent3">
+              <a:shade val="50000"/>
+            </a:schemeClr>
+          </a:lnRef>
+          <a:fillRef idx="1">
+            <a:schemeClr val="accent3"/>
+          </a:fillRef>
+          <a:effectRef idx="0">
+            <a:schemeClr val="accent3"/>
+          </a:effectRef>
+          <a:fontRef idx="minor">
+            <a:schemeClr val="lt1"/>
+          </a:fontRef>
+        </p:style>
+        <p:txBody>
+          <a:bodyPr anchor="ctr"/>
+          <a:lstStyle/>
+          <a:p>
+            <a:pPr algn="ctr">
+              <a:defRPr/>
+            </a:pPr>
+            <a:r>
+              <a:rPr lang="id-ID" dirty="0" smtClean="0"/>
+              <a:t>Ekstraksi Tweet</a:t>
+            </a:r>
+            <a:endParaRPr lang="en-US" dirty="0"/>
+          </a:p>
+        </p:txBody>
+      </p:sp>
     </p:spTree>
   </p:cSld>
   <p:clrMapOvr>
     <a:masterClrMapping/>
   </p:clrMapOvr>
+  <p:transition>
+    <p:dissolve/>
+  </p:transition>
   <p:timing>
     <p:tnLst>
       <p:par>
@@ -15203,6 +16018,636 @@
 </file>
 
 <file path=ppt/slides/slide7.xml><?xml version="1.0" encoding="utf-8"?>
+<p:sld xmlns:a="http://schemas.openxmlformats.org/drawingml/2006/main" xmlns:r="http://schemas.openxmlformats.org/officeDocument/2006/relationships" xmlns:p="http://schemas.openxmlformats.org/presentationml/2006/main">
+  <p:cSld>
+    <p:spTree>
+      <p:nvGrpSpPr>
+        <p:cNvPr id="1" name=""/>
+        <p:cNvGrpSpPr/>
+        <p:nvPr/>
+      </p:nvGrpSpPr>
+      <p:grpSpPr>
+        <a:xfrm>
+          <a:off x="0" y="0"/>
+          <a:ext cx="0" cy="0"/>
+          <a:chOff x="0" y="0"/>
+          <a:chExt cx="0" cy="0"/>
+        </a:xfrm>
+      </p:grpSpPr>
+      <p:sp>
+        <p:nvSpPr>
+          <p:cNvPr id="9218" name="Titre 1"/>
+          <p:cNvSpPr>
+            <a:spLocks noGrp="1"/>
+          </p:cNvSpPr>
+          <p:nvPr>
+            <p:ph type="title"/>
+          </p:nvPr>
+        </p:nvSpPr>
+        <p:spPr/>
+        <p:txBody>
+          <a:bodyPr/>
+          <a:lstStyle/>
+          <a:p>
+            <a:pPr eaLnBrk="1" hangingPunct="1"/>
+            <a:r>
+              <a:rPr lang="fr-CA" smtClean="0">
+                <a:solidFill>
+                  <a:schemeClr val="bg1"/>
+                </a:solidFill>
+              </a:rPr>
+              <a:t>Struktur Navigasi</a:t>
+            </a:r>
+          </a:p>
+        </p:txBody>
+      </p:sp>
+      <p:pic>
+        <p:nvPicPr>
+          <p:cNvPr id="9220" name="Picture 7" descr="HEADER1 copy.png"/>
+          <p:cNvPicPr>
+            <a:picLocks noChangeAspect="1"/>
+          </p:cNvPicPr>
+          <p:nvPr/>
+        </p:nvPicPr>
+        <p:blipFill>
+          <a:blip r:embed="rId2"/>
+          <a:srcRect/>
+          <a:stretch>
+            <a:fillRect/>
+          </a:stretch>
+        </p:blipFill>
+        <p:spPr bwMode="auto">
+          <a:xfrm>
+            <a:off x="0" y="0"/>
+            <a:ext cx="9144000" cy="1417638"/>
+          </a:xfrm>
+          <a:prstGeom prst="rect">
+            <a:avLst/>
+          </a:prstGeom>
+          <a:noFill/>
+          <a:ln w="9525">
+            <a:noFill/>
+            <a:miter lim="800000"/>
+            <a:headEnd/>
+            <a:tailEnd/>
+          </a:ln>
+        </p:spPr>
+      </p:pic>
+      <p:sp>
+        <p:nvSpPr>
+          <p:cNvPr id="9221" name="TextBox 45"/>
+          <p:cNvSpPr txBox="1">
+            <a:spLocks noChangeArrowheads="1"/>
+          </p:cNvSpPr>
+          <p:nvPr/>
+        </p:nvSpPr>
+        <p:spPr bwMode="auto">
+          <a:xfrm>
+            <a:off x="2286000" y="228600"/>
+            <a:ext cx="4419600" cy="523875"/>
+          </a:xfrm>
+          <a:prstGeom prst="rect">
+            <a:avLst/>
+          </a:prstGeom>
+          <a:noFill/>
+          <a:ln w="9525">
+            <a:noFill/>
+            <a:miter lim="800000"/>
+            <a:headEnd/>
+            <a:tailEnd/>
+          </a:ln>
+        </p:spPr>
+        <p:txBody>
+          <a:bodyPr>
+            <a:spAutoFit/>
+          </a:bodyPr>
+          <a:lstStyle/>
+          <a:p>
+            <a:pPr algn="ctr" eaLnBrk="1" hangingPunct="1"/>
+            <a:r>
+              <a:rPr lang="id-ID" sz="2800" b="1" dirty="0" smtClean="0">
+                <a:solidFill>
+                  <a:schemeClr val="bg1"/>
+                </a:solidFill>
+                <a:latin typeface="Times New Roman" pitchFamily="18" charset="0"/>
+                <a:cs typeface="Times New Roman" pitchFamily="18" charset="0"/>
+              </a:rPr>
+              <a:t>Ekstraksi Tweet</a:t>
+            </a:r>
+            <a:endParaRPr lang="en-US" sz="2800" b="1" dirty="0">
+              <a:solidFill>
+                <a:schemeClr val="bg1"/>
+              </a:solidFill>
+              <a:latin typeface="Times New Roman" pitchFamily="18" charset="0"/>
+              <a:cs typeface="Times New Roman" pitchFamily="18" charset="0"/>
+            </a:endParaRPr>
+          </a:p>
+        </p:txBody>
+      </p:sp>
+      <p:pic>
+        <p:nvPicPr>
+          <p:cNvPr id="9222" name="Picture 6" descr="FOOTER1.png"/>
+          <p:cNvPicPr>
+            <a:picLocks noChangeAspect="1"/>
+          </p:cNvPicPr>
+          <p:nvPr/>
+        </p:nvPicPr>
+        <p:blipFill>
+          <a:blip r:embed="rId3"/>
+          <a:srcRect/>
+          <a:stretch>
+            <a:fillRect/>
+          </a:stretch>
+        </p:blipFill>
+        <p:spPr bwMode="auto">
+          <a:xfrm>
+            <a:off x="0" y="5483225"/>
+            <a:ext cx="9144000" cy="1374775"/>
+          </a:xfrm>
+          <a:prstGeom prst="rect">
+            <a:avLst/>
+          </a:prstGeom>
+          <a:noFill/>
+          <a:ln w="9525">
+            <a:noFill/>
+            <a:miter lim="800000"/>
+            <a:headEnd/>
+            <a:tailEnd/>
+          </a:ln>
+        </p:spPr>
+      </p:pic>
+      <p:sp>
+        <p:nvSpPr>
+          <p:cNvPr id="13" name="Rectangle 12"/>
+          <p:cNvSpPr/>
+          <p:nvPr/>
+        </p:nvSpPr>
+        <p:spPr>
+          <a:xfrm>
+            <a:off x="3219450" y="917575"/>
+            <a:ext cx="1846263" cy="314325"/>
+          </a:xfrm>
+          <a:prstGeom prst="rect">
+            <a:avLst/>
+          </a:prstGeom>
+          <a:ln>
+            <a:solidFill>
+              <a:schemeClr val="bg1"/>
+            </a:solidFill>
+          </a:ln>
+        </p:spPr>
+        <p:style>
+          <a:lnRef idx="2">
+            <a:schemeClr val="accent4"/>
+          </a:lnRef>
+          <a:fillRef idx="1">
+            <a:schemeClr val="lt1"/>
+          </a:fillRef>
+          <a:effectRef idx="0">
+            <a:schemeClr val="accent4"/>
+          </a:effectRef>
+          <a:fontRef idx="minor">
+            <a:schemeClr val="dk1"/>
+          </a:fontRef>
+        </p:style>
+        <p:txBody>
+          <a:bodyPr anchor="ctr"/>
+          <a:lstStyle/>
+          <a:p>
+            <a:pPr algn="ctr">
+              <a:defRPr/>
+            </a:pPr>
+            <a:endParaRPr lang="en-US" dirty="0"/>
+          </a:p>
+        </p:txBody>
+      </p:sp>
+      <p:sp>
+        <p:nvSpPr>
+          <p:cNvPr id="37" name="Flowchart: Alternate Process 36"/>
+          <p:cNvSpPr/>
+          <p:nvPr/>
+        </p:nvSpPr>
+        <p:spPr>
+          <a:xfrm>
+            <a:off x="838200" y="1066800"/>
+            <a:ext cx="1143000" cy="533400"/>
+          </a:xfrm>
+          <a:prstGeom prst="flowChartAlternateProcess">
+            <a:avLst/>
+          </a:prstGeom>
+        </p:spPr>
+        <p:style>
+          <a:lnRef idx="2">
+            <a:schemeClr val="accent3">
+              <a:shade val="50000"/>
+            </a:schemeClr>
+          </a:lnRef>
+          <a:fillRef idx="1">
+            <a:schemeClr val="accent3"/>
+          </a:fillRef>
+          <a:effectRef idx="0">
+            <a:schemeClr val="accent3"/>
+          </a:effectRef>
+          <a:fontRef idx="minor">
+            <a:schemeClr val="lt1"/>
+          </a:fontRef>
+        </p:style>
+        <p:txBody>
+          <a:bodyPr anchor="ctr"/>
+          <a:lstStyle/>
+          <a:p>
+            <a:pPr algn="ctr">
+              <a:defRPr/>
+            </a:pPr>
+            <a:r>
+              <a:rPr lang="en-US" dirty="0" err="1"/>
+              <a:t>Mulai</a:t>
+            </a:r>
+            <a:endParaRPr lang="en-US" dirty="0"/>
+          </a:p>
+        </p:txBody>
+      </p:sp>
+      <p:sp>
+        <p:nvSpPr>
+          <p:cNvPr id="41" name="Flowchart: Alternate Process 40"/>
+          <p:cNvSpPr/>
+          <p:nvPr/>
+        </p:nvSpPr>
+        <p:spPr>
+          <a:xfrm>
+            <a:off x="838200" y="4800600"/>
+            <a:ext cx="1143000" cy="533400"/>
+          </a:xfrm>
+          <a:prstGeom prst="flowChartAlternateProcess">
+            <a:avLst/>
+          </a:prstGeom>
+        </p:spPr>
+        <p:style>
+          <a:lnRef idx="2">
+            <a:schemeClr val="accent3">
+              <a:shade val="50000"/>
+            </a:schemeClr>
+          </a:lnRef>
+          <a:fillRef idx="1">
+            <a:schemeClr val="accent3"/>
+          </a:fillRef>
+          <a:effectRef idx="0">
+            <a:schemeClr val="accent3"/>
+          </a:effectRef>
+          <a:fontRef idx="minor">
+            <a:schemeClr val="lt1"/>
+          </a:fontRef>
+        </p:style>
+        <p:txBody>
+          <a:bodyPr anchor="ctr"/>
+          <a:lstStyle/>
+          <a:p>
+            <a:pPr algn="ctr">
+              <a:defRPr/>
+            </a:pPr>
+            <a:r>
+              <a:rPr lang="en-US" dirty="0" err="1"/>
+              <a:t>Selesai</a:t>
+            </a:r>
+            <a:endParaRPr lang="en-US" dirty="0"/>
+          </a:p>
+        </p:txBody>
+      </p:sp>
+      <p:cxnSp>
+        <p:nvCxnSpPr>
+          <p:cNvPr id="9228" name="Straight Arrow Connector 9227"/>
+          <p:cNvCxnSpPr>
+            <a:stCxn id="52" idx="4"/>
+            <a:endCxn id="41" idx="0"/>
+          </p:cNvCxnSpPr>
+          <p:nvPr/>
+        </p:nvCxnSpPr>
+        <p:spPr>
+          <a:xfrm rot="5400000">
+            <a:off x="1257300" y="4648200"/>
+            <a:ext cx="304800" cy="1588"/>
+          </a:xfrm>
+          <a:prstGeom prst="straightConnector1">
+            <a:avLst/>
+          </a:prstGeom>
+          <a:ln>
+            <a:tailEnd type="triangle"/>
+          </a:ln>
+        </p:spPr>
+        <p:style>
+          <a:lnRef idx="2">
+            <a:schemeClr val="accent3">
+              <a:shade val="50000"/>
+            </a:schemeClr>
+          </a:lnRef>
+          <a:fillRef idx="1">
+            <a:schemeClr val="accent3"/>
+          </a:fillRef>
+          <a:effectRef idx="0">
+            <a:schemeClr val="accent3"/>
+          </a:effectRef>
+          <a:fontRef idx="minor">
+            <a:schemeClr val="lt1"/>
+          </a:fontRef>
+        </p:style>
+      </p:cxnSp>
+      <p:sp>
+        <p:nvSpPr>
+          <p:cNvPr id="48" name="Rectangle 47"/>
+          <p:cNvSpPr/>
+          <p:nvPr/>
+        </p:nvSpPr>
+        <p:spPr>
+          <a:xfrm>
+            <a:off x="533400" y="1905000"/>
+            <a:ext cx="1752600" cy="762000"/>
+          </a:xfrm>
+          <a:prstGeom prst="rect">
+            <a:avLst/>
+          </a:prstGeom>
+        </p:spPr>
+        <p:style>
+          <a:lnRef idx="2">
+            <a:schemeClr val="accent3">
+              <a:shade val="50000"/>
+            </a:schemeClr>
+          </a:lnRef>
+          <a:fillRef idx="1">
+            <a:schemeClr val="accent3"/>
+          </a:fillRef>
+          <a:effectRef idx="0">
+            <a:schemeClr val="accent3"/>
+          </a:effectRef>
+          <a:fontRef idx="minor">
+            <a:schemeClr val="lt1"/>
+          </a:fontRef>
+        </p:style>
+        <p:txBody>
+          <a:bodyPr anchor="ctr"/>
+          <a:lstStyle/>
+          <a:p>
+            <a:pPr algn="ctr">
+              <a:defRPr/>
+            </a:pPr>
+            <a:r>
+              <a:rPr lang="id-ID" dirty="0" smtClean="0"/>
+              <a:t>Mendapatkan Twitter API</a:t>
+            </a:r>
+            <a:endParaRPr lang="en-US" dirty="0"/>
+          </a:p>
+        </p:txBody>
+      </p:sp>
+      <p:sp>
+        <p:nvSpPr>
+          <p:cNvPr id="50" name="Rectangle 49"/>
+          <p:cNvSpPr/>
+          <p:nvPr/>
+        </p:nvSpPr>
+        <p:spPr>
+          <a:xfrm>
+            <a:off x="533400" y="2895600"/>
+            <a:ext cx="1752600" cy="685800"/>
+          </a:xfrm>
+          <a:prstGeom prst="rect">
+            <a:avLst/>
+          </a:prstGeom>
+        </p:spPr>
+        <p:style>
+          <a:lnRef idx="2">
+            <a:schemeClr val="accent3">
+              <a:shade val="50000"/>
+            </a:schemeClr>
+          </a:lnRef>
+          <a:fillRef idx="1">
+            <a:schemeClr val="accent3"/>
+          </a:fillRef>
+          <a:effectRef idx="0">
+            <a:schemeClr val="accent3"/>
+          </a:effectRef>
+          <a:fontRef idx="minor">
+            <a:schemeClr val="lt1"/>
+          </a:fontRef>
+        </p:style>
+        <p:txBody>
+          <a:bodyPr anchor="ctr"/>
+          <a:lstStyle/>
+          <a:p>
+            <a:pPr algn="ctr">
+              <a:defRPr/>
+            </a:pPr>
+            <a:r>
+              <a:rPr lang="id-ID" dirty="0" smtClean="0"/>
+              <a:t>Melakukan Ekstraksi Data</a:t>
+            </a:r>
+            <a:endParaRPr lang="en-US" dirty="0"/>
+          </a:p>
+        </p:txBody>
+      </p:sp>
+      <p:sp>
+        <p:nvSpPr>
+          <p:cNvPr id="52" name="Flowchart: Data 51"/>
+          <p:cNvSpPr/>
+          <p:nvPr/>
+        </p:nvSpPr>
+        <p:spPr>
+          <a:xfrm>
+            <a:off x="381000" y="3860800"/>
+            <a:ext cx="2057400" cy="635000"/>
+          </a:xfrm>
+          <a:prstGeom prst="flowChartInputOutput">
+            <a:avLst/>
+          </a:prstGeom>
+        </p:spPr>
+        <p:style>
+          <a:lnRef idx="2">
+            <a:schemeClr val="accent3">
+              <a:shade val="50000"/>
+            </a:schemeClr>
+          </a:lnRef>
+          <a:fillRef idx="1">
+            <a:schemeClr val="accent3"/>
+          </a:fillRef>
+          <a:effectRef idx="0">
+            <a:schemeClr val="accent3"/>
+          </a:effectRef>
+          <a:fontRef idx="minor">
+            <a:schemeClr val="lt1"/>
+          </a:fontRef>
+        </p:style>
+        <p:txBody>
+          <a:bodyPr anchor="ctr"/>
+          <a:lstStyle/>
+          <a:p>
+            <a:pPr algn="ctr">
+              <a:defRPr/>
+            </a:pPr>
+            <a:r>
+              <a:rPr lang="id-ID" sz="1600" smtClean="0"/>
+              <a:t>Extracted </a:t>
+            </a:r>
+            <a:r>
+              <a:rPr lang="id-ID" sz="1600" dirty="0" smtClean="0"/>
+              <a:t>Tweets</a:t>
+            </a:r>
+            <a:endParaRPr lang="en-US" sz="1600" dirty="0"/>
+          </a:p>
+        </p:txBody>
+      </p:sp>
+      <p:cxnSp>
+        <p:nvCxnSpPr>
+          <p:cNvPr id="74" name="Straight Arrow Connector 73"/>
+          <p:cNvCxnSpPr>
+            <a:stCxn id="48" idx="2"/>
+            <a:endCxn id="50" idx="0"/>
+          </p:cNvCxnSpPr>
+          <p:nvPr/>
+        </p:nvCxnSpPr>
+        <p:spPr>
+          <a:xfrm rot="5400000">
+            <a:off x="1295400" y="2781300"/>
+            <a:ext cx="228600" cy="1588"/>
+          </a:xfrm>
+          <a:prstGeom prst="straightConnector1">
+            <a:avLst/>
+          </a:prstGeom>
+          <a:ln>
+            <a:tailEnd type="arrow"/>
+          </a:ln>
+        </p:spPr>
+        <p:style>
+          <a:lnRef idx="2">
+            <a:schemeClr val="accent3">
+              <a:shade val="50000"/>
+            </a:schemeClr>
+          </a:lnRef>
+          <a:fillRef idx="1">
+            <a:schemeClr val="accent3"/>
+          </a:fillRef>
+          <a:effectRef idx="0">
+            <a:schemeClr val="accent3"/>
+          </a:effectRef>
+          <a:fontRef idx="minor">
+            <a:schemeClr val="lt1"/>
+          </a:fontRef>
+        </p:style>
+      </p:cxnSp>
+      <p:cxnSp>
+        <p:nvCxnSpPr>
+          <p:cNvPr id="76" name="Straight Arrow Connector 75"/>
+          <p:cNvCxnSpPr>
+            <a:stCxn id="50" idx="2"/>
+            <a:endCxn id="52" idx="1"/>
+          </p:cNvCxnSpPr>
+          <p:nvPr/>
+        </p:nvCxnSpPr>
+        <p:spPr>
+          <a:xfrm rot="5400000">
+            <a:off x="1270000" y="3721100"/>
+            <a:ext cx="279400" cy="1588"/>
+          </a:xfrm>
+          <a:prstGeom prst="straightConnector1">
+            <a:avLst/>
+          </a:prstGeom>
+          <a:ln>
+            <a:tailEnd type="arrow"/>
+          </a:ln>
+        </p:spPr>
+        <p:style>
+          <a:lnRef idx="2">
+            <a:schemeClr val="accent3">
+              <a:shade val="50000"/>
+            </a:schemeClr>
+          </a:lnRef>
+          <a:fillRef idx="1">
+            <a:schemeClr val="accent3"/>
+          </a:fillRef>
+          <a:effectRef idx="0">
+            <a:schemeClr val="accent3"/>
+          </a:effectRef>
+          <a:fontRef idx="minor">
+            <a:schemeClr val="lt1"/>
+          </a:fontRef>
+        </p:style>
+      </p:cxnSp>
+      <p:cxnSp>
+        <p:nvCxnSpPr>
+          <p:cNvPr id="27" name="Straight Arrow Connector 26"/>
+          <p:cNvCxnSpPr>
+            <a:stCxn id="37" idx="2"/>
+            <a:endCxn id="48" idx="0"/>
+          </p:cNvCxnSpPr>
+          <p:nvPr/>
+        </p:nvCxnSpPr>
+        <p:spPr>
+          <a:xfrm rot="5400000">
+            <a:off x="1257300" y="1752600"/>
+            <a:ext cx="304800" cy="1588"/>
+          </a:xfrm>
+          <a:prstGeom prst="straightConnector1">
+            <a:avLst/>
+          </a:prstGeom>
+          <a:ln>
+            <a:tailEnd type="arrow"/>
+          </a:ln>
+        </p:spPr>
+        <p:style>
+          <a:lnRef idx="2">
+            <a:schemeClr val="accent3">
+              <a:shade val="50000"/>
+            </a:schemeClr>
+          </a:lnRef>
+          <a:fillRef idx="1">
+            <a:schemeClr val="accent3"/>
+          </a:fillRef>
+          <a:effectRef idx="0">
+            <a:schemeClr val="accent3"/>
+          </a:effectRef>
+          <a:fontRef idx="minor">
+            <a:schemeClr val="lt1"/>
+          </a:fontRef>
+        </p:style>
+      </p:cxnSp>
+      <p:pic>
+        <p:nvPicPr>
+          <p:cNvPr id="54" name="Picture 53" descr="UCCUSTOMERFIX.png"/>
+          <p:cNvPicPr/>
+          <p:nvPr/>
+        </p:nvPicPr>
+        <p:blipFill>
+          <a:blip r:embed="rId4"/>
+          <a:stretch>
+            <a:fillRect/>
+          </a:stretch>
+        </p:blipFill>
+        <p:spPr>
+          <a:xfrm>
+            <a:off x="3048000" y="1524000"/>
+            <a:ext cx="5257800" cy="3581400"/>
+          </a:xfrm>
+          <a:prstGeom prst="rect">
+            <a:avLst/>
+          </a:prstGeom>
+        </p:spPr>
+      </p:pic>
+    </p:spTree>
+  </p:cSld>
+  <p:clrMapOvr>
+    <a:masterClrMapping/>
+  </p:clrMapOvr>
+  <p:transition>
+    <p:wedge/>
+  </p:transition>
+  <p:timing>
+    <p:tnLst>
+      <p:par>
+        <p:cTn id="1" dur="indefinite" restart="never" nodeType="tmRoot"/>
+      </p:par>
+    </p:tnLst>
+  </p:timing>
+</p:sld>
+</file>
+
+<file path=ppt/slides/slide8.xml><?xml version="1.0" encoding="utf-8"?>
 <p:sld xmlns:a="http://schemas.openxmlformats.org/drawingml/2006/main" xmlns:r="http://schemas.openxmlformats.org/officeDocument/2006/relationships" xmlns:p="http://schemas.openxmlformats.org/presentationml/2006/main">
   <p:cSld>
     <p:spTree>
@@ -15967,7 +17412,7 @@
             </a:r>
             <a:r>
               <a:rPr lang="id-ID" sz="1600" dirty="0" smtClean="0"/>
-              <a:t>leaned Tweetss</a:t>
+              <a:t>leaned Tweets</a:t>
             </a:r>
             <a:endParaRPr lang="en-US" sz="1600" dirty="0"/>
           </a:p>
@@ -16232,6 +17677,9 @@
   <p:clrMapOvr>
     <a:masterClrMapping/>
   </p:clrMapOvr>
+  <p:transition>
+    <p:wedge/>
+  </p:transition>
   <p:timing>
     <p:tnLst>
       <p:par>
@@ -16242,7 +17690,7 @@
 </p:sld>
 </file>
 
-<file path=ppt/slides/slide8.xml><?xml version="1.0" encoding="utf-8"?>
+<file path=ppt/slides/slide9.xml><?xml version="1.0" encoding="utf-8"?>
 <p:sld xmlns:a="http://schemas.openxmlformats.org/drawingml/2006/main" xmlns:r="http://schemas.openxmlformats.org/officeDocument/2006/relationships" xmlns:p="http://schemas.openxmlformats.org/presentationml/2006/main">
   <p:cSld>
     <p:spTree>
@@ -16304,7 +17752,7 @@
         </p:blipFill>
         <p:spPr>
           <a:xfrm>
-            <a:off x="3657600" y="1219200"/>
+            <a:off x="4572000" y="609600"/>
             <a:ext cx="3576839" cy="1715356"/>
           </a:xfrm>
         </p:spPr>
@@ -16472,55 +17920,6 @@
       </p:pic>
       <p:sp>
         <p:nvSpPr>
-          <p:cNvPr id="13" name="Rectangle 12"/>
-          <p:cNvSpPr/>
-          <p:nvPr/>
-        </p:nvSpPr>
-        <p:spPr>
-          <a:xfrm>
-            <a:off x="3219450" y="917575"/>
-            <a:ext cx="1846263" cy="314325"/>
-          </a:xfrm>
-          <a:prstGeom prst="rect">
-            <a:avLst/>
-          </a:prstGeom>
-          <a:ln>
-            <a:solidFill>
-              <a:schemeClr val="bg1"/>
-            </a:solidFill>
-          </a:ln>
-        </p:spPr>
-        <p:style>
-          <a:lnRef idx="2">
-            <a:schemeClr val="accent4"/>
-          </a:lnRef>
-          <a:fillRef idx="1">
-            <a:schemeClr val="lt1"/>
-          </a:fillRef>
-          <a:effectRef idx="0">
-            <a:schemeClr val="accent4"/>
-          </a:effectRef>
-          <a:fontRef idx="minor">
-            <a:schemeClr val="dk1"/>
-          </a:fontRef>
-        </p:style>
-        <p:txBody>
-          <a:bodyPr anchor="ctr"/>
-          <a:lstStyle/>
-          <a:p>
-            <a:pPr algn="ctr">
-              <a:defRPr/>
-            </a:pPr>
-            <a:r>
-              <a:rPr lang="id-ID" dirty="0" smtClean="0"/>
-              <a:t>TF-IDF</a:t>
-            </a:r>
-            <a:endParaRPr lang="en-US" dirty="0"/>
-          </a:p>
-        </p:txBody>
-      </p:sp>
-      <p:sp>
-        <p:nvSpPr>
           <p:cNvPr id="53" name="Flowchart: Alternate Process 52"/>
           <p:cNvSpPr/>
           <p:nvPr/>
@@ -16955,835 +18354,3974 @@
           </a:fontRef>
         </p:style>
       </p:cxnSp>
+      <p:graphicFrame>
+        <p:nvGraphicFramePr>
+          <p:cNvPr id="20" name="Table 19"/>
+          <p:cNvGraphicFramePr>
+            <a:graphicFrameLocks noGrp="1"/>
+          </p:cNvGraphicFramePr>
+          <p:nvPr/>
+        </p:nvGraphicFramePr>
+        <p:xfrm>
+          <a:off x="3276600" y="2057400"/>
+          <a:ext cx="5327193" cy="4064001"/>
+        </p:xfrm>
+        <a:graphic>
+          <a:graphicData uri="http://schemas.openxmlformats.org/drawingml/2006/table">
+            <a:tbl>
+              <a:tblPr/>
+              <a:tblGrid>
+                <a:gridCol w="1309113"/>
+                <a:gridCol w="1394653"/>
+                <a:gridCol w="1394653"/>
+                <a:gridCol w="1228774"/>
+              </a:tblGrid>
+              <a:tr h="324317">
+                <a:tc rowSpan="2">
+                  <a:txBody>
+                    <a:bodyPr/>
+                    <a:lstStyle/>
+                    <a:p>
+                      <a:pPr algn="ctr">
+                        <a:lnSpc>
+                          <a:spcPct val="150000"/>
+                        </a:lnSpc>
+                        <a:spcAft>
+                          <a:spcPts val="0"/>
+                        </a:spcAft>
+                      </a:pPr>
+                      <a:r>
+                        <a:rPr lang="en-US" sz="1100" b="1" dirty="0">
+                          <a:latin typeface="Times New Roman"/>
+                          <a:ea typeface="Calibri"/>
+                          <a:cs typeface="Times New Roman"/>
+                        </a:rPr>
+                        <a:t>Term</a:t>
+                      </a:r>
+                      <a:endParaRPr lang="id-ID" sz="1100" dirty="0">
+                        <a:latin typeface="Calibri"/>
+                        <a:ea typeface="Calibri"/>
+                        <a:cs typeface="Times New Roman"/>
+                      </a:endParaRPr>
+                    </a:p>
+                  </a:txBody>
+                  <a:tcPr marL="65715" marR="65715" marT="0" marB="0" anchor="ctr">
+                    <a:lnL w="12700" cap="flat" cmpd="sng" algn="ctr">
+                      <a:solidFill>
+                        <a:srgbClr val="000000"/>
+                      </a:solidFill>
+                      <a:prstDash val="solid"/>
+                      <a:round/>
+                      <a:headEnd type="none" w="med" len="med"/>
+                      <a:tailEnd type="none" w="med" len="med"/>
+                    </a:lnL>
+                    <a:lnR w="12700" cap="flat" cmpd="sng" algn="ctr">
+                      <a:solidFill>
+                        <a:srgbClr val="000000"/>
+                      </a:solidFill>
+                      <a:prstDash val="solid"/>
+                      <a:round/>
+                      <a:headEnd type="none" w="med" len="med"/>
+                      <a:tailEnd type="none" w="med" len="med"/>
+                    </a:lnR>
+                    <a:lnT w="12700" cap="flat" cmpd="sng" algn="ctr">
+                      <a:solidFill>
+                        <a:srgbClr val="000000"/>
+                      </a:solidFill>
+                      <a:prstDash val="solid"/>
+                      <a:round/>
+                      <a:headEnd type="none" w="med" len="med"/>
+                      <a:tailEnd type="none" w="med" len="med"/>
+                    </a:lnT>
+                    <a:lnB w="12700" cap="flat" cmpd="sng" algn="ctr">
+                      <a:solidFill>
+                        <a:srgbClr val="000000"/>
+                      </a:solidFill>
+                      <a:prstDash val="solid"/>
+                      <a:round/>
+                      <a:headEnd type="none" w="med" len="med"/>
+                      <a:tailEnd type="none" w="med" len="med"/>
+                    </a:lnB>
+                    <a:solidFill>
+                      <a:srgbClr val="BFBFBF"/>
+                    </a:solidFill>
+                  </a:tcPr>
+                </a:tc>
+                <a:tc gridSpan="3">
+                  <a:txBody>
+                    <a:bodyPr/>
+                    <a:lstStyle/>
+                    <a:p>
+                      <a:pPr algn="ctr">
+                        <a:lnSpc>
+                          <a:spcPct val="150000"/>
+                        </a:lnSpc>
+                        <a:spcAft>
+                          <a:spcPts val="0"/>
+                        </a:spcAft>
+                      </a:pPr>
+                      <a:r>
+                        <a:rPr lang="id-ID" sz="1100" b="1" dirty="0" smtClean="0">
+                          <a:latin typeface="Times New Roman"/>
+                          <a:ea typeface="Calibri"/>
+                          <a:cs typeface="Times New Roman"/>
+                        </a:rPr>
+                        <a:t>TFIDF</a:t>
+                      </a:r>
+                      <a:r>
+                        <a:rPr lang="en-US" sz="1100" b="1" dirty="0" smtClean="0">
+                          <a:latin typeface="Times New Roman"/>
+                          <a:ea typeface="Calibri"/>
+                          <a:cs typeface="Times New Roman"/>
+                        </a:rPr>
+                        <a:t> </a:t>
+                      </a:r>
+                      <a:r>
+                        <a:rPr lang="en-US" sz="1100" b="1" dirty="0">
+                          <a:latin typeface="Times New Roman"/>
+                          <a:ea typeface="Calibri"/>
+                          <a:cs typeface="Times New Roman"/>
+                        </a:rPr>
+                        <a:t>= TF x IDF</a:t>
+                      </a:r>
+                      <a:endParaRPr lang="id-ID" sz="1100" dirty="0">
+                        <a:latin typeface="Calibri"/>
+                        <a:ea typeface="Calibri"/>
+                        <a:cs typeface="Times New Roman"/>
+                      </a:endParaRPr>
+                    </a:p>
+                  </a:txBody>
+                  <a:tcPr marL="65715" marR="65715" marT="0" marB="0" anchor="ctr">
+                    <a:lnL w="12700" cap="flat" cmpd="sng" algn="ctr">
+                      <a:solidFill>
+                        <a:srgbClr val="000000"/>
+                      </a:solidFill>
+                      <a:prstDash val="solid"/>
+                      <a:round/>
+                      <a:headEnd type="none" w="med" len="med"/>
+                      <a:tailEnd type="none" w="med" len="med"/>
+                    </a:lnL>
+                    <a:lnR w="12700" cap="flat" cmpd="sng" algn="ctr">
+                      <a:solidFill>
+                        <a:srgbClr val="000000"/>
+                      </a:solidFill>
+                      <a:prstDash val="solid"/>
+                      <a:round/>
+                      <a:headEnd type="none" w="med" len="med"/>
+                      <a:tailEnd type="none" w="med" len="med"/>
+                    </a:lnR>
+                    <a:lnT w="12700" cap="flat" cmpd="sng" algn="ctr">
+                      <a:solidFill>
+                        <a:srgbClr val="000000"/>
+                      </a:solidFill>
+                      <a:prstDash val="solid"/>
+                      <a:round/>
+                      <a:headEnd type="none" w="med" len="med"/>
+                      <a:tailEnd type="none" w="med" len="med"/>
+                    </a:lnT>
+                    <a:lnB w="12700" cap="flat" cmpd="sng" algn="ctr">
+                      <a:solidFill>
+                        <a:srgbClr val="000000"/>
+                      </a:solidFill>
+                      <a:prstDash val="solid"/>
+                      <a:round/>
+                      <a:headEnd type="none" w="med" len="med"/>
+                      <a:tailEnd type="none" w="med" len="med"/>
+                    </a:lnB>
+                    <a:solidFill>
+                      <a:srgbClr val="BFBFBF"/>
+                    </a:solidFill>
+                  </a:tcPr>
+                </a:tc>
+                <a:tc hMerge="1">
+                  <a:txBody>
+                    <a:bodyPr/>
+                    <a:lstStyle/>
+                    <a:p>
+                      <a:endParaRPr lang="id-ID"/>
+                    </a:p>
+                  </a:txBody>
+                  <a:tcPr/>
+                </a:tc>
+                <a:tc hMerge="1">
+                  <a:txBody>
+                    <a:bodyPr/>
+                    <a:lstStyle/>
+                    <a:p>
+                      <a:endParaRPr lang="id-ID"/>
+                    </a:p>
+                  </a:txBody>
+                  <a:tcPr/>
+                </a:tc>
+              </a:tr>
+              <a:tr h="318232">
+                <a:tc vMerge="1">
+                  <a:txBody>
+                    <a:bodyPr/>
+                    <a:lstStyle/>
+                    <a:p>
+                      <a:endParaRPr lang="id-ID"/>
+                    </a:p>
+                  </a:txBody>
+                  <a:tcPr/>
+                </a:tc>
+                <a:tc>
+                  <a:txBody>
+                    <a:bodyPr/>
+                    <a:lstStyle/>
+                    <a:p>
+                      <a:pPr algn="ctr">
+                        <a:lnSpc>
+                          <a:spcPct val="150000"/>
+                        </a:lnSpc>
+                        <a:spcAft>
+                          <a:spcPts val="0"/>
+                        </a:spcAft>
+                      </a:pPr>
+                      <a:r>
+                        <a:rPr lang="id-ID" sz="1100" b="1">
+                          <a:latin typeface="Times New Roman"/>
+                          <a:ea typeface="Calibri"/>
+                          <a:cs typeface="Times New Roman"/>
+                        </a:rPr>
+                        <a:t>D</a:t>
+                      </a:r>
+                      <a:r>
+                        <a:rPr lang="en-US" sz="1100" b="1">
+                          <a:latin typeface="Times New Roman"/>
+                          <a:ea typeface="Calibri"/>
+                          <a:cs typeface="Times New Roman"/>
+                        </a:rPr>
+                        <a:t>1</a:t>
+                      </a:r>
+                      <a:endParaRPr lang="id-ID" sz="1100">
+                        <a:latin typeface="Calibri"/>
+                        <a:ea typeface="Calibri"/>
+                        <a:cs typeface="Times New Roman"/>
+                      </a:endParaRPr>
+                    </a:p>
+                  </a:txBody>
+                  <a:tcPr marL="65715" marR="65715" marT="0" marB="0" anchor="ctr">
+                    <a:lnL w="12700" cap="flat" cmpd="sng" algn="ctr">
+                      <a:solidFill>
+                        <a:srgbClr val="000000"/>
+                      </a:solidFill>
+                      <a:prstDash val="solid"/>
+                      <a:round/>
+                      <a:headEnd type="none" w="med" len="med"/>
+                      <a:tailEnd type="none" w="med" len="med"/>
+                    </a:lnL>
+                    <a:lnR w="12700" cap="flat" cmpd="sng" algn="ctr">
+                      <a:solidFill>
+                        <a:srgbClr val="000000"/>
+                      </a:solidFill>
+                      <a:prstDash val="solid"/>
+                      <a:round/>
+                      <a:headEnd type="none" w="med" len="med"/>
+                      <a:tailEnd type="none" w="med" len="med"/>
+                    </a:lnR>
+                    <a:lnT w="12700" cap="flat" cmpd="sng" algn="ctr">
+                      <a:solidFill>
+                        <a:srgbClr val="000000"/>
+                      </a:solidFill>
+                      <a:prstDash val="solid"/>
+                      <a:round/>
+                      <a:headEnd type="none" w="med" len="med"/>
+                      <a:tailEnd type="none" w="med" len="med"/>
+                    </a:lnT>
+                    <a:lnB w="12700" cap="flat" cmpd="sng" algn="ctr">
+                      <a:solidFill>
+                        <a:srgbClr val="000000"/>
+                      </a:solidFill>
+                      <a:prstDash val="solid"/>
+                      <a:round/>
+                      <a:headEnd type="none" w="med" len="med"/>
+                      <a:tailEnd type="none" w="med" len="med"/>
+                    </a:lnB>
+                    <a:solidFill>
+                      <a:srgbClr val="BFBFBF"/>
+                    </a:solidFill>
+                  </a:tcPr>
+                </a:tc>
+                <a:tc>
+                  <a:txBody>
+                    <a:bodyPr/>
+                    <a:lstStyle/>
+                    <a:p>
+                      <a:pPr algn="ctr">
+                        <a:lnSpc>
+                          <a:spcPct val="150000"/>
+                        </a:lnSpc>
+                        <a:spcAft>
+                          <a:spcPts val="0"/>
+                        </a:spcAft>
+                      </a:pPr>
+                      <a:r>
+                        <a:rPr lang="id-ID" sz="1100" b="1">
+                          <a:latin typeface="Times New Roman"/>
+                          <a:ea typeface="Calibri"/>
+                          <a:cs typeface="Times New Roman"/>
+                        </a:rPr>
+                        <a:t>D</a:t>
+                      </a:r>
+                      <a:r>
+                        <a:rPr lang="en-US" sz="1100" b="1">
+                          <a:latin typeface="Times New Roman"/>
+                          <a:ea typeface="Calibri"/>
+                          <a:cs typeface="Times New Roman"/>
+                        </a:rPr>
+                        <a:t>2</a:t>
+                      </a:r>
+                      <a:endParaRPr lang="id-ID" sz="1100">
+                        <a:latin typeface="Calibri"/>
+                        <a:ea typeface="Calibri"/>
+                        <a:cs typeface="Times New Roman"/>
+                      </a:endParaRPr>
+                    </a:p>
+                  </a:txBody>
+                  <a:tcPr marL="65715" marR="65715" marT="0" marB="0" anchor="ctr">
+                    <a:lnL w="12700" cap="flat" cmpd="sng" algn="ctr">
+                      <a:solidFill>
+                        <a:srgbClr val="000000"/>
+                      </a:solidFill>
+                      <a:prstDash val="solid"/>
+                      <a:round/>
+                      <a:headEnd type="none" w="med" len="med"/>
+                      <a:tailEnd type="none" w="med" len="med"/>
+                    </a:lnL>
+                    <a:lnR w="12700" cap="flat" cmpd="sng" algn="ctr">
+                      <a:solidFill>
+                        <a:srgbClr val="000000"/>
+                      </a:solidFill>
+                      <a:prstDash val="solid"/>
+                      <a:round/>
+                      <a:headEnd type="none" w="med" len="med"/>
+                      <a:tailEnd type="none" w="med" len="med"/>
+                    </a:lnR>
+                    <a:lnT w="12700" cap="flat" cmpd="sng" algn="ctr">
+                      <a:solidFill>
+                        <a:srgbClr val="000000"/>
+                      </a:solidFill>
+                      <a:prstDash val="solid"/>
+                      <a:round/>
+                      <a:headEnd type="none" w="med" len="med"/>
+                      <a:tailEnd type="none" w="med" len="med"/>
+                    </a:lnT>
+                    <a:lnB w="12700" cap="flat" cmpd="sng" algn="ctr">
+                      <a:solidFill>
+                        <a:srgbClr val="000000"/>
+                      </a:solidFill>
+                      <a:prstDash val="solid"/>
+                      <a:round/>
+                      <a:headEnd type="none" w="med" len="med"/>
+                      <a:tailEnd type="none" w="med" len="med"/>
+                    </a:lnB>
+                    <a:solidFill>
+                      <a:srgbClr val="BFBFBF"/>
+                    </a:solidFill>
+                  </a:tcPr>
+                </a:tc>
+                <a:tc>
+                  <a:txBody>
+                    <a:bodyPr/>
+                    <a:lstStyle/>
+                    <a:p>
+                      <a:pPr algn="ctr">
+                        <a:lnSpc>
+                          <a:spcPct val="150000"/>
+                        </a:lnSpc>
+                        <a:spcAft>
+                          <a:spcPts val="0"/>
+                        </a:spcAft>
+                      </a:pPr>
+                      <a:r>
+                        <a:rPr lang="id-ID" sz="1100" b="1">
+                          <a:latin typeface="Times New Roman"/>
+                          <a:ea typeface="Calibri"/>
+                          <a:cs typeface="Times New Roman"/>
+                        </a:rPr>
+                        <a:t>D</a:t>
+                      </a:r>
+                      <a:r>
+                        <a:rPr lang="en-US" sz="1100" b="1">
+                          <a:latin typeface="Times New Roman"/>
+                          <a:ea typeface="Calibri"/>
+                          <a:cs typeface="Times New Roman"/>
+                        </a:rPr>
+                        <a:t>3</a:t>
+                      </a:r>
+                      <a:endParaRPr lang="id-ID" sz="1100">
+                        <a:latin typeface="Calibri"/>
+                        <a:ea typeface="Calibri"/>
+                        <a:cs typeface="Times New Roman"/>
+                      </a:endParaRPr>
+                    </a:p>
+                  </a:txBody>
+                  <a:tcPr marL="65715" marR="65715" marT="0" marB="0" anchor="ctr">
+                    <a:lnL w="12700" cap="flat" cmpd="sng" algn="ctr">
+                      <a:solidFill>
+                        <a:srgbClr val="000000"/>
+                      </a:solidFill>
+                      <a:prstDash val="solid"/>
+                      <a:round/>
+                      <a:headEnd type="none" w="med" len="med"/>
+                      <a:tailEnd type="none" w="med" len="med"/>
+                    </a:lnL>
+                    <a:lnR w="12700" cap="flat" cmpd="sng" algn="ctr">
+                      <a:solidFill>
+                        <a:srgbClr val="000000"/>
+                      </a:solidFill>
+                      <a:prstDash val="solid"/>
+                      <a:round/>
+                      <a:headEnd type="none" w="med" len="med"/>
+                      <a:tailEnd type="none" w="med" len="med"/>
+                    </a:lnR>
+                    <a:lnT w="12700" cap="flat" cmpd="sng" algn="ctr">
+                      <a:solidFill>
+                        <a:srgbClr val="000000"/>
+                      </a:solidFill>
+                      <a:prstDash val="solid"/>
+                      <a:round/>
+                      <a:headEnd type="none" w="med" len="med"/>
+                      <a:tailEnd type="none" w="med" len="med"/>
+                    </a:lnT>
+                    <a:lnB w="12700" cap="flat" cmpd="sng" algn="ctr">
+                      <a:solidFill>
+                        <a:srgbClr val="000000"/>
+                      </a:solidFill>
+                      <a:prstDash val="solid"/>
+                      <a:round/>
+                      <a:headEnd type="none" w="med" len="med"/>
+                      <a:tailEnd type="none" w="med" len="med"/>
+                    </a:lnB>
+                    <a:solidFill>
+                      <a:srgbClr val="BFBFBF"/>
+                    </a:solidFill>
+                  </a:tcPr>
+                </a:tc>
+              </a:tr>
+              <a:tr h="264686">
+                <a:tc>
+                  <a:txBody>
+                    <a:bodyPr/>
+                    <a:lstStyle/>
+                    <a:p>
+                      <a:pPr algn="ctr">
+                        <a:lnSpc>
+                          <a:spcPct val="150000"/>
+                        </a:lnSpc>
+                        <a:spcAft>
+                          <a:spcPts val="0"/>
+                        </a:spcAft>
+                      </a:pPr>
+                      <a:r>
+                        <a:rPr lang="en-US" sz="1100">
+                          <a:latin typeface="Courier New"/>
+                          <a:ea typeface="Calibri"/>
+                          <a:cs typeface="Times New Roman"/>
+                        </a:rPr>
+                        <a:t>Kpu</a:t>
+                      </a:r>
+                      <a:endParaRPr lang="id-ID" sz="1100">
+                        <a:latin typeface="Calibri"/>
+                        <a:ea typeface="Calibri"/>
+                        <a:cs typeface="Times New Roman"/>
+                      </a:endParaRPr>
+                    </a:p>
+                  </a:txBody>
+                  <a:tcPr marL="65715" marR="65715" marT="0" marB="0" anchor="ctr">
+                    <a:lnL w="12700" cap="flat" cmpd="sng" algn="ctr">
+                      <a:solidFill>
+                        <a:srgbClr val="000000"/>
+                      </a:solidFill>
+                      <a:prstDash val="solid"/>
+                      <a:round/>
+                      <a:headEnd type="none" w="med" len="med"/>
+                      <a:tailEnd type="none" w="med" len="med"/>
+                    </a:lnL>
+                    <a:lnR w="12700" cap="flat" cmpd="sng" algn="ctr">
+                      <a:solidFill>
+                        <a:srgbClr val="000000"/>
+                      </a:solidFill>
+                      <a:prstDash val="solid"/>
+                      <a:round/>
+                      <a:headEnd type="none" w="med" len="med"/>
+                      <a:tailEnd type="none" w="med" len="med"/>
+                    </a:lnR>
+                    <a:lnT w="12700" cap="flat" cmpd="sng" algn="ctr">
+                      <a:solidFill>
+                        <a:srgbClr val="000000"/>
+                      </a:solidFill>
+                      <a:prstDash val="solid"/>
+                      <a:round/>
+                      <a:headEnd type="none" w="med" len="med"/>
+                      <a:tailEnd type="none" w="med" len="med"/>
+                    </a:lnT>
+                    <a:lnB w="12700" cap="flat" cmpd="sng" algn="ctr">
+                      <a:solidFill>
+                        <a:srgbClr val="000000"/>
+                      </a:solidFill>
+                      <a:prstDash val="solid"/>
+                      <a:round/>
+                      <a:headEnd type="none" w="med" len="med"/>
+                      <a:tailEnd type="none" w="med" len="med"/>
+                    </a:lnB>
+                  </a:tcPr>
+                </a:tc>
+                <a:tc>
+                  <a:txBody>
+                    <a:bodyPr/>
+                    <a:lstStyle/>
+                    <a:p>
+                      <a:pPr algn="ctr">
+                        <a:lnSpc>
+                          <a:spcPct val="150000"/>
+                        </a:lnSpc>
+                        <a:spcAft>
+                          <a:spcPts val="0"/>
+                        </a:spcAft>
+                      </a:pPr>
+                      <a:r>
+                        <a:rPr lang="en-US" sz="1100">
+                          <a:latin typeface="Courier New"/>
+                          <a:ea typeface="Calibri"/>
+                          <a:cs typeface="Times New Roman"/>
+                        </a:rPr>
+                        <a:t>0.159</a:t>
+                      </a:r>
+                      <a:endParaRPr lang="id-ID" sz="1100">
+                        <a:latin typeface="Calibri"/>
+                        <a:ea typeface="Calibri"/>
+                        <a:cs typeface="Times New Roman"/>
+                      </a:endParaRPr>
+                    </a:p>
+                  </a:txBody>
+                  <a:tcPr marL="65715" marR="65715" marT="0" marB="0" anchor="ctr">
+                    <a:lnL w="12700" cap="flat" cmpd="sng" algn="ctr">
+                      <a:solidFill>
+                        <a:srgbClr val="000000"/>
+                      </a:solidFill>
+                      <a:prstDash val="solid"/>
+                      <a:round/>
+                      <a:headEnd type="none" w="med" len="med"/>
+                      <a:tailEnd type="none" w="med" len="med"/>
+                    </a:lnL>
+                    <a:lnR w="12700" cap="flat" cmpd="sng" algn="ctr">
+                      <a:solidFill>
+                        <a:srgbClr val="000000"/>
+                      </a:solidFill>
+                      <a:prstDash val="solid"/>
+                      <a:round/>
+                      <a:headEnd type="none" w="med" len="med"/>
+                      <a:tailEnd type="none" w="med" len="med"/>
+                    </a:lnR>
+                    <a:lnT w="12700" cap="flat" cmpd="sng" algn="ctr">
+                      <a:solidFill>
+                        <a:srgbClr val="000000"/>
+                      </a:solidFill>
+                      <a:prstDash val="solid"/>
+                      <a:round/>
+                      <a:headEnd type="none" w="med" len="med"/>
+                      <a:tailEnd type="none" w="med" len="med"/>
+                    </a:lnT>
+                    <a:lnB w="12700" cap="flat" cmpd="sng" algn="ctr">
+                      <a:solidFill>
+                        <a:srgbClr val="000000"/>
+                      </a:solidFill>
+                      <a:prstDash val="solid"/>
+                      <a:round/>
+                      <a:headEnd type="none" w="med" len="med"/>
+                      <a:tailEnd type="none" w="med" len="med"/>
+                    </a:lnB>
+                  </a:tcPr>
+                </a:tc>
+                <a:tc>
+                  <a:txBody>
+                    <a:bodyPr/>
+                    <a:lstStyle/>
+                    <a:p>
+                      <a:pPr algn="ctr">
+                        <a:lnSpc>
+                          <a:spcPct val="150000"/>
+                        </a:lnSpc>
+                        <a:spcAft>
+                          <a:spcPts val="0"/>
+                        </a:spcAft>
+                      </a:pPr>
+                      <a:r>
+                        <a:rPr lang="en-US" sz="1100">
+                          <a:latin typeface="Courier New"/>
+                          <a:ea typeface="Calibri"/>
+                          <a:cs typeface="Times New Roman"/>
+                        </a:rPr>
+                        <a:t>0.159</a:t>
+                      </a:r>
+                      <a:endParaRPr lang="id-ID" sz="1100">
+                        <a:latin typeface="Calibri"/>
+                        <a:ea typeface="Calibri"/>
+                        <a:cs typeface="Times New Roman"/>
+                      </a:endParaRPr>
+                    </a:p>
+                  </a:txBody>
+                  <a:tcPr marL="65715" marR="65715" marT="0" marB="0" anchor="ctr">
+                    <a:lnL w="12700" cap="flat" cmpd="sng" algn="ctr">
+                      <a:solidFill>
+                        <a:srgbClr val="000000"/>
+                      </a:solidFill>
+                      <a:prstDash val="solid"/>
+                      <a:round/>
+                      <a:headEnd type="none" w="med" len="med"/>
+                      <a:tailEnd type="none" w="med" len="med"/>
+                    </a:lnL>
+                    <a:lnR w="12700" cap="flat" cmpd="sng" algn="ctr">
+                      <a:solidFill>
+                        <a:srgbClr val="000000"/>
+                      </a:solidFill>
+                      <a:prstDash val="solid"/>
+                      <a:round/>
+                      <a:headEnd type="none" w="med" len="med"/>
+                      <a:tailEnd type="none" w="med" len="med"/>
+                    </a:lnR>
+                    <a:lnT w="12700" cap="flat" cmpd="sng" algn="ctr">
+                      <a:solidFill>
+                        <a:srgbClr val="000000"/>
+                      </a:solidFill>
+                      <a:prstDash val="solid"/>
+                      <a:round/>
+                      <a:headEnd type="none" w="med" len="med"/>
+                      <a:tailEnd type="none" w="med" len="med"/>
+                    </a:lnT>
+                    <a:lnB w="12700" cap="flat" cmpd="sng" algn="ctr">
+                      <a:solidFill>
+                        <a:srgbClr val="000000"/>
+                      </a:solidFill>
+                      <a:prstDash val="solid"/>
+                      <a:round/>
+                      <a:headEnd type="none" w="med" len="med"/>
+                      <a:tailEnd type="none" w="med" len="med"/>
+                    </a:lnB>
+                  </a:tcPr>
+                </a:tc>
+                <a:tc>
+                  <a:txBody>
+                    <a:bodyPr/>
+                    <a:lstStyle/>
+                    <a:p>
+                      <a:pPr algn="ctr">
+                        <a:lnSpc>
+                          <a:spcPct val="150000"/>
+                        </a:lnSpc>
+                        <a:spcAft>
+                          <a:spcPts val="0"/>
+                        </a:spcAft>
+                      </a:pPr>
+                      <a:r>
+                        <a:rPr lang="en-US" sz="1100">
+                          <a:latin typeface="Courier New"/>
+                          <a:ea typeface="Calibri"/>
+                          <a:cs typeface="Times New Roman"/>
+                        </a:rPr>
+                        <a:t>0.159</a:t>
+                      </a:r>
+                      <a:endParaRPr lang="id-ID" sz="1100">
+                        <a:latin typeface="Calibri"/>
+                        <a:ea typeface="Calibri"/>
+                        <a:cs typeface="Times New Roman"/>
+                      </a:endParaRPr>
+                    </a:p>
+                  </a:txBody>
+                  <a:tcPr marL="65715" marR="65715" marT="0" marB="0" anchor="ctr">
+                    <a:lnL w="12700" cap="flat" cmpd="sng" algn="ctr">
+                      <a:solidFill>
+                        <a:srgbClr val="000000"/>
+                      </a:solidFill>
+                      <a:prstDash val="solid"/>
+                      <a:round/>
+                      <a:headEnd type="none" w="med" len="med"/>
+                      <a:tailEnd type="none" w="med" len="med"/>
+                    </a:lnL>
+                    <a:lnR w="12700" cap="flat" cmpd="sng" algn="ctr">
+                      <a:solidFill>
+                        <a:srgbClr val="000000"/>
+                      </a:solidFill>
+                      <a:prstDash val="solid"/>
+                      <a:round/>
+                      <a:headEnd type="none" w="med" len="med"/>
+                      <a:tailEnd type="none" w="med" len="med"/>
+                    </a:lnR>
+                    <a:lnT w="12700" cap="flat" cmpd="sng" algn="ctr">
+                      <a:solidFill>
+                        <a:srgbClr val="000000"/>
+                      </a:solidFill>
+                      <a:prstDash val="solid"/>
+                      <a:round/>
+                      <a:headEnd type="none" w="med" len="med"/>
+                      <a:tailEnd type="none" w="med" len="med"/>
+                    </a:lnT>
+                    <a:lnB w="12700" cap="flat" cmpd="sng" algn="ctr">
+                      <a:solidFill>
+                        <a:srgbClr val="000000"/>
+                      </a:solidFill>
+                      <a:prstDash val="solid"/>
+                      <a:round/>
+                      <a:headEnd type="none" w="med" len="med"/>
+                      <a:tailEnd type="none" w="med" len="med"/>
+                    </a:lnB>
+                  </a:tcPr>
+                </a:tc>
+              </a:tr>
+              <a:tr h="262861">
+                <a:tc>
+                  <a:txBody>
+                    <a:bodyPr/>
+                    <a:lstStyle/>
+                    <a:p>
+                      <a:pPr algn="ctr">
+                        <a:lnSpc>
+                          <a:spcPct val="150000"/>
+                        </a:lnSpc>
+                        <a:spcAft>
+                          <a:spcPts val="0"/>
+                        </a:spcAft>
+                      </a:pPr>
+                      <a:r>
+                        <a:rPr lang="en-US" sz="1100">
+                          <a:latin typeface="Courier New"/>
+                          <a:ea typeface="Calibri"/>
+                          <a:cs typeface="Times New Roman"/>
+                        </a:rPr>
+                        <a:t>Berkerja</a:t>
+                      </a:r>
+                      <a:endParaRPr lang="id-ID" sz="1100">
+                        <a:latin typeface="Calibri"/>
+                        <a:ea typeface="Calibri"/>
+                        <a:cs typeface="Times New Roman"/>
+                      </a:endParaRPr>
+                    </a:p>
+                  </a:txBody>
+                  <a:tcPr marL="65715" marR="65715" marT="0" marB="0" anchor="ctr">
+                    <a:lnL w="12700" cap="flat" cmpd="sng" algn="ctr">
+                      <a:solidFill>
+                        <a:srgbClr val="000000"/>
+                      </a:solidFill>
+                      <a:prstDash val="solid"/>
+                      <a:round/>
+                      <a:headEnd type="none" w="med" len="med"/>
+                      <a:tailEnd type="none" w="med" len="med"/>
+                    </a:lnL>
+                    <a:lnR w="12700" cap="flat" cmpd="sng" algn="ctr">
+                      <a:solidFill>
+                        <a:srgbClr val="000000"/>
+                      </a:solidFill>
+                      <a:prstDash val="solid"/>
+                      <a:round/>
+                      <a:headEnd type="none" w="med" len="med"/>
+                      <a:tailEnd type="none" w="med" len="med"/>
+                    </a:lnR>
+                    <a:lnT w="12700" cap="flat" cmpd="sng" algn="ctr">
+                      <a:solidFill>
+                        <a:srgbClr val="000000"/>
+                      </a:solidFill>
+                      <a:prstDash val="solid"/>
+                      <a:round/>
+                      <a:headEnd type="none" w="med" len="med"/>
+                      <a:tailEnd type="none" w="med" len="med"/>
+                    </a:lnT>
+                    <a:lnB w="12700" cap="flat" cmpd="sng" algn="ctr">
+                      <a:solidFill>
+                        <a:srgbClr val="000000"/>
+                      </a:solidFill>
+                      <a:prstDash val="solid"/>
+                      <a:round/>
+                      <a:headEnd type="none" w="med" len="med"/>
+                      <a:tailEnd type="none" w="med" len="med"/>
+                    </a:lnB>
+                  </a:tcPr>
+                </a:tc>
+                <a:tc>
+                  <a:txBody>
+                    <a:bodyPr/>
+                    <a:lstStyle/>
+                    <a:p>
+                      <a:pPr algn="ctr">
+                        <a:lnSpc>
+                          <a:spcPct val="150000"/>
+                        </a:lnSpc>
+                        <a:spcAft>
+                          <a:spcPts val="0"/>
+                        </a:spcAft>
+                      </a:pPr>
+                      <a:r>
+                        <a:rPr lang="en-US" sz="1100">
+                          <a:latin typeface="Courier New"/>
+                          <a:ea typeface="Calibri"/>
+                          <a:cs typeface="Times New Roman"/>
+                        </a:rPr>
+                        <a:t>0.477</a:t>
+                      </a:r>
+                      <a:endParaRPr lang="id-ID" sz="1100">
+                        <a:latin typeface="Calibri"/>
+                        <a:ea typeface="Calibri"/>
+                        <a:cs typeface="Times New Roman"/>
+                      </a:endParaRPr>
+                    </a:p>
+                  </a:txBody>
+                  <a:tcPr marL="65715" marR="65715" marT="0" marB="0" anchor="ctr">
+                    <a:lnL w="12700" cap="flat" cmpd="sng" algn="ctr">
+                      <a:solidFill>
+                        <a:srgbClr val="000000"/>
+                      </a:solidFill>
+                      <a:prstDash val="solid"/>
+                      <a:round/>
+                      <a:headEnd type="none" w="med" len="med"/>
+                      <a:tailEnd type="none" w="med" len="med"/>
+                    </a:lnL>
+                    <a:lnR w="12700" cap="flat" cmpd="sng" algn="ctr">
+                      <a:solidFill>
+                        <a:srgbClr val="000000"/>
+                      </a:solidFill>
+                      <a:prstDash val="solid"/>
+                      <a:round/>
+                      <a:headEnd type="none" w="med" len="med"/>
+                      <a:tailEnd type="none" w="med" len="med"/>
+                    </a:lnR>
+                    <a:lnT w="12700" cap="flat" cmpd="sng" algn="ctr">
+                      <a:solidFill>
+                        <a:srgbClr val="000000"/>
+                      </a:solidFill>
+                      <a:prstDash val="solid"/>
+                      <a:round/>
+                      <a:headEnd type="none" w="med" len="med"/>
+                      <a:tailEnd type="none" w="med" len="med"/>
+                    </a:lnT>
+                    <a:lnB w="12700" cap="flat" cmpd="sng" algn="ctr">
+                      <a:solidFill>
+                        <a:srgbClr val="000000"/>
+                      </a:solidFill>
+                      <a:prstDash val="solid"/>
+                      <a:round/>
+                      <a:headEnd type="none" w="med" len="med"/>
+                      <a:tailEnd type="none" w="med" len="med"/>
+                    </a:lnB>
+                  </a:tcPr>
+                </a:tc>
+                <a:tc>
+                  <a:txBody>
+                    <a:bodyPr/>
+                    <a:lstStyle/>
+                    <a:p>
+                      <a:pPr algn="ctr">
+                        <a:lnSpc>
+                          <a:spcPct val="150000"/>
+                        </a:lnSpc>
+                        <a:spcAft>
+                          <a:spcPts val="0"/>
+                        </a:spcAft>
+                      </a:pPr>
+                      <a:r>
+                        <a:rPr lang="en-US" sz="1100">
+                          <a:latin typeface="Courier New"/>
+                          <a:ea typeface="Calibri"/>
+                          <a:cs typeface="Times New Roman"/>
+                        </a:rPr>
+                        <a:t>0</a:t>
+                      </a:r>
+                      <a:endParaRPr lang="id-ID" sz="1100">
+                        <a:latin typeface="Calibri"/>
+                        <a:ea typeface="Calibri"/>
+                        <a:cs typeface="Times New Roman"/>
+                      </a:endParaRPr>
+                    </a:p>
+                  </a:txBody>
+                  <a:tcPr marL="65715" marR="65715" marT="0" marB="0" anchor="ctr">
+                    <a:lnL w="12700" cap="flat" cmpd="sng" algn="ctr">
+                      <a:solidFill>
+                        <a:srgbClr val="000000"/>
+                      </a:solidFill>
+                      <a:prstDash val="solid"/>
+                      <a:round/>
+                      <a:headEnd type="none" w="med" len="med"/>
+                      <a:tailEnd type="none" w="med" len="med"/>
+                    </a:lnL>
+                    <a:lnR w="12700" cap="flat" cmpd="sng" algn="ctr">
+                      <a:solidFill>
+                        <a:srgbClr val="000000"/>
+                      </a:solidFill>
+                      <a:prstDash val="solid"/>
+                      <a:round/>
+                      <a:headEnd type="none" w="med" len="med"/>
+                      <a:tailEnd type="none" w="med" len="med"/>
+                    </a:lnR>
+                    <a:lnT w="12700" cap="flat" cmpd="sng" algn="ctr">
+                      <a:solidFill>
+                        <a:srgbClr val="000000"/>
+                      </a:solidFill>
+                      <a:prstDash val="solid"/>
+                      <a:round/>
+                      <a:headEnd type="none" w="med" len="med"/>
+                      <a:tailEnd type="none" w="med" len="med"/>
+                    </a:lnT>
+                    <a:lnB w="12700" cap="flat" cmpd="sng" algn="ctr">
+                      <a:solidFill>
+                        <a:srgbClr val="000000"/>
+                      </a:solidFill>
+                      <a:prstDash val="solid"/>
+                      <a:round/>
+                      <a:headEnd type="none" w="med" len="med"/>
+                      <a:tailEnd type="none" w="med" len="med"/>
+                    </a:lnB>
+                  </a:tcPr>
+                </a:tc>
+                <a:tc>
+                  <a:txBody>
+                    <a:bodyPr/>
+                    <a:lstStyle/>
+                    <a:p>
+                      <a:pPr algn="ctr">
+                        <a:lnSpc>
+                          <a:spcPct val="150000"/>
+                        </a:lnSpc>
+                        <a:spcAft>
+                          <a:spcPts val="0"/>
+                        </a:spcAft>
+                      </a:pPr>
+                      <a:r>
+                        <a:rPr lang="en-US" sz="1100">
+                          <a:latin typeface="Courier New"/>
+                          <a:ea typeface="Calibri"/>
+                          <a:cs typeface="Times New Roman"/>
+                        </a:rPr>
+                        <a:t>0</a:t>
+                      </a:r>
+                      <a:endParaRPr lang="id-ID" sz="1100">
+                        <a:latin typeface="Calibri"/>
+                        <a:ea typeface="Calibri"/>
+                        <a:cs typeface="Times New Roman"/>
+                      </a:endParaRPr>
+                    </a:p>
+                  </a:txBody>
+                  <a:tcPr marL="65715" marR="65715" marT="0" marB="0" anchor="ctr">
+                    <a:lnL w="12700" cap="flat" cmpd="sng" algn="ctr">
+                      <a:solidFill>
+                        <a:srgbClr val="000000"/>
+                      </a:solidFill>
+                      <a:prstDash val="solid"/>
+                      <a:round/>
+                      <a:headEnd type="none" w="med" len="med"/>
+                      <a:tailEnd type="none" w="med" len="med"/>
+                    </a:lnL>
+                    <a:lnR w="12700" cap="flat" cmpd="sng" algn="ctr">
+                      <a:solidFill>
+                        <a:srgbClr val="000000"/>
+                      </a:solidFill>
+                      <a:prstDash val="solid"/>
+                      <a:round/>
+                      <a:headEnd type="none" w="med" len="med"/>
+                      <a:tailEnd type="none" w="med" len="med"/>
+                    </a:lnR>
+                    <a:lnT w="12700" cap="flat" cmpd="sng" algn="ctr">
+                      <a:solidFill>
+                        <a:srgbClr val="000000"/>
+                      </a:solidFill>
+                      <a:prstDash val="solid"/>
+                      <a:round/>
+                      <a:headEnd type="none" w="med" len="med"/>
+                      <a:tailEnd type="none" w="med" len="med"/>
+                    </a:lnT>
+                    <a:lnB w="12700" cap="flat" cmpd="sng" algn="ctr">
+                      <a:solidFill>
+                        <a:srgbClr val="000000"/>
+                      </a:solidFill>
+                      <a:prstDash val="solid"/>
+                      <a:round/>
+                      <a:headEnd type="none" w="med" len="med"/>
+                      <a:tailEnd type="none" w="med" len="med"/>
+                    </a:lnB>
+                  </a:tcPr>
+                </a:tc>
+              </a:tr>
+              <a:tr h="262861">
+                <a:tc>
+                  <a:txBody>
+                    <a:bodyPr/>
+                    <a:lstStyle/>
+                    <a:p>
+                      <a:pPr algn="ctr">
+                        <a:lnSpc>
+                          <a:spcPct val="150000"/>
+                        </a:lnSpc>
+                        <a:spcAft>
+                          <a:spcPts val="0"/>
+                        </a:spcAft>
+                      </a:pPr>
+                      <a:r>
+                        <a:rPr lang="en-US" sz="1100">
+                          <a:latin typeface="Courier New"/>
+                          <a:ea typeface="Calibri"/>
+                          <a:cs typeface="Times New Roman"/>
+                        </a:rPr>
+                        <a:t>Sangat</a:t>
+                      </a:r>
+                      <a:endParaRPr lang="id-ID" sz="1100">
+                        <a:latin typeface="Calibri"/>
+                        <a:ea typeface="Calibri"/>
+                        <a:cs typeface="Times New Roman"/>
+                      </a:endParaRPr>
+                    </a:p>
+                  </a:txBody>
+                  <a:tcPr marL="65715" marR="65715" marT="0" marB="0" anchor="ctr">
+                    <a:lnL w="12700" cap="flat" cmpd="sng" algn="ctr">
+                      <a:solidFill>
+                        <a:srgbClr val="000000"/>
+                      </a:solidFill>
+                      <a:prstDash val="solid"/>
+                      <a:round/>
+                      <a:headEnd type="none" w="med" len="med"/>
+                      <a:tailEnd type="none" w="med" len="med"/>
+                    </a:lnL>
+                    <a:lnR w="12700" cap="flat" cmpd="sng" algn="ctr">
+                      <a:solidFill>
+                        <a:srgbClr val="000000"/>
+                      </a:solidFill>
+                      <a:prstDash val="solid"/>
+                      <a:round/>
+                      <a:headEnd type="none" w="med" len="med"/>
+                      <a:tailEnd type="none" w="med" len="med"/>
+                    </a:lnR>
+                    <a:lnT w="12700" cap="flat" cmpd="sng" algn="ctr">
+                      <a:solidFill>
+                        <a:srgbClr val="000000"/>
+                      </a:solidFill>
+                      <a:prstDash val="solid"/>
+                      <a:round/>
+                      <a:headEnd type="none" w="med" len="med"/>
+                      <a:tailEnd type="none" w="med" len="med"/>
+                    </a:lnT>
+                    <a:lnB w="12700" cap="flat" cmpd="sng" algn="ctr">
+                      <a:solidFill>
+                        <a:srgbClr val="000000"/>
+                      </a:solidFill>
+                      <a:prstDash val="solid"/>
+                      <a:round/>
+                      <a:headEnd type="none" w="med" len="med"/>
+                      <a:tailEnd type="none" w="med" len="med"/>
+                    </a:lnB>
+                  </a:tcPr>
+                </a:tc>
+                <a:tc>
+                  <a:txBody>
+                    <a:bodyPr/>
+                    <a:lstStyle/>
+                    <a:p>
+                      <a:pPr algn="ctr">
+                        <a:lnSpc>
+                          <a:spcPct val="150000"/>
+                        </a:lnSpc>
+                        <a:spcAft>
+                          <a:spcPts val="0"/>
+                        </a:spcAft>
+                      </a:pPr>
+                      <a:r>
+                        <a:rPr lang="en-US" sz="1100">
+                          <a:latin typeface="Courier New"/>
+                          <a:ea typeface="Calibri"/>
+                          <a:cs typeface="Times New Roman"/>
+                        </a:rPr>
+                        <a:t>0.477</a:t>
+                      </a:r>
+                      <a:endParaRPr lang="id-ID" sz="1100">
+                        <a:latin typeface="Calibri"/>
+                        <a:ea typeface="Calibri"/>
+                        <a:cs typeface="Times New Roman"/>
+                      </a:endParaRPr>
+                    </a:p>
+                  </a:txBody>
+                  <a:tcPr marL="65715" marR="65715" marT="0" marB="0" anchor="ctr">
+                    <a:lnL w="12700" cap="flat" cmpd="sng" algn="ctr">
+                      <a:solidFill>
+                        <a:srgbClr val="000000"/>
+                      </a:solidFill>
+                      <a:prstDash val="solid"/>
+                      <a:round/>
+                      <a:headEnd type="none" w="med" len="med"/>
+                      <a:tailEnd type="none" w="med" len="med"/>
+                    </a:lnL>
+                    <a:lnR w="12700" cap="flat" cmpd="sng" algn="ctr">
+                      <a:solidFill>
+                        <a:srgbClr val="000000"/>
+                      </a:solidFill>
+                      <a:prstDash val="solid"/>
+                      <a:round/>
+                      <a:headEnd type="none" w="med" len="med"/>
+                      <a:tailEnd type="none" w="med" len="med"/>
+                    </a:lnR>
+                    <a:lnT w="12700" cap="flat" cmpd="sng" algn="ctr">
+                      <a:solidFill>
+                        <a:srgbClr val="000000"/>
+                      </a:solidFill>
+                      <a:prstDash val="solid"/>
+                      <a:round/>
+                      <a:headEnd type="none" w="med" len="med"/>
+                      <a:tailEnd type="none" w="med" len="med"/>
+                    </a:lnT>
+                    <a:lnB w="12700" cap="flat" cmpd="sng" algn="ctr">
+                      <a:solidFill>
+                        <a:srgbClr val="000000"/>
+                      </a:solidFill>
+                      <a:prstDash val="solid"/>
+                      <a:round/>
+                      <a:headEnd type="none" w="med" len="med"/>
+                      <a:tailEnd type="none" w="med" len="med"/>
+                    </a:lnB>
+                  </a:tcPr>
+                </a:tc>
+                <a:tc>
+                  <a:txBody>
+                    <a:bodyPr/>
+                    <a:lstStyle/>
+                    <a:p>
+                      <a:pPr algn="ctr">
+                        <a:lnSpc>
+                          <a:spcPct val="150000"/>
+                        </a:lnSpc>
+                        <a:spcAft>
+                          <a:spcPts val="0"/>
+                        </a:spcAft>
+                      </a:pPr>
+                      <a:r>
+                        <a:rPr lang="en-US" sz="1100">
+                          <a:latin typeface="Courier New"/>
+                          <a:ea typeface="Calibri"/>
+                          <a:cs typeface="Times New Roman"/>
+                        </a:rPr>
+                        <a:t>0</a:t>
+                      </a:r>
+                      <a:endParaRPr lang="id-ID" sz="1100">
+                        <a:latin typeface="Calibri"/>
+                        <a:ea typeface="Calibri"/>
+                        <a:cs typeface="Times New Roman"/>
+                      </a:endParaRPr>
+                    </a:p>
+                  </a:txBody>
+                  <a:tcPr marL="65715" marR="65715" marT="0" marB="0" anchor="ctr">
+                    <a:lnL w="12700" cap="flat" cmpd="sng" algn="ctr">
+                      <a:solidFill>
+                        <a:srgbClr val="000000"/>
+                      </a:solidFill>
+                      <a:prstDash val="solid"/>
+                      <a:round/>
+                      <a:headEnd type="none" w="med" len="med"/>
+                      <a:tailEnd type="none" w="med" len="med"/>
+                    </a:lnL>
+                    <a:lnR w="12700" cap="flat" cmpd="sng" algn="ctr">
+                      <a:solidFill>
+                        <a:srgbClr val="000000"/>
+                      </a:solidFill>
+                      <a:prstDash val="solid"/>
+                      <a:round/>
+                      <a:headEnd type="none" w="med" len="med"/>
+                      <a:tailEnd type="none" w="med" len="med"/>
+                    </a:lnR>
+                    <a:lnT w="12700" cap="flat" cmpd="sng" algn="ctr">
+                      <a:solidFill>
+                        <a:srgbClr val="000000"/>
+                      </a:solidFill>
+                      <a:prstDash val="solid"/>
+                      <a:round/>
+                      <a:headEnd type="none" w="med" len="med"/>
+                      <a:tailEnd type="none" w="med" len="med"/>
+                    </a:lnT>
+                    <a:lnB w="12700" cap="flat" cmpd="sng" algn="ctr">
+                      <a:solidFill>
+                        <a:srgbClr val="000000"/>
+                      </a:solidFill>
+                      <a:prstDash val="solid"/>
+                      <a:round/>
+                      <a:headEnd type="none" w="med" len="med"/>
+                      <a:tailEnd type="none" w="med" len="med"/>
+                    </a:lnB>
+                  </a:tcPr>
+                </a:tc>
+                <a:tc>
+                  <a:txBody>
+                    <a:bodyPr/>
+                    <a:lstStyle/>
+                    <a:p>
+                      <a:pPr algn="ctr">
+                        <a:lnSpc>
+                          <a:spcPct val="150000"/>
+                        </a:lnSpc>
+                        <a:spcAft>
+                          <a:spcPts val="0"/>
+                        </a:spcAft>
+                      </a:pPr>
+                      <a:r>
+                        <a:rPr lang="en-US" sz="1100">
+                          <a:latin typeface="Courier New"/>
+                          <a:ea typeface="Calibri"/>
+                          <a:cs typeface="Times New Roman"/>
+                        </a:rPr>
+                        <a:t>0</a:t>
+                      </a:r>
+                      <a:endParaRPr lang="id-ID" sz="1100">
+                        <a:latin typeface="Calibri"/>
+                        <a:ea typeface="Calibri"/>
+                        <a:cs typeface="Times New Roman"/>
+                      </a:endParaRPr>
+                    </a:p>
+                  </a:txBody>
+                  <a:tcPr marL="65715" marR="65715" marT="0" marB="0" anchor="ctr">
+                    <a:lnL w="12700" cap="flat" cmpd="sng" algn="ctr">
+                      <a:solidFill>
+                        <a:srgbClr val="000000"/>
+                      </a:solidFill>
+                      <a:prstDash val="solid"/>
+                      <a:round/>
+                      <a:headEnd type="none" w="med" len="med"/>
+                      <a:tailEnd type="none" w="med" len="med"/>
+                    </a:lnL>
+                    <a:lnR w="12700" cap="flat" cmpd="sng" algn="ctr">
+                      <a:solidFill>
+                        <a:srgbClr val="000000"/>
+                      </a:solidFill>
+                      <a:prstDash val="solid"/>
+                      <a:round/>
+                      <a:headEnd type="none" w="med" len="med"/>
+                      <a:tailEnd type="none" w="med" len="med"/>
+                    </a:lnR>
+                    <a:lnT w="12700" cap="flat" cmpd="sng" algn="ctr">
+                      <a:solidFill>
+                        <a:srgbClr val="000000"/>
+                      </a:solidFill>
+                      <a:prstDash val="solid"/>
+                      <a:round/>
+                      <a:headEnd type="none" w="med" len="med"/>
+                      <a:tailEnd type="none" w="med" len="med"/>
+                    </a:lnT>
+                    <a:lnB w="12700" cap="flat" cmpd="sng" algn="ctr">
+                      <a:solidFill>
+                        <a:srgbClr val="000000"/>
+                      </a:solidFill>
+                      <a:prstDash val="solid"/>
+                      <a:round/>
+                      <a:headEnd type="none" w="med" len="med"/>
+                      <a:tailEnd type="none" w="med" len="med"/>
+                    </a:lnB>
+                  </a:tcPr>
+                </a:tc>
+              </a:tr>
+              <a:tr h="262861">
+                <a:tc>
+                  <a:txBody>
+                    <a:bodyPr/>
+                    <a:lstStyle/>
+                    <a:p>
+                      <a:pPr algn="ctr">
+                        <a:lnSpc>
+                          <a:spcPct val="150000"/>
+                        </a:lnSpc>
+                        <a:spcAft>
+                          <a:spcPts val="0"/>
+                        </a:spcAft>
+                      </a:pPr>
+                      <a:r>
+                        <a:rPr lang="en-US" sz="1100">
+                          <a:latin typeface="Courier New"/>
+                          <a:ea typeface="Calibri"/>
+                          <a:cs typeface="Times New Roman"/>
+                        </a:rPr>
+                        <a:t>Baik</a:t>
+                      </a:r>
+                      <a:endParaRPr lang="id-ID" sz="1100">
+                        <a:latin typeface="Calibri"/>
+                        <a:ea typeface="Calibri"/>
+                        <a:cs typeface="Times New Roman"/>
+                      </a:endParaRPr>
+                    </a:p>
+                  </a:txBody>
+                  <a:tcPr marL="65715" marR="65715" marT="0" marB="0" anchor="ctr">
+                    <a:lnL w="12700" cap="flat" cmpd="sng" algn="ctr">
+                      <a:solidFill>
+                        <a:srgbClr val="000000"/>
+                      </a:solidFill>
+                      <a:prstDash val="solid"/>
+                      <a:round/>
+                      <a:headEnd type="none" w="med" len="med"/>
+                      <a:tailEnd type="none" w="med" len="med"/>
+                    </a:lnL>
+                    <a:lnR w="12700" cap="flat" cmpd="sng" algn="ctr">
+                      <a:solidFill>
+                        <a:srgbClr val="000000"/>
+                      </a:solidFill>
+                      <a:prstDash val="solid"/>
+                      <a:round/>
+                      <a:headEnd type="none" w="med" len="med"/>
+                      <a:tailEnd type="none" w="med" len="med"/>
+                    </a:lnR>
+                    <a:lnT w="12700" cap="flat" cmpd="sng" algn="ctr">
+                      <a:solidFill>
+                        <a:srgbClr val="000000"/>
+                      </a:solidFill>
+                      <a:prstDash val="solid"/>
+                      <a:round/>
+                      <a:headEnd type="none" w="med" len="med"/>
+                      <a:tailEnd type="none" w="med" len="med"/>
+                    </a:lnT>
+                    <a:lnB w="12700" cap="flat" cmpd="sng" algn="ctr">
+                      <a:solidFill>
+                        <a:srgbClr val="000000"/>
+                      </a:solidFill>
+                      <a:prstDash val="solid"/>
+                      <a:round/>
+                      <a:headEnd type="none" w="med" len="med"/>
+                      <a:tailEnd type="none" w="med" len="med"/>
+                    </a:lnB>
+                  </a:tcPr>
+                </a:tc>
+                <a:tc>
+                  <a:txBody>
+                    <a:bodyPr/>
+                    <a:lstStyle/>
+                    <a:p>
+                      <a:pPr algn="ctr">
+                        <a:lnSpc>
+                          <a:spcPct val="150000"/>
+                        </a:lnSpc>
+                        <a:spcAft>
+                          <a:spcPts val="0"/>
+                        </a:spcAft>
+                      </a:pPr>
+                      <a:r>
+                        <a:rPr lang="en-US" sz="1100">
+                          <a:latin typeface="Courier New"/>
+                          <a:ea typeface="Calibri"/>
+                          <a:cs typeface="Times New Roman"/>
+                        </a:rPr>
+                        <a:t>0.477</a:t>
+                      </a:r>
+                      <a:endParaRPr lang="id-ID" sz="1100">
+                        <a:latin typeface="Calibri"/>
+                        <a:ea typeface="Calibri"/>
+                        <a:cs typeface="Times New Roman"/>
+                      </a:endParaRPr>
+                    </a:p>
+                  </a:txBody>
+                  <a:tcPr marL="65715" marR="65715" marT="0" marB="0" anchor="ctr">
+                    <a:lnL w="12700" cap="flat" cmpd="sng" algn="ctr">
+                      <a:solidFill>
+                        <a:srgbClr val="000000"/>
+                      </a:solidFill>
+                      <a:prstDash val="solid"/>
+                      <a:round/>
+                      <a:headEnd type="none" w="med" len="med"/>
+                      <a:tailEnd type="none" w="med" len="med"/>
+                    </a:lnL>
+                    <a:lnR w="12700" cap="flat" cmpd="sng" algn="ctr">
+                      <a:solidFill>
+                        <a:srgbClr val="000000"/>
+                      </a:solidFill>
+                      <a:prstDash val="solid"/>
+                      <a:round/>
+                      <a:headEnd type="none" w="med" len="med"/>
+                      <a:tailEnd type="none" w="med" len="med"/>
+                    </a:lnR>
+                    <a:lnT w="12700" cap="flat" cmpd="sng" algn="ctr">
+                      <a:solidFill>
+                        <a:srgbClr val="000000"/>
+                      </a:solidFill>
+                      <a:prstDash val="solid"/>
+                      <a:round/>
+                      <a:headEnd type="none" w="med" len="med"/>
+                      <a:tailEnd type="none" w="med" len="med"/>
+                    </a:lnT>
+                    <a:lnB w="12700" cap="flat" cmpd="sng" algn="ctr">
+                      <a:solidFill>
+                        <a:srgbClr val="000000"/>
+                      </a:solidFill>
+                      <a:prstDash val="solid"/>
+                      <a:round/>
+                      <a:headEnd type="none" w="med" len="med"/>
+                      <a:tailEnd type="none" w="med" len="med"/>
+                    </a:lnB>
+                  </a:tcPr>
+                </a:tc>
+                <a:tc>
+                  <a:txBody>
+                    <a:bodyPr/>
+                    <a:lstStyle/>
+                    <a:p>
+                      <a:pPr algn="ctr">
+                        <a:lnSpc>
+                          <a:spcPct val="150000"/>
+                        </a:lnSpc>
+                        <a:spcAft>
+                          <a:spcPts val="0"/>
+                        </a:spcAft>
+                      </a:pPr>
+                      <a:r>
+                        <a:rPr lang="en-US" sz="1100">
+                          <a:latin typeface="Courier New"/>
+                          <a:ea typeface="Calibri"/>
+                          <a:cs typeface="Times New Roman"/>
+                        </a:rPr>
+                        <a:t>0</a:t>
+                      </a:r>
+                      <a:endParaRPr lang="id-ID" sz="1100">
+                        <a:latin typeface="Calibri"/>
+                        <a:ea typeface="Calibri"/>
+                        <a:cs typeface="Times New Roman"/>
+                      </a:endParaRPr>
+                    </a:p>
+                  </a:txBody>
+                  <a:tcPr marL="65715" marR="65715" marT="0" marB="0" anchor="ctr">
+                    <a:lnL w="12700" cap="flat" cmpd="sng" algn="ctr">
+                      <a:solidFill>
+                        <a:srgbClr val="000000"/>
+                      </a:solidFill>
+                      <a:prstDash val="solid"/>
+                      <a:round/>
+                      <a:headEnd type="none" w="med" len="med"/>
+                      <a:tailEnd type="none" w="med" len="med"/>
+                    </a:lnL>
+                    <a:lnR w="12700" cap="flat" cmpd="sng" algn="ctr">
+                      <a:solidFill>
+                        <a:srgbClr val="000000"/>
+                      </a:solidFill>
+                      <a:prstDash val="solid"/>
+                      <a:round/>
+                      <a:headEnd type="none" w="med" len="med"/>
+                      <a:tailEnd type="none" w="med" len="med"/>
+                    </a:lnR>
+                    <a:lnT w="12700" cap="flat" cmpd="sng" algn="ctr">
+                      <a:solidFill>
+                        <a:srgbClr val="000000"/>
+                      </a:solidFill>
+                      <a:prstDash val="solid"/>
+                      <a:round/>
+                      <a:headEnd type="none" w="med" len="med"/>
+                      <a:tailEnd type="none" w="med" len="med"/>
+                    </a:lnT>
+                    <a:lnB w="12700" cap="flat" cmpd="sng" algn="ctr">
+                      <a:solidFill>
+                        <a:srgbClr val="000000"/>
+                      </a:solidFill>
+                      <a:prstDash val="solid"/>
+                      <a:round/>
+                      <a:headEnd type="none" w="med" len="med"/>
+                      <a:tailEnd type="none" w="med" len="med"/>
+                    </a:lnB>
+                  </a:tcPr>
+                </a:tc>
+                <a:tc>
+                  <a:txBody>
+                    <a:bodyPr/>
+                    <a:lstStyle/>
+                    <a:p>
+                      <a:pPr algn="ctr">
+                        <a:lnSpc>
+                          <a:spcPct val="150000"/>
+                        </a:lnSpc>
+                        <a:spcAft>
+                          <a:spcPts val="0"/>
+                        </a:spcAft>
+                      </a:pPr>
+                      <a:r>
+                        <a:rPr lang="en-US" sz="1100">
+                          <a:latin typeface="Courier New"/>
+                          <a:ea typeface="Calibri"/>
+                          <a:cs typeface="Times New Roman"/>
+                        </a:rPr>
+                        <a:t>0</a:t>
+                      </a:r>
+                      <a:endParaRPr lang="id-ID" sz="1100">
+                        <a:latin typeface="Calibri"/>
+                        <a:ea typeface="Calibri"/>
+                        <a:cs typeface="Times New Roman"/>
+                      </a:endParaRPr>
+                    </a:p>
+                  </a:txBody>
+                  <a:tcPr marL="65715" marR="65715" marT="0" marB="0" anchor="ctr">
+                    <a:lnL w="12700" cap="flat" cmpd="sng" algn="ctr">
+                      <a:solidFill>
+                        <a:srgbClr val="000000"/>
+                      </a:solidFill>
+                      <a:prstDash val="solid"/>
+                      <a:round/>
+                      <a:headEnd type="none" w="med" len="med"/>
+                      <a:tailEnd type="none" w="med" len="med"/>
+                    </a:lnL>
+                    <a:lnR w="12700" cap="flat" cmpd="sng" algn="ctr">
+                      <a:solidFill>
+                        <a:srgbClr val="000000"/>
+                      </a:solidFill>
+                      <a:prstDash val="solid"/>
+                      <a:round/>
+                      <a:headEnd type="none" w="med" len="med"/>
+                      <a:tailEnd type="none" w="med" len="med"/>
+                    </a:lnR>
+                    <a:lnT w="12700" cap="flat" cmpd="sng" algn="ctr">
+                      <a:solidFill>
+                        <a:srgbClr val="000000"/>
+                      </a:solidFill>
+                      <a:prstDash val="solid"/>
+                      <a:round/>
+                      <a:headEnd type="none" w="med" len="med"/>
+                      <a:tailEnd type="none" w="med" len="med"/>
+                    </a:lnT>
+                    <a:lnB w="12700" cap="flat" cmpd="sng" algn="ctr">
+                      <a:solidFill>
+                        <a:srgbClr val="000000"/>
+                      </a:solidFill>
+                      <a:prstDash val="solid"/>
+                      <a:round/>
+                      <a:headEnd type="none" w="med" len="med"/>
+                      <a:tailEnd type="none" w="med" len="med"/>
+                    </a:lnB>
+                  </a:tcPr>
+                </a:tc>
+              </a:tr>
+              <a:tr h="262861">
+                <a:tc>
+                  <a:txBody>
+                    <a:bodyPr/>
+                    <a:lstStyle/>
+                    <a:p>
+                      <a:pPr algn="ctr">
+                        <a:lnSpc>
+                          <a:spcPct val="150000"/>
+                        </a:lnSpc>
+                        <a:spcAft>
+                          <a:spcPts val="0"/>
+                        </a:spcAft>
+                      </a:pPr>
+                      <a:r>
+                        <a:rPr lang="en-US" sz="1100">
+                          <a:latin typeface="Courier New"/>
+                          <a:ea typeface="Calibri"/>
+                          <a:cs typeface="Times New Roman"/>
+                        </a:rPr>
+                        <a:t>Dukung</a:t>
+                      </a:r>
+                      <a:endParaRPr lang="id-ID" sz="1100">
+                        <a:latin typeface="Calibri"/>
+                        <a:ea typeface="Calibri"/>
+                        <a:cs typeface="Times New Roman"/>
+                      </a:endParaRPr>
+                    </a:p>
+                  </a:txBody>
+                  <a:tcPr marL="65715" marR="65715" marT="0" marB="0" anchor="ctr">
+                    <a:lnL w="12700" cap="flat" cmpd="sng" algn="ctr">
+                      <a:solidFill>
+                        <a:srgbClr val="000000"/>
+                      </a:solidFill>
+                      <a:prstDash val="solid"/>
+                      <a:round/>
+                      <a:headEnd type="none" w="med" len="med"/>
+                      <a:tailEnd type="none" w="med" len="med"/>
+                    </a:lnL>
+                    <a:lnR w="12700" cap="flat" cmpd="sng" algn="ctr">
+                      <a:solidFill>
+                        <a:srgbClr val="000000"/>
+                      </a:solidFill>
+                      <a:prstDash val="solid"/>
+                      <a:round/>
+                      <a:headEnd type="none" w="med" len="med"/>
+                      <a:tailEnd type="none" w="med" len="med"/>
+                    </a:lnR>
+                    <a:lnT w="12700" cap="flat" cmpd="sng" algn="ctr">
+                      <a:solidFill>
+                        <a:srgbClr val="000000"/>
+                      </a:solidFill>
+                      <a:prstDash val="solid"/>
+                      <a:round/>
+                      <a:headEnd type="none" w="med" len="med"/>
+                      <a:tailEnd type="none" w="med" len="med"/>
+                    </a:lnT>
+                    <a:lnB w="12700" cap="flat" cmpd="sng" algn="ctr">
+                      <a:solidFill>
+                        <a:srgbClr val="000000"/>
+                      </a:solidFill>
+                      <a:prstDash val="solid"/>
+                      <a:round/>
+                      <a:headEnd type="none" w="med" len="med"/>
+                      <a:tailEnd type="none" w="med" len="med"/>
+                    </a:lnB>
+                  </a:tcPr>
+                </a:tc>
+                <a:tc>
+                  <a:txBody>
+                    <a:bodyPr/>
+                    <a:lstStyle/>
+                    <a:p>
+                      <a:pPr algn="ctr">
+                        <a:lnSpc>
+                          <a:spcPct val="150000"/>
+                        </a:lnSpc>
+                        <a:spcAft>
+                          <a:spcPts val="0"/>
+                        </a:spcAft>
+                      </a:pPr>
+                      <a:r>
+                        <a:rPr lang="en-US" sz="1100">
+                          <a:latin typeface="Courier New"/>
+                          <a:ea typeface="Calibri"/>
+                          <a:cs typeface="Times New Roman"/>
+                        </a:rPr>
+                        <a:t>0</a:t>
+                      </a:r>
+                      <a:endParaRPr lang="id-ID" sz="1100">
+                        <a:latin typeface="Calibri"/>
+                        <a:ea typeface="Calibri"/>
+                        <a:cs typeface="Times New Roman"/>
+                      </a:endParaRPr>
+                    </a:p>
+                  </a:txBody>
+                  <a:tcPr marL="65715" marR="65715" marT="0" marB="0" anchor="ctr">
+                    <a:lnL w="12700" cap="flat" cmpd="sng" algn="ctr">
+                      <a:solidFill>
+                        <a:srgbClr val="000000"/>
+                      </a:solidFill>
+                      <a:prstDash val="solid"/>
+                      <a:round/>
+                      <a:headEnd type="none" w="med" len="med"/>
+                      <a:tailEnd type="none" w="med" len="med"/>
+                    </a:lnL>
+                    <a:lnR w="12700" cap="flat" cmpd="sng" algn="ctr">
+                      <a:solidFill>
+                        <a:srgbClr val="000000"/>
+                      </a:solidFill>
+                      <a:prstDash val="solid"/>
+                      <a:round/>
+                      <a:headEnd type="none" w="med" len="med"/>
+                      <a:tailEnd type="none" w="med" len="med"/>
+                    </a:lnR>
+                    <a:lnT w="12700" cap="flat" cmpd="sng" algn="ctr">
+                      <a:solidFill>
+                        <a:srgbClr val="000000"/>
+                      </a:solidFill>
+                      <a:prstDash val="solid"/>
+                      <a:round/>
+                      <a:headEnd type="none" w="med" len="med"/>
+                      <a:tailEnd type="none" w="med" len="med"/>
+                    </a:lnT>
+                    <a:lnB w="12700" cap="flat" cmpd="sng" algn="ctr">
+                      <a:solidFill>
+                        <a:srgbClr val="000000"/>
+                      </a:solidFill>
+                      <a:prstDash val="solid"/>
+                      <a:round/>
+                      <a:headEnd type="none" w="med" len="med"/>
+                      <a:tailEnd type="none" w="med" len="med"/>
+                    </a:lnB>
+                  </a:tcPr>
+                </a:tc>
+                <a:tc>
+                  <a:txBody>
+                    <a:bodyPr/>
+                    <a:lstStyle/>
+                    <a:p>
+                      <a:pPr algn="ctr">
+                        <a:lnSpc>
+                          <a:spcPct val="150000"/>
+                        </a:lnSpc>
+                        <a:spcAft>
+                          <a:spcPts val="0"/>
+                        </a:spcAft>
+                      </a:pPr>
+                      <a:r>
+                        <a:rPr lang="en-US" sz="1100">
+                          <a:latin typeface="Courier New"/>
+                          <a:ea typeface="Calibri"/>
+                          <a:cs typeface="Times New Roman"/>
+                        </a:rPr>
+                        <a:t>0.477</a:t>
+                      </a:r>
+                      <a:endParaRPr lang="id-ID" sz="1100">
+                        <a:latin typeface="Calibri"/>
+                        <a:ea typeface="Calibri"/>
+                        <a:cs typeface="Times New Roman"/>
+                      </a:endParaRPr>
+                    </a:p>
+                  </a:txBody>
+                  <a:tcPr marL="65715" marR="65715" marT="0" marB="0" anchor="ctr">
+                    <a:lnL w="12700" cap="flat" cmpd="sng" algn="ctr">
+                      <a:solidFill>
+                        <a:srgbClr val="000000"/>
+                      </a:solidFill>
+                      <a:prstDash val="solid"/>
+                      <a:round/>
+                      <a:headEnd type="none" w="med" len="med"/>
+                      <a:tailEnd type="none" w="med" len="med"/>
+                    </a:lnL>
+                    <a:lnR w="12700" cap="flat" cmpd="sng" algn="ctr">
+                      <a:solidFill>
+                        <a:srgbClr val="000000"/>
+                      </a:solidFill>
+                      <a:prstDash val="solid"/>
+                      <a:round/>
+                      <a:headEnd type="none" w="med" len="med"/>
+                      <a:tailEnd type="none" w="med" len="med"/>
+                    </a:lnR>
+                    <a:lnT w="12700" cap="flat" cmpd="sng" algn="ctr">
+                      <a:solidFill>
+                        <a:srgbClr val="000000"/>
+                      </a:solidFill>
+                      <a:prstDash val="solid"/>
+                      <a:round/>
+                      <a:headEnd type="none" w="med" len="med"/>
+                      <a:tailEnd type="none" w="med" len="med"/>
+                    </a:lnT>
+                    <a:lnB w="12700" cap="flat" cmpd="sng" algn="ctr">
+                      <a:solidFill>
+                        <a:srgbClr val="000000"/>
+                      </a:solidFill>
+                      <a:prstDash val="solid"/>
+                      <a:round/>
+                      <a:headEnd type="none" w="med" len="med"/>
+                      <a:tailEnd type="none" w="med" len="med"/>
+                    </a:lnB>
+                  </a:tcPr>
+                </a:tc>
+                <a:tc>
+                  <a:txBody>
+                    <a:bodyPr/>
+                    <a:lstStyle/>
+                    <a:p>
+                      <a:pPr algn="ctr">
+                        <a:lnSpc>
+                          <a:spcPct val="150000"/>
+                        </a:lnSpc>
+                        <a:spcAft>
+                          <a:spcPts val="0"/>
+                        </a:spcAft>
+                      </a:pPr>
+                      <a:r>
+                        <a:rPr lang="en-US" sz="1100">
+                          <a:latin typeface="Courier New"/>
+                          <a:ea typeface="Calibri"/>
+                          <a:cs typeface="Times New Roman"/>
+                        </a:rPr>
+                        <a:t>0</a:t>
+                      </a:r>
+                      <a:endParaRPr lang="id-ID" sz="1100">
+                        <a:latin typeface="Calibri"/>
+                        <a:ea typeface="Calibri"/>
+                        <a:cs typeface="Times New Roman"/>
+                      </a:endParaRPr>
+                    </a:p>
+                  </a:txBody>
+                  <a:tcPr marL="65715" marR="65715" marT="0" marB="0" anchor="ctr">
+                    <a:lnL w="12700" cap="flat" cmpd="sng" algn="ctr">
+                      <a:solidFill>
+                        <a:srgbClr val="000000"/>
+                      </a:solidFill>
+                      <a:prstDash val="solid"/>
+                      <a:round/>
+                      <a:headEnd type="none" w="med" len="med"/>
+                      <a:tailEnd type="none" w="med" len="med"/>
+                    </a:lnL>
+                    <a:lnR w="12700" cap="flat" cmpd="sng" algn="ctr">
+                      <a:solidFill>
+                        <a:srgbClr val="000000"/>
+                      </a:solidFill>
+                      <a:prstDash val="solid"/>
+                      <a:round/>
+                      <a:headEnd type="none" w="med" len="med"/>
+                      <a:tailEnd type="none" w="med" len="med"/>
+                    </a:lnR>
+                    <a:lnT w="12700" cap="flat" cmpd="sng" algn="ctr">
+                      <a:solidFill>
+                        <a:srgbClr val="000000"/>
+                      </a:solidFill>
+                      <a:prstDash val="solid"/>
+                      <a:round/>
+                      <a:headEnd type="none" w="med" len="med"/>
+                      <a:tailEnd type="none" w="med" len="med"/>
+                    </a:lnT>
+                    <a:lnB w="12700" cap="flat" cmpd="sng" algn="ctr">
+                      <a:solidFill>
+                        <a:srgbClr val="000000"/>
+                      </a:solidFill>
+                      <a:prstDash val="solid"/>
+                      <a:round/>
+                      <a:headEnd type="none" w="med" len="med"/>
+                      <a:tailEnd type="none" w="med" len="med"/>
+                    </a:lnB>
+                  </a:tcPr>
+                </a:tc>
+              </a:tr>
+              <a:tr h="265295">
+                <a:tc>
+                  <a:txBody>
+                    <a:bodyPr/>
+                    <a:lstStyle/>
+                    <a:p>
+                      <a:pPr algn="ctr">
+                        <a:lnSpc>
+                          <a:spcPct val="150000"/>
+                        </a:lnSpc>
+                        <a:spcAft>
+                          <a:spcPts val="0"/>
+                        </a:spcAft>
+                      </a:pPr>
+                      <a:r>
+                        <a:rPr lang="en-US" sz="1100">
+                          <a:latin typeface="Courier New"/>
+                          <a:ea typeface="Calibri"/>
+                          <a:cs typeface="Times New Roman"/>
+                        </a:rPr>
+                        <a:t>Kawal</a:t>
+                      </a:r>
+                      <a:endParaRPr lang="id-ID" sz="1100">
+                        <a:latin typeface="Calibri"/>
+                        <a:ea typeface="Calibri"/>
+                        <a:cs typeface="Times New Roman"/>
+                      </a:endParaRPr>
+                    </a:p>
+                  </a:txBody>
+                  <a:tcPr marL="65715" marR="65715" marT="0" marB="0" anchor="ctr">
+                    <a:lnL w="12700" cap="flat" cmpd="sng" algn="ctr">
+                      <a:solidFill>
+                        <a:srgbClr val="000000"/>
+                      </a:solidFill>
+                      <a:prstDash val="solid"/>
+                      <a:round/>
+                      <a:headEnd type="none" w="med" len="med"/>
+                      <a:tailEnd type="none" w="med" len="med"/>
+                    </a:lnL>
+                    <a:lnR w="12700" cap="flat" cmpd="sng" algn="ctr">
+                      <a:solidFill>
+                        <a:srgbClr val="000000"/>
+                      </a:solidFill>
+                      <a:prstDash val="solid"/>
+                      <a:round/>
+                      <a:headEnd type="none" w="med" len="med"/>
+                      <a:tailEnd type="none" w="med" len="med"/>
+                    </a:lnR>
+                    <a:lnT w="12700" cap="flat" cmpd="sng" algn="ctr">
+                      <a:solidFill>
+                        <a:srgbClr val="000000"/>
+                      </a:solidFill>
+                      <a:prstDash val="solid"/>
+                      <a:round/>
+                      <a:headEnd type="none" w="med" len="med"/>
+                      <a:tailEnd type="none" w="med" len="med"/>
+                    </a:lnT>
+                    <a:lnB w="12700" cap="flat" cmpd="sng" algn="ctr">
+                      <a:solidFill>
+                        <a:srgbClr val="000000"/>
+                      </a:solidFill>
+                      <a:prstDash val="solid"/>
+                      <a:round/>
+                      <a:headEnd type="none" w="med" len="med"/>
+                      <a:tailEnd type="none" w="med" len="med"/>
+                    </a:lnB>
+                  </a:tcPr>
+                </a:tc>
+                <a:tc>
+                  <a:txBody>
+                    <a:bodyPr/>
+                    <a:lstStyle/>
+                    <a:p>
+                      <a:pPr algn="ctr">
+                        <a:lnSpc>
+                          <a:spcPct val="150000"/>
+                        </a:lnSpc>
+                        <a:spcAft>
+                          <a:spcPts val="0"/>
+                        </a:spcAft>
+                      </a:pPr>
+                      <a:r>
+                        <a:rPr lang="en-US" sz="1100">
+                          <a:latin typeface="Courier New"/>
+                          <a:ea typeface="Calibri"/>
+                          <a:cs typeface="Times New Roman"/>
+                        </a:rPr>
+                        <a:t>0</a:t>
+                      </a:r>
+                      <a:endParaRPr lang="id-ID" sz="1100">
+                        <a:latin typeface="Calibri"/>
+                        <a:ea typeface="Calibri"/>
+                        <a:cs typeface="Times New Roman"/>
+                      </a:endParaRPr>
+                    </a:p>
+                  </a:txBody>
+                  <a:tcPr marL="65715" marR="65715" marT="0" marB="0" anchor="ctr">
+                    <a:lnL w="12700" cap="flat" cmpd="sng" algn="ctr">
+                      <a:solidFill>
+                        <a:srgbClr val="000000"/>
+                      </a:solidFill>
+                      <a:prstDash val="solid"/>
+                      <a:round/>
+                      <a:headEnd type="none" w="med" len="med"/>
+                      <a:tailEnd type="none" w="med" len="med"/>
+                    </a:lnL>
+                    <a:lnR w="12700" cap="flat" cmpd="sng" algn="ctr">
+                      <a:solidFill>
+                        <a:srgbClr val="000000"/>
+                      </a:solidFill>
+                      <a:prstDash val="solid"/>
+                      <a:round/>
+                      <a:headEnd type="none" w="med" len="med"/>
+                      <a:tailEnd type="none" w="med" len="med"/>
+                    </a:lnR>
+                    <a:lnT w="12700" cap="flat" cmpd="sng" algn="ctr">
+                      <a:solidFill>
+                        <a:srgbClr val="000000"/>
+                      </a:solidFill>
+                      <a:prstDash val="solid"/>
+                      <a:round/>
+                      <a:headEnd type="none" w="med" len="med"/>
+                      <a:tailEnd type="none" w="med" len="med"/>
+                    </a:lnT>
+                    <a:lnB w="12700" cap="flat" cmpd="sng" algn="ctr">
+                      <a:solidFill>
+                        <a:srgbClr val="000000"/>
+                      </a:solidFill>
+                      <a:prstDash val="solid"/>
+                      <a:round/>
+                      <a:headEnd type="none" w="med" len="med"/>
+                      <a:tailEnd type="none" w="med" len="med"/>
+                    </a:lnB>
+                  </a:tcPr>
+                </a:tc>
+                <a:tc>
+                  <a:txBody>
+                    <a:bodyPr/>
+                    <a:lstStyle/>
+                    <a:p>
+                      <a:pPr algn="ctr">
+                        <a:lnSpc>
+                          <a:spcPct val="150000"/>
+                        </a:lnSpc>
+                        <a:spcAft>
+                          <a:spcPts val="0"/>
+                        </a:spcAft>
+                      </a:pPr>
+                      <a:r>
+                        <a:rPr lang="en-US" sz="1100">
+                          <a:latin typeface="Courier New"/>
+                          <a:ea typeface="Calibri"/>
+                          <a:cs typeface="Times New Roman"/>
+                        </a:rPr>
+                        <a:t>0.477</a:t>
+                      </a:r>
+                      <a:endParaRPr lang="id-ID" sz="1100">
+                        <a:latin typeface="Calibri"/>
+                        <a:ea typeface="Calibri"/>
+                        <a:cs typeface="Times New Roman"/>
+                      </a:endParaRPr>
+                    </a:p>
+                  </a:txBody>
+                  <a:tcPr marL="65715" marR="65715" marT="0" marB="0" anchor="ctr">
+                    <a:lnL w="12700" cap="flat" cmpd="sng" algn="ctr">
+                      <a:solidFill>
+                        <a:srgbClr val="000000"/>
+                      </a:solidFill>
+                      <a:prstDash val="solid"/>
+                      <a:round/>
+                      <a:headEnd type="none" w="med" len="med"/>
+                      <a:tailEnd type="none" w="med" len="med"/>
+                    </a:lnL>
+                    <a:lnR w="12700" cap="flat" cmpd="sng" algn="ctr">
+                      <a:solidFill>
+                        <a:srgbClr val="000000"/>
+                      </a:solidFill>
+                      <a:prstDash val="solid"/>
+                      <a:round/>
+                      <a:headEnd type="none" w="med" len="med"/>
+                      <a:tailEnd type="none" w="med" len="med"/>
+                    </a:lnR>
+                    <a:lnT w="12700" cap="flat" cmpd="sng" algn="ctr">
+                      <a:solidFill>
+                        <a:srgbClr val="000000"/>
+                      </a:solidFill>
+                      <a:prstDash val="solid"/>
+                      <a:round/>
+                      <a:headEnd type="none" w="med" len="med"/>
+                      <a:tailEnd type="none" w="med" len="med"/>
+                    </a:lnT>
+                    <a:lnB w="12700" cap="flat" cmpd="sng" algn="ctr">
+                      <a:solidFill>
+                        <a:srgbClr val="000000"/>
+                      </a:solidFill>
+                      <a:prstDash val="solid"/>
+                      <a:round/>
+                      <a:headEnd type="none" w="med" len="med"/>
+                      <a:tailEnd type="none" w="med" len="med"/>
+                    </a:lnB>
+                  </a:tcPr>
+                </a:tc>
+                <a:tc>
+                  <a:txBody>
+                    <a:bodyPr/>
+                    <a:lstStyle/>
+                    <a:p>
+                      <a:pPr algn="ctr">
+                        <a:lnSpc>
+                          <a:spcPct val="150000"/>
+                        </a:lnSpc>
+                        <a:spcAft>
+                          <a:spcPts val="0"/>
+                        </a:spcAft>
+                      </a:pPr>
+                      <a:r>
+                        <a:rPr lang="en-US" sz="1100">
+                          <a:latin typeface="Courier New"/>
+                          <a:ea typeface="Calibri"/>
+                          <a:cs typeface="Times New Roman"/>
+                        </a:rPr>
+                        <a:t>0</a:t>
+                      </a:r>
+                      <a:endParaRPr lang="id-ID" sz="1100">
+                        <a:latin typeface="Calibri"/>
+                        <a:ea typeface="Calibri"/>
+                        <a:cs typeface="Times New Roman"/>
+                      </a:endParaRPr>
+                    </a:p>
+                  </a:txBody>
+                  <a:tcPr marL="65715" marR="65715" marT="0" marB="0" anchor="ctr">
+                    <a:lnL w="12700" cap="flat" cmpd="sng" algn="ctr">
+                      <a:solidFill>
+                        <a:srgbClr val="000000"/>
+                      </a:solidFill>
+                      <a:prstDash val="solid"/>
+                      <a:round/>
+                      <a:headEnd type="none" w="med" len="med"/>
+                      <a:tailEnd type="none" w="med" len="med"/>
+                    </a:lnL>
+                    <a:lnR w="12700" cap="flat" cmpd="sng" algn="ctr">
+                      <a:solidFill>
+                        <a:srgbClr val="000000"/>
+                      </a:solidFill>
+                      <a:prstDash val="solid"/>
+                      <a:round/>
+                      <a:headEnd type="none" w="med" len="med"/>
+                      <a:tailEnd type="none" w="med" len="med"/>
+                    </a:lnR>
+                    <a:lnT w="12700" cap="flat" cmpd="sng" algn="ctr">
+                      <a:solidFill>
+                        <a:srgbClr val="000000"/>
+                      </a:solidFill>
+                      <a:prstDash val="solid"/>
+                      <a:round/>
+                      <a:headEnd type="none" w="med" len="med"/>
+                      <a:tailEnd type="none" w="med" len="med"/>
+                    </a:lnT>
+                    <a:lnB w="12700" cap="flat" cmpd="sng" algn="ctr">
+                      <a:solidFill>
+                        <a:srgbClr val="000000"/>
+                      </a:solidFill>
+                      <a:prstDash val="solid"/>
+                      <a:round/>
+                      <a:headEnd type="none" w="med" len="med"/>
+                      <a:tailEnd type="none" w="med" len="med"/>
+                    </a:lnB>
+                  </a:tcPr>
+                </a:tc>
+              </a:tr>
+              <a:tr h="262861">
+                <a:tc>
+                  <a:txBody>
+                    <a:bodyPr/>
+                    <a:lstStyle/>
+                    <a:p>
+                      <a:pPr algn="ctr">
+                        <a:lnSpc>
+                          <a:spcPct val="150000"/>
+                        </a:lnSpc>
+                        <a:spcAft>
+                          <a:spcPts val="0"/>
+                        </a:spcAft>
+                      </a:pPr>
+                      <a:r>
+                        <a:rPr lang="en-US" sz="1100">
+                          <a:latin typeface="Courier New"/>
+                          <a:ea typeface="Calibri"/>
+                          <a:cs typeface="Times New Roman"/>
+                        </a:rPr>
+                        <a:t>Perhitungan</a:t>
+                      </a:r>
+                      <a:endParaRPr lang="id-ID" sz="1100">
+                        <a:latin typeface="Calibri"/>
+                        <a:ea typeface="Calibri"/>
+                        <a:cs typeface="Times New Roman"/>
+                      </a:endParaRPr>
+                    </a:p>
+                  </a:txBody>
+                  <a:tcPr marL="65715" marR="65715" marT="0" marB="0" anchor="ctr">
+                    <a:lnL w="12700" cap="flat" cmpd="sng" algn="ctr">
+                      <a:solidFill>
+                        <a:srgbClr val="000000"/>
+                      </a:solidFill>
+                      <a:prstDash val="solid"/>
+                      <a:round/>
+                      <a:headEnd type="none" w="med" len="med"/>
+                      <a:tailEnd type="none" w="med" len="med"/>
+                    </a:lnL>
+                    <a:lnR w="12700" cap="flat" cmpd="sng" algn="ctr">
+                      <a:solidFill>
+                        <a:srgbClr val="000000"/>
+                      </a:solidFill>
+                      <a:prstDash val="solid"/>
+                      <a:round/>
+                      <a:headEnd type="none" w="med" len="med"/>
+                      <a:tailEnd type="none" w="med" len="med"/>
+                    </a:lnR>
+                    <a:lnT w="12700" cap="flat" cmpd="sng" algn="ctr">
+                      <a:solidFill>
+                        <a:srgbClr val="000000"/>
+                      </a:solidFill>
+                      <a:prstDash val="solid"/>
+                      <a:round/>
+                      <a:headEnd type="none" w="med" len="med"/>
+                      <a:tailEnd type="none" w="med" len="med"/>
+                    </a:lnT>
+                    <a:lnB w="12700" cap="flat" cmpd="sng" algn="ctr">
+                      <a:solidFill>
+                        <a:srgbClr val="000000"/>
+                      </a:solidFill>
+                      <a:prstDash val="solid"/>
+                      <a:round/>
+                      <a:headEnd type="none" w="med" len="med"/>
+                      <a:tailEnd type="none" w="med" len="med"/>
+                    </a:lnB>
+                  </a:tcPr>
+                </a:tc>
+                <a:tc>
+                  <a:txBody>
+                    <a:bodyPr/>
+                    <a:lstStyle/>
+                    <a:p>
+                      <a:pPr algn="ctr">
+                        <a:lnSpc>
+                          <a:spcPct val="150000"/>
+                        </a:lnSpc>
+                        <a:spcAft>
+                          <a:spcPts val="0"/>
+                        </a:spcAft>
+                      </a:pPr>
+                      <a:r>
+                        <a:rPr lang="en-US" sz="1100">
+                          <a:latin typeface="Courier New"/>
+                          <a:ea typeface="Calibri"/>
+                          <a:cs typeface="Times New Roman"/>
+                        </a:rPr>
+                        <a:t>0</a:t>
+                      </a:r>
+                      <a:endParaRPr lang="id-ID" sz="1100">
+                        <a:latin typeface="Calibri"/>
+                        <a:ea typeface="Calibri"/>
+                        <a:cs typeface="Times New Roman"/>
+                      </a:endParaRPr>
+                    </a:p>
+                  </a:txBody>
+                  <a:tcPr marL="65715" marR="65715" marT="0" marB="0" anchor="ctr">
+                    <a:lnL w="12700" cap="flat" cmpd="sng" algn="ctr">
+                      <a:solidFill>
+                        <a:srgbClr val="000000"/>
+                      </a:solidFill>
+                      <a:prstDash val="solid"/>
+                      <a:round/>
+                      <a:headEnd type="none" w="med" len="med"/>
+                      <a:tailEnd type="none" w="med" len="med"/>
+                    </a:lnL>
+                    <a:lnR w="12700" cap="flat" cmpd="sng" algn="ctr">
+                      <a:solidFill>
+                        <a:srgbClr val="000000"/>
+                      </a:solidFill>
+                      <a:prstDash val="solid"/>
+                      <a:round/>
+                      <a:headEnd type="none" w="med" len="med"/>
+                      <a:tailEnd type="none" w="med" len="med"/>
+                    </a:lnR>
+                    <a:lnT w="12700" cap="flat" cmpd="sng" algn="ctr">
+                      <a:solidFill>
+                        <a:srgbClr val="000000"/>
+                      </a:solidFill>
+                      <a:prstDash val="solid"/>
+                      <a:round/>
+                      <a:headEnd type="none" w="med" len="med"/>
+                      <a:tailEnd type="none" w="med" len="med"/>
+                    </a:lnT>
+                    <a:lnB w="12700" cap="flat" cmpd="sng" algn="ctr">
+                      <a:solidFill>
+                        <a:srgbClr val="000000"/>
+                      </a:solidFill>
+                      <a:prstDash val="solid"/>
+                      <a:round/>
+                      <a:headEnd type="none" w="med" len="med"/>
+                      <a:tailEnd type="none" w="med" len="med"/>
+                    </a:lnB>
+                  </a:tcPr>
+                </a:tc>
+                <a:tc>
+                  <a:txBody>
+                    <a:bodyPr/>
+                    <a:lstStyle/>
+                    <a:p>
+                      <a:pPr algn="ctr">
+                        <a:lnSpc>
+                          <a:spcPct val="150000"/>
+                        </a:lnSpc>
+                        <a:spcAft>
+                          <a:spcPts val="0"/>
+                        </a:spcAft>
+                      </a:pPr>
+                      <a:r>
+                        <a:rPr lang="en-US" sz="1100">
+                          <a:latin typeface="Courier New"/>
+                          <a:ea typeface="Calibri"/>
+                          <a:cs typeface="Times New Roman"/>
+                        </a:rPr>
+                        <a:t>0.477</a:t>
+                      </a:r>
+                      <a:endParaRPr lang="id-ID" sz="1100">
+                        <a:latin typeface="Calibri"/>
+                        <a:ea typeface="Calibri"/>
+                        <a:cs typeface="Times New Roman"/>
+                      </a:endParaRPr>
+                    </a:p>
+                  </a:txBody>
+                  <a:tcPr marL="65715" marR="65715" marT="0" marB="0" anchor="ctr">
+                    <a:lnL w="12700" cap="flat" cmpd="sng" algn="ctr">
+                      <a:solidFill>
+                        <a:srgbClr val="000000"/>
+                      </a:solidFill>
+                      <a:prstDash val="solid"/>
+                      <a:round/>
+                      <a:headEnd type="none" w="med" len="med"/>
+                      <a:tailEnd type="none" w="med" len="med"/>
+                    </a:lnL>
+                    <a:lnR w="12700" cap="flat" cmpd="sng" algn="ctr">
+                      <a:solidFill>
+                        <a:srgbClr val="000000"/>
+                      </a:solidFill>
+                      <a:prstDash val="solid"/>
+                      <a:round/>
+                      <a:headEnd type="none" w="med" len="med"/>
+                      <a:tailEnd type="none" w="med" len="med"/>
+                    </a:lnR>
+                    <a:lnT w="12700" cap="flat" cmpd="sng" algn="ctr">
+                      <a:solidFill>
+                        <a:srgbClr val="000000"/>
+                      </a:solidFill>
+                      <a:prstDash val="solid"/>
+                      <a:round/>
+                      <a:headEnd type="none" w="med" len="med"/>
+                      <a:tailEnd type="none" w="med" len="med"/>
+                    </a:lnT>
+                    <a:lnB w="12700" cap="flat" cmpd="sng" algn="ctr">
+                      <a:solidFill>
+                        <a:srgbClr val="000000"/>
+                      </a:solidFill>
+                      <a:prstDash val="solid"/>
+                      <a:round/>
+                      <a:headEnd type="none" w="med" len="med"/>
+                      <a:tailEnd type="none" w="med" len="med"/>
+                    </a:lnB>
+                  </a:tcPr>
+                </a:tc>
+                <a:tc>
+                  <a:txBody>
+                    <a:bodyPr/>
+                    <a:lstStyle/>
+                    <a:p>
+                      <a:pPr algn="ctr">
+                        <a:lnSpc>
+                          <a:spcPct val="150000"/>
+                        </a:lnSpc>
+                        <a:spcAft>
+                          <a:spcPts val="0"/>
+                        </a:spcAft>
+                      </a:pPr>
+                      <a:r>
+                        <a:rPr lang="en-US" sz="1100">
+                          <a:latin typeface="Courier New"/>
+                          <a:ea typeface="Calibri"/>
+                          <a:cs typeface="Times New Roman"/>
+                        </a:rPr>
+                        <a:t>0</a:t>
+                      </a:r>
+                      <a:endParaRPr lang="id-ID" sz="1100">
+                        <a:latin typeface="Calibri"/>
+                        <a:ea typeface="Calibri"/>
+                        <a:cs typeface="Times New Roman"/>
+                      </a:endParaRPr>
+                    </a:p>
+                  </a:txBody>
+                  <a:tcPr marL="65715" marR="65715" marT="0" marB="0" anchor="ctr">
+                    <a:lnL w="12700" cap="flat" cmpd="sng" algn="ctr">
+                      <a:solidFill>
+                        <a:srgbClr val="000000"/>
+                      </a:solidFill>
+                      <a:prstDash val="solid"/>
+                      <a:round/>
+                      <a:headEnd type="none" w="med" len="med"/>
+                      <a:tailEnd type="none" w="med" len="med"/>
+                    </a:lnL>
+                    <a:lnR w="12700" cap="flat" cmpd="sng" algn="ctr">
+                      <a:solidFill>
+                        <a:srgbClr val="000000"/>
+                      </a:solidFill>
+                      <a:prstDash val="solid"/>
+                      <a:round/>
+                      <a:headEnd type="none" w="med" len="med"/>
+                      <a:tailEnd type="none" w="med" len="med"/>
+                    </a:lnR>
+                    <a:lnT w="12700" cap="flat" cmpd="sng" algn="ctr">
+                      <a:solidFill>
+                        <a:srgbClr val="000000"/>
+                      </a:solidFill>
+                      <a:prstDash val="solid"/>
+                      <a:round/>
+                      <a:headEnd type="none" w="med" len="med"/>
+                      <a:tailEnd type="none" w="med" len="med"/>
+                    </a:lnT>
+                    <a:lnB w="12700" cap="flat" cmpd="sng" algn="ctr">
+                      <a:solidFill>
+                        <a:srgbClr val="000000"/>
+                      </a:solidFill>
+                      <a:prstDash val="solid"/>
+                      <a:round/>
+                      <a:headEnd type="none" w="med" len="med"/>
+                      <a:tailEnd type="none" w="med" len="med"/>
+                    </a:lnB>
+                  </a:tcPr>
+                </a:tc>
+              </a:tr>
+              <a:tr h="262861">
+                <a:tc>
+                  <a:txBody>
+                    <a:bodyPr/>
+                    <a:lstStyle/>
+                    <a:p>
+                      <a:pPr algn="ctr">
+                        <a:lnSpc>
+                          <a:spcPct val="150000"/>
+                        </a:lnSpc>
+                        <a:spcAft>
+                          <a:spcPts val="0"/>
+                        </a:spcAft>
+                      </a:pPr>
+                      <a:r>
+                        <a:rPr lang="en-US" sz="1100">
+                          <a:latin typeface="Courier New"/>
+                          <a:ea typeface="Calibri"/>
+                          <a:cs typeface="Times New Roman"/>
+                        </a:rPr>
+                        <a:t>Semangat</a:t>
+                      </a:r>
+                      <a:endParaRPr lang="id-ID" sz="1100">
+                        <a:latin typeface="Calibri"/>
+                        <a:ea typeface="Calibri"/>
+                        <a:cs typeface="Times New Roman"/>
+                      </a:endParaRPr>
+                    </a:p>
+                  </a:txBody>
+                  <a:tcPr marL="65715" marR="65715" marT="0" marB="0" anchor="ctr">
+                    <a:lnL w="12700" cap="flat" cmpd="sng" algn="ctr">
+                      <a:solidFill>
+                        <a:srgbClr val="000000"/>
+                      </a:solidFill>
+                      <a:prstDash val="solid"/>
+                      <a:round/>
+                      <a:headEnd type="none" w="med" len="med"/>
+                      <a:tailEnd type="none" w="med" len="med"/>
+                    </a:lnL>
+                    <a:lnR w="12700" cap="flat" cmpd="sng" algn="ctr">
+                      <a:solidFill>
+                        <a:srgbClr val="000000"/>
+                      </a:solidFill>
+                      <a:prstDash val="solid"/>
+                      <a:round/>
+                      <a:headEnd type="none" w="med" len="med"/>
+                      <a:tailEnd type="none" w="med" len="med"/>
+                    </a:lnR>
+                    <a:lnT w="12700" cap="flat" cmpd="sng" algn="ctr">
+                      <a:solidFill>
+                        <a:srgbClr val="000000"/>
+                      </a:solidFill>
+                      <a:prstDash val="solid"/>
+                      <a:round/>
+                      <a:headEnd type="none" w="med" len="med"/>
+                      <a:tailEnd type="none" w="med" len="med"/>
+                    </a:lnT>
+                    <a:lnB w="12700" cap="flat" cmpd="sng" algn="ctr">
+                      <a:solidFill>
+                        <a:srgbClr val="000000"/>
+                      </a:solidFill>
+                      <a:prstDash val="solid"/>
+                      <a:round/>
+                      <a:headEnd type="none" w="med" len="med"/>
+                      <a:tailEnd type="none" w="med" len="med"/>
+                    </a:lnB>
+                  </a:tcPr>
+                </a:tc>
+                <a:tc>
+                  <a:txBody>
+                    <a:bodyPr/>
+                    <a:lstStyle/>
+                    <a:p>
+                      <a:pPr algn="ctr">
+                        <a:lnSpc>
+                          <a:spcPct val="150000"/>
+                        </a:lnSpc>
+                        <a:spcAft>
+                          <a:spcPts val="0"/>
+                        </a:spcAft>
+                      </a:pPr>
+                      <a:r>
+                        <a:rPr lang="en-US" sz="1100">
+                          <a:latin typeface="Courier New"/>
+                          <a:ea typeface="Calibri"/>
+                          <a:cs typeface="Times New Roman"/>
+                        </a:rPr>
+                        <a:t>0</a:t>
+                      </a:r>
+                      <a:endParaRPr lang="id-ID" sz="1100">
+                        <a:latin typeface="Calibri"/>
+                        <a:ea typeface="Calibri"/>
+                        <a:cs typeface="Times New Roman"/>
+                      </a:endParaRPr>
+                    </a:p>
+                  </a:txBody>
+                  <a:tcPr marL="65715" marR="65715" marT="0" marB="0" anchor="ctr">
+                    <a:lnL w="12700" cap="flat" cmpd="sng" algn="ctr">
+                      <a:solidFill>
+                        <a:srgbClr val="000000"/>
+                      </a:solidFill>
+                      <a:prstDash val="solid"/>
+                      <a:round/>
+                      <a:headEnd type="none" w="med" len="med"/>
+                      <a:tailEnd type="none" w="med" len="med"/>
+                    </a:lnL>
+                    <a:lnR w="12700" cap="flat" cmpd="sng" algn="ctr">
+                      <a:solidFill>
+                        <a:srgbClr val="000000"/>
+                      </a:solidFill>
+                      <a:prstDash val="solid"/>
+                      <a:round/>
+                      <a:headEnd type="none" w="med" len="med"/>
+                      <a:tailEnd type="none" w="med" len="med"/>
+                    </a:lnR>
+                    <a:lnT w="12700" cap="flat" cmpd="sng" algn="ctr">
+                      <a:solidFill>
+                        <a:srgbClr val="000000"/>
+                      </a:solidFill>
+                      <a:prstDash val="solid"/>
+                      <a:round/>
+                      <a:headEnd type="none" w="med" len="med"/>
+                      <a:tailEnd type="none" w="med" len="med"/>
+                    </a:lnT>
+                    <a:lnB w="12700" cap="flat" cmpd="sng" algn="ctr">
+                      <a:solidFill>
+                        <a:srgbClr val="000000"/>
+                      </a:solidFill>
+                      <a:prstDash val="solid"/>
+                      <a:round/>
+                      <a:headEnd type="none" w="med" len="med"/>
+                      <a:tailEnd type="none" w="med" len="med"/>
+                    </a:lnB>
+                  </a:tcPr>
+                </a:tc>
+                <a:tc>
+                  <a:txBody>
+                    <a:bodyPr/>
+                    <a:lstStyle/>
+                    <a:p>
+                      <a:pPr algn="ctr">
+                        <a:lnSpc>
+                          <a:spcPct val="150000"/>
+                        </a:lnSpc>
+                        <a:spcAft>
+                          <a:spcPts val="0"/>
+                        </a:spcAft>
+                      </a:pPr>
+                      <a:r>
+                        <a:rPr lang="en-US" sz="1100">
+                          <a:latin typeface="Courier New"/>
+                          <a:ea typeface="Calibri"/>
+                          <a:cs typeface="Times New Roman"/>
+                        </a:rPr>
+                        <a:t>0.477</a:t>
+                      </a:r>
+                      <a:endParaRPr lang="id-ID" sz="1100">
+                        <a:latin typeface="Calibri"/>
+                        <a:ea typeface="Calibri"/>
+                        <a:cs typeface="Times New Roman"/>
+                      </a:endParaRPr>
+                    </a:p>
+                  </a:txBody>
+                  <a:tcPr marL="65715" marR="65715" marT="0" marB="0" anchor="ctr">
+                    <a:lnL w="12700" cap="flat" cmpd="sng" algn="ctr">
+                      <a:solidFill>
+                        <a:srgbClr val="000000"/>
+                      </a:solidFill>
+                      <a:prstDash val="solid"/>
+                      <a:round/>
+                      <a:headEnd type="none" w="med" len="med"/>
+                      <a:tailEnd type="none" w="med" len="med"/>
+                    </a:lnL>
+                    <a:lnR w="12700" cap="flat" cmpd="sng" algn="ctr">
+                      <a:solidFill>
+                        <a:srgbClr val="000000"/>
+                      </a:solidFill>
+                      <a:prstDash val="solid"/>
+                      <a:round/>
+                      <a:headEnd type="none" w="med" len="med"/>
+                      <a:tailEnd type="none" w="med" len="med"/>
+                    </a:lnR>
+                    <a:lnT w="12700" cap="flat" cmpd="sng" algn="ctr">
+                      <a:solidFill>
+                        <a:srgbClr val="000000"/>
+                      </a:solidFill>
+                      <a:prstDash val="solid"/>
+                      <a:round/>
+                      <a:headEnd type="none" w="med" len="med"/>
+                      <a:tailEnd type="none" w="med" len="med"/>
+                    </a:lnT>
+                    <a:lnB w="12700" cap="flat" cmpd="sng" algn="ctr">
+                      <a:solidFill>
+                        <a:srgbClr val="000000"/>
+                      </a:solidFill>
+                      <a:prstDash val="solid"/>
+                      <a:round/>
+                      <a:headEnd type="none" w="med" len="med"/>
+                      <a:tailEnd type="none" w="med" len="med"/>
+                    </a:lnB>
+                  </a:tcPr>
+                </a:tc>
+                <a:tc>
+                  <a:txBody>
+                    <a:bodyPr/>
+                    <a:lstStyle/>
+                    <a:p>
+                      <a:pPr algn="ctr">
+                        <a:lnSpc>
+                          <a:spcPct val="150000"/>
+                        </a:lnSpc>
+                        <a:spcAft>
+                          <a:spcPts val="0"/>
+                        </a:spcAft>
+                      </a:pPr>
+                      <a:r>
+                        <a:rPr lang="en-US" sz="1100">
+                          <a:latin typeface="Courier New"/>
+                          <a:ea typeface="Calibri"/>
+                          <a:cs typeface="Times New Roman"/>
+                        </a:rPr>
+                        <a:t>0</a:t>
+                      </a:r>
+                      <a:endParaRPr lang="id-ID" sz="1100">
+                        <a:latin typeface="Calibri"/>
+                        <a:ea typeface="Calibri"/>
+                        <a:cs typeface="Times New Roman"/>
+                      </a:endParaRPr>
+                    </a:p>
+                  </a:txBody>
+                  <a:tcPr marL="65715" marR="65715" marT="0" marB="0" anchor="ctr">
+                    <a:lnL w="12700" cap="flat" cmpd="sng" algn="ctr">
+                      <a:solidFill>
+                        <a:srgbClr val="000000"/>
+                      </a:solidFill>
+                      <a:prstDash val="solid"/>
+                      <a:round/>
+                      <a:headEnd type="none" w="med" len="med"/>
+                      <a:tailEnd type="none" w="med" len="med"/>
+                    </a:lnL>
+                    <a:lnR w="12700" cap="flat" cmpd="sng" algn="ctr">
+                      <a:solidFill>
+                        <a:srgbClr val="000000"/>
+                      </a:solidFill>
+                      <a:prstDash val="solid"/>
+                      <a:round/>
+                      <a:headEnd type="none" w="med" len="med"/>
+                      <a:tailEnd type="none" w="med" len="med"/>
+                    </a:lnR>
+                    <a:lnT w="12700" cap="flat" cmpd="sng" algn="ctr">
+                      <a:solidFill>
+                        <a:srgbClr val="000000"/>
+                      </a:solidFill>
+                      <a:prstDash val="solid"/>
+                      <a:round/>
+                      <a:headEnd type="none" w="med" len="med"/>
+                      <a:tailEnd type="none" w="med" len="med"/>
+                    </a:lnT>
+                    <a:lnB w="12700" cap="flat" cmpd="sng" algn="ctr">
+                      <a:solidFill>
+                        <a:srgbClr val="000000"/>
+                      </a:solidFill>
+                      <a:prstDash val="solid"/>
+                      <a:round/>
+                      <a:headEnd type="none" w="med" len="med"/>
+                      <a:tailEnd type="none" w="med" len="med"/>
+                    </a:lnB>
+                  </a:tcPr>
+                </a:tc>
+              </a:tr>
+              <a:tr h="262861">
+                <a:tc>
+                  <a:txBody>
+                    <a:bodyPr/>
+                    <a:lstStyle/>
+                    <a:p>
+                      <a:pPr algn="ctr">
+                        <a:lnSpc>
+                          <a:spcPct val="150000"/>
+                        </a:lnSpc>
+                        <a:spcAft>
+                          <a:spcPts val="0"/>
+                        </a:spcAft>
+                      </a:pPr>
+                      <a:r>
+                        <a:rPr lang="en-US" sz="1100">
+                          <a:latin typeface="Courier New"/>
+                          <a:ea typeface="Calibri"/>
+                          <a:cs typeface="Times New Roman"/>
+                        </a:rPr>
+                        <a:t>Situng</a:t>
+                      </a:r>
+                      <a:endParaRPr lang="id-ID" sz="1100">
+                        <a:latin typeface="Calibri"/>
+                        <a:ea typeface="Calibri"/>
+                        <a:cs typeface="Times New Roman"/>
+                      </a:endParaRPr>
+                    </a:p>
+                  </a:txBody>
+                  <a:tcPr marL="65715" marR="65715" marT="0" marB="0" anchor="ctr">
+                    <a:lnL w="12700" cap="flat" cmpd="sng" algn="ctr">
+                      <a:solidFill>
+                        <a:srgbClr val="000000"/>
+                      </a:solidFill>
+                      <a:prstDash val="solid"/>
+                      <a:round/>
+                      <a:headEnd type="none" w="med" len="med"/>
+                      <a:tailEnd type="none" w="med" len="med"/>
+                    </a:lnL>
+                    <a:lnR w="12700" cap="flat" cmpd="sng" algn="ctr">
+                      <a:solidFill>
+                        <a:srgbClr val="000000"/>
+                      </a:solidFill>
+                      <a:prstDash val="solid"/>
+                      <a:round/>
+                      <a:headEnd type="none" w="med" len="med"/>
+                      <a:tailEnd type="none" w="med" len="med"/>
+                    </a:lnR>
+                    <a:lnT w="12700" cap="flat" cmpd="sng" algn="ctr">
+                      <a:solidFill>
+                        <a:srgbClr val="000000"/>
+                      </a:solidFill>
+                      <a:prstDash val="solid"/>
+                      <a:round/>
+                      <a:headEnd type="none" w="med" len="med"/>
+                      <a:tailEnd type="none" w="med" len="med"/>
+                    </a:lnT>
+                    <a:lnB w="12700" cap="flat" cmpd="sng" algn="ctr">
+                      <a:solidFill>
+                        <a:srgbClr val="000000"/>
+                      </a:solidFill>
+                      <a:prstDash val="solid"/>
+                      <a:round/>
+                      <a:headEnd type="none" w="med" len="med"/>
+                      <a:tailEnd type="none" w="med" len="med"/>
+                    </a:lnB>
+                  </a:tcPr>
+                </a:tc>
+                <a:tc>
+                  <a:txBody>
+                    <a:bodyPr/>
+                    <a:lstStyle/>
+                    <a:p>
+                      <a:pPr algn="ctr">
+                        <a:lnSpc>
+                          <a:spcPct val="150000"/>
+                        </a:lnSpc>
+                        <a:spcAft>
+                          <a:spcPts val="0"/>
+                        </a:spcAft>
+                      </a:pPr>
+                      <a:r>
+                        <a:rPr lang="en-US" sz="1100">
+                          <a:latin typeface="Courier New"/>
+                          <a:ea typeface="Calibri"/>
+                          <a:cs typeface="Times New Roman"/>
+                        </a:rPr>
+                        <a:t>0</a:t>
+                      </a:r>
+                      <a:endParaRPr lang="id-ID" sz="1100">
+                        <a:latin typeface="Calibri"/>
+                        <a:ea typeface="Calibri"/>
+                        <a:cs typeface="Times New Roman"/>
+                      </a:endParaRPr>
+                    </a:p>
+                  </a:txBody>
+                  <a:tcPr marL="65715" marR="65715" marT="0" marB="0" anchor="ctr">
+                    <a:lnL w="12700" cap="flat" cmpd="sng" algn="ctr">
+                      <a:solidFill>
+                        <a:srgbClr val="000000"/>
+                      </a:solidFill>
+                      <a:prstDash val="solid"/>
+                      <a:round/>
+                      <a:headEnd type="none" w="med" len="med"/>
+                      <a:tailEnd type="none" w="med" len="med"/>
+                    </a:lnL>
+                    <a:lnR w="12700" cap="flat" cmpd="sng" algn="ctr">
+                      <a:solidFill>
+                        <a:srgbClr val="000000"/>
+                      </a:solidFill>
+                      <a:prstDash val="solid"/>
+                      <a:round/>
+                      <a:headEnd type="none" w="med" len="med"/>
+                      <a:tailEnd type="none" w="med" len="med"/>
+                    </a:lnR>
+                    <a:lnT w="12700" cap="flat" cmpd="sng" algn="ctr">
+                      <a:solidFill>
+                        <a:srgbClr val="000000"/>
+                      </a:solidFill>
+                      <a:prstDash val="solid"/>
+                      <a:round/>
+                      <a:headEnd type="none" w="med" len="med"/>
+                      <a:tailEnd type="none" w="med" len="med"/>
+                    </a:lnT>
+                    <a:lnB w="12700" cap="flat" cmpd="sng" algn="ctr">
+                      <a:solidFill>
+                        <a:srgbClr val="000000"/>
+                      </a:solidFill>
+                      <a:prstDash val="solid"/>
+                      <a:round/>
+                      <a:headEnd type="none" w="med" len="med"/>
+                      <a:tailEnd type="none" w="med" len="med"/>
+                    </a:lnB>
+                  </a:tcPr>
+                </a:tc>
+                <a:tc>
+                  <a:txBody>
+                    <a:bodyPr/>
+                    <a:lstStyle/>
+                    <a:p>
+                      <a:pPr algn="ctr">
+                        <a:lnSpc>
+                          <a:spcPct val="150000"/>
+                        </a:lnSpc>
+                        <a:spcAft>
+                          <a:spcPts val="0"/>
+                        </a:spcAft>
+                      </a:pPr>
+                      <a:r>
+                        <a:rPr lang="en-US" sz="1100">
+                          <a:latin typeface="Courier New"/>
+                          <a:ea typeface="Calibri"/>
+                          <a:cs typeface="Times New Roman"/>
+                        </a:rPr>
+                        <a:t>0</a:t>
+                      </a:r>
+                      <a:endParaRPr lang="id-ID" sz="1100">
+                        <a:latin typeface="Calibri"/>
+                        <a:ea typeface="Calibri"/>
+                        <a:cs typeface="Times New Roman"/>
+                      </a:endParaRPr>
+                    </a:p>
+                  </a:txBody>
+                  <a:tcPr marL="65715" marR="65715" marT="0" marB="0" anchor="ctr">
+                    <a:lnL w="12700" cap="flat" cmpd="sng" algn="ctr">
+                      <a:solidFill>
+                        <a:srgbClr val="000000"/>
+                      </a:solidFill>
+                      <a:prstDash val="solid"/>
+                      <a:round/>
+                      <a:headEnd type="none" w="med" len="med"/>
+                      <a:tailEnd type="none" w="med" len="med"/>
+                    </a:lnL>
+                    <a:lnR w="12700" cap="flat" cmpd="sng" algn="ctr">
+                      <a:solidFill>
+                        <a:srgbClr val="000000"/>
+                      </a:solidFill>
+                      <a:prstDash val="solid"/>
+                      <a:round/>
+                      <a:headEnd type="none" w="med" len="med"/>
+                      <a:tailEnd type="none" w="med" len="med"/>
+                    </a:lnR>
+                    <a:lnT w="12700" cap="flat" cmpd="sng" algn="ctr">
+                      <a:solidFill>
+                        <a:srgbClr val="000000"/>
+                      </a:solidFill>
+                      <a:prstDash val="solid"/>
+                      <a:round/>
+                      <a:headEnd type="none" w="med" len="med"/>
+                      <a:tailEnd type="none" w="med" len="med"/>
+                    </a:lnT>
+                    <a:lnB w="12700" cap="flat" cmpd="sng" algn="ctr">
+                      <a:solidFill>
+                        <a:srgbClr val="000000"/>
+                      </a:solidFill>
+                      <a:prstDash val="solid"/>
+                      <a:round/>
+                      <a:headEnd type="none" w="med" len="med"/>
+                      <a:tailEnd type="none" w="med" len="med"/>
+                    </a:lnB>
+                  </a:tcPr>
+                </a:tc>
+                <a:tc>
+                  <a:txBody>
+                    <a:bodyPr/>
+                    <a:lstStyle/>
+                    <a:p>
+                      <a:pPr algn="ctr">
+                        <a:lnSpc>
+                          <a:spcPct val="150000"/>
+                        </a:lnSpc>
+                        <a:spcAft>
+                          <a:spcPts val="0"/>
+                        </a:spcAft>
+                      </a:pPr>
+                      <a:r>
+                        <a:rPr lang="en-US" sz="1100">
+                          <a:latin typeface="Courier New"/>
+                          <a:ea typeface="Calibri"/>
+                          <a:cs typeface="Times New Roman"/>
+                        </a:rPr>
+                        <a:t>0.477</a:t>
+                      </a:r>
+                      <a:endParaRPr lang="id-ID" sz="1100">
+                        <a:latin typeface="Calibri"/>
+                        <a:ea typeface="Calibri"/>
+                        <a:cs typeface="Times New Roman"/>
+                      </a:endParaRPr>
+                    </a:p>
+                  </a:txBody>
+                  <a:tcPr marL="65715" marR="65715" marT="0" marB="0" anchor="ctr">
+                    <a:lnL w="12700" cap="flat" cmpd="sng" algn="ctr">
+                      <a:solidFill>
+                        <a:srgbClr val="000000"/>
+                      </a:solidFill>
+                      <a:prstDash val="solid"/>
+                      <a:round/>
+                      <a:headEnd type="none" w="med" len="med"/>
+                      <a:tailEnd type="none" w="med" len="med"/>
+                    </a:lnL>
+                    <a:lnR w="12700" cap="flat" cmpd="sng" algn="ctr">
+                      <a:solidFill>
+                        <a:srgbClr val="000000"/>
+                      </a:solidFill>
+                      <a:prstDash val="solid"/>
+                      <a:round/>
+                      <a:headEnd type="none" w="med" len="med"/>
+                      <a:tailEnd type="none" w="med" len="med"/>
+                    </a:lnR>
+                    <a:lnT w="12700" cap="flat" cmpd="sng" algn="ctr">
+                      <a:solidFill>
+                        <a:srgbClr val="000000"/>
+                      </a:solidFill>
+                      <a:prstDash val="solid"/>
+                      <a:round/>
+                      <a:headEnd type="none" w="med" len="med"/>
+                      <a:tailEnd type="none" w="med" len="med"/>
+                    </a:lnT>
+                    <a:lnB w="12700" cap="flat" cmpd="sng" algn="ctr">
+                      <a:solidFill>
+                        <a:srgbClr val="000000"/>
+                      </a:solidFill>
+                      <a:prstDash val="solid"/>
+                      <a:round/>
+                      <a:headEnd type="none" w="med" len="med"/>
+                      <a:tailEnd type="none" w="med" len="med"/>
+                    </a:lnB>
+                  </a:tcPr>
+                </a:tc>
+              </a:tr>
+              <a:tr h="262861">
+                <a:tc>
+                  <a:txBody>
+                    <a:bodyPr/>
+                    <a:lstStyle/>
+                    <a:p>
+                      <a:pPr algn="ctr">
+                        <a:lnSpc>
+                          <a:spcPct val="150000"/>
+                        </a:lnSpc>
+                        <a:spcAft>
+                          <a:spcPts val="0"/>
+                        </a:spcAft>
+                      </a:pPr>
+                      <a:r>
+                        <a:rPr lang="en-US" sz="1100">
+                          <a:latin typeface="Courier New"/>
+                          <a:ea typeface="Calibri"/>
+                          <a:cs typeface="Times New Roman"/>
+                        </a:rPr>
+                        <a:t>Dinilai</a:t>
+                      </a:r>
+                      <a:endParaRPr lang="id-ID" sz="1100">
+                        <a:latin typeface="Calibri"/>
+                        <a:ea typeface="Calibri"/>
+                        <a:cs typeface="Times New Roman"/>
+                      </a:endParaRPr>
+                    </a:p>
+                  </a:txBody>
+                  <a:tcPr marL="65715" marR="65715" marT="0" marB="0" anchor="ctr">
+                    <a:lnL w="12700" cap="flat" cmpd="sng" algn="ctr">
+                      <a:solidFill>
+                        <a:srgbClr val="000000"/>
+                      </a:solidFill>
+                      <a:prstDash val="solid"/>
+                      <a:round/>
+                      <a:headEnd type="none" w="med" len="med"/>
+                      <a:tailEnd type="none" w="med" len="med"/>
+                    </a:lnL>
+                    <a:lnR w="12700" cap="flat" cmpd="sng" algn="ctr">
+                      <a:solidFill>
+                        <a:srgbClr val="000000"/>
+                      </a:solidFill>
+                      <a:prstDash val="solid"/>
+                      <a:round/>
+                      <a:headEnd type="none" w="med" len="med"/>
+                      <a:tailEnd type="none" w="med" len="med"/>
+                    </a:lnR>
+                    <a:lnT w="12700" cap="flat" cmpd="sng" algn="ctr">
+                      <a:solidFill>
+                        <a:srgbClr val="000000"/>
+                      </a:solidFill>
+                      <a:prstDash val="solid"/>
+                      <a:round/>
+                      <a:headEnd type="none" w="med" len="med"/>
+                      <a:tailEnd type="none" w="med" len="med"/>
+                    </a:lnT>
+                    <a:lnB w="12700" cap="flat" cmpd="sng" algn="ctr">
+                      <a:solidFill>
+                        <a:srgbClr val="000000"/>
+                      </a:solidFill>
+                      <a:prstDash val="solid"/>
+                      <a:round/>
+                      <a:headEnd type="none" w="med" len="med"/>
+                      <a:tailEnd type="none" w="med" len="med"/>
+                    </a:lnB>
+                  </a:tcPr>
+                </a:tc>
+                <a:tc>
+                  <a:txBody>
+                    <a:bodyPr/>
+                    <a:lstStyle/>
+                    <a:p>
+                      <a:pPr algn="ctr">
+                        <a:lnSpc>
+                          <a:spcPct val="150000"/>
+                        </a:lnSpc>
+                        <a:spcAft>
+                          <a:spcPts val="0"/>
+                        </a:spcAft>
+                      </a:pPr>
+                      <a:r>
+                        <a:rPr lang="en-US" sz="1100">
+                          <a:latin typeface="Courier New"/>
+                          <a:ea typeface="Calibri"/>
+                          <a:cs typeface="Times New Roman"/>
+                        </a:rPr>
+                        <a:t>0</a:t>
+                      </a:r>
+                      <a:endParaRPr lang="id-ID" sz="1100">
+                        <a:latin typeface="Calibri"/>
+                        <a:ea typeface="Calibri"/>
+                        <a:cs typeface="Times New Roman"/>
+                      </a:endParaRPr>
+                    </a:p>
+                  </a:txBody>
+                  <a:tcPr marL="65715" marR="65715" marT="0" marB="0" anchor="ctr">
+                    <a:lnL w="12700" cap="flat" cmpd="sng" algn="ctr">
+                      <a:solidFill>
+                        <a:srgbClr val="000000"/>
+                      </a:solidFill>
+                      <a:prstDash val="solid"/>
+                      <a:round/>
+                      <a:headEnd type="none" w="med" len="med"/>
+                      <a:tailEnd type="none" w="med" len="med"/>
+                    </a:lnL>
+                    <a:lnR w="12700" cap="flat" cmpd="sng" algn="ctr">
+                      <a:solidFill>
+                        <a:srgbClr val="000000"/>
+                      </a:solidFill>
+                      <a:prstDash val="solid"/>
+                      <a:round/>
+                      <a:headEnd type="none" w="med" len="med"/>
+                      <a:tailEnd type="none" w="med" len="med"/>
+                    </a:lnR>
+                    <a:lnT w="12700" cap="flat" cmpd="sng" algn="ctr">
+                      <a:solidFill>
+                        <a:srgbClr val="000000"/>
+                      </a:solidFill>
+                      <a:prstDash val="solid"/>
+                      <a:round/>
+                      <a:headEnd type="none" w="med" len="med"/>
+                      <a:tailEnd type="none" w="med" len="med"/>
+                    </a:lnT>
+                    <a:lnB w="12700" cap="flat" cmpd="sng" algn="ctr">
+                      <a:solidFill>
+                        <a:srgbClr val="000000"/>
+                      </a:solidFill>
+                      <a:prstDash val="solid"/>
+                      <a:round/>
+                      <a:headEnd type="none" w="med" len="med"/>
+                      <a:tailEnd type="none" w="med" len="med"/>
+                    </a:lnB>
+                  </a:tcPr>
+                </a:tc>
+                <a:tc>
+                  <a:txBody>
+                    <a:bodyPr/>
+                    <a:lstStyle/>
+                    <a:p>
+                      <a:pPr algn="ctr">
+                        <a:lnSpc>
+                          <a:spcPct val="150000"/>
+                        </a:lnSpc>
+                        <a:spcAft>
+                          <a:spcPts val="0"/>
+                        </a:spcAft>
+                      </a:pPr>
+                      <a:r>
+                        <a:rPr lang="en-US" sz="1100">
+                          <a:latin typeface="Courier New"/>
+                          <a:ea typeface="Calibri"/>
+                          <a:cs typeface="Times New Roman"/>
+                        </a:rPr>
+                        <a:t>0</a:t>
+                      </a:r>
+                      <a:endParaRPr lang="id-ID" sz="1100">
+                        <a:latin typeface="Calibri"/>
+                        <a:ea typeface="Calibri"/>
+                        <a:cs typeface="Times New Roman"/>
+                      </a:endParaRPr>
+                    </a:p>
+                  </a:txBody>
+                  <a:tcPr marL="65715" marR="65715" marT="0" marB="0" anchor="ctr">
+                    <a:lnL w="12700" cap="flat" cmpd="sng" algn="ctr">
+                      <a:solidFill>
+                        <a:srgbClr val="000000"/>
+                      </a:solidFill>
+                      <a:prstDash val="solid"/>
+                      <a:round/>
+                      <a:headEnd type="none" w="med" len="med"/>
+                      <a:tailEnd type="none" w="med" len="med"/>
+                    </a:lnL>
+                    <a:lnR w="12700" cap="flat" cmpd="sng" algn="ctr">
+                      <a:solidFill>
+                        <a:srgbClr val="000000"/>
+                      </a:solidFill>
+                      <a:prstDash val="solid"/>
+                      <a:round/>
+                      <a:headEnd type="none" w="med" len="med"/>
+                      <a:tailEnd type="none" w="med" len="med"/>
+                    </a:lnR>
+                    <a:lnT w="12700" cap="flat" cmpd="sng" algn="ctr">
+                      <a:solidFill>
+                        <a:srgbClr val="000000"/>
+                      </a:solidFill>
+                      <a:prstDash val="solid"/>
+                      <a:round/>
+                      <a:headEnd type="none" w="med" len="med"/>
+                      <a:tailEnd type="none" w="med" len="med"/>
+                    </a:lnT>
+                    <a:lnB w="12700" cap="flat" cmpd="sng" algn="ctr">
+                      <a:solidFill>
+                        <a:srgbClr val="000000"/>
+                      </a:solidFill>
+                      <a:prstDash val="solid"/>
+                      <a:round/>
+                      <a:headEnd type="none" w="med" len="med"/>
+                      <a:tailEnd type="none" w="med" len="med"/>
+                    </a:lnB>
+                  </a:tcPr>
+                </a:tc>
+                <a:tc>
+                  <a:txBody>
+                    <a:bodyPr/>
+                    <a:lstStyle/>
+                    <a:p>
+                      <a:pPr algn="ctr">
+                        <a:lnSpc>
+                          <a:spcPct val="150000"/>
+                        </a:lnSpc>
+                        <a:spcAft>
+                          <a:spcPts val="0"/>
+                        </a:spcAft>
+                      </a:pPr>
+                      <a:r>
+                        <a:rPr lang="en-US" sz="1100">
+                          <a:latin typeface="Courier New"/>
+                          <a:ea typeface="Calibri"/>
+                          <a:cs typeface="Times New Roman"/>
+                        </a:rPr>
+                        <a:t>0.477</a:t>
+                      </a:r>
+                      <a:endParaRPr lang="id-ID" sz="1100">
+                        <a:latin typeface="Calibri"/>
+                        <a:ea typeface="Calibri"/>
+                        <a:cs typeface="Times New Roman"/>
+                      </a:endParaRPr>
+                    </a:p>
+                  </a:txBody>
+                  <a:tcPr marL="65715" marR="65715" marT="0" marB="0" anchor="ctr">
+                    <a:lnL w="12700" cap="flat" cmpd="sng" algn="ctr">
+                      <a:solidFill>
+                        <a:srgbClr val="000000"/>
+                      </a:solidFill>
+                      <a:prstDash val="solid"/>
+                      <a:round/>
+                      <a:headEnd type="none" w="med" len="med"/>
+                      <a:tailEnd type="none" w="med" len="med"/>
+                    </a:lnL>
+                    <a:lnR w="12700" cap="flat" cmpd="sng" algn="ctr">
+                      <a:solidFill>
+                        <a:srgbClr val="000000"/>
+                      </a:solidFill>
+                      <a:prstDash val="solid"/>
+                      <a:round/>
+                      <a:headEnd type="none" w="med" len="med"/>
+                      <a:tailEnd type="none" w="med" len="med"/>
+                    </a:lnR>
+                    <a:lnT w="12700" cap="flat" cmpd="sng" algn="ctr">
+                      <a:solidFill>
+                        <a:srgbClr val="000000"/>
+                      </a:solidFill>
+                      <a:prstDash val="solid"/>
+                      <a:round/>
+                      <a:headEnd type="none" w="med" len="med"/>
+                      <a:tailEnd type="none" w="med" len="med"/>
+                    </a:lnT>
+                    <a:lnB w="12700" cap="flat" cmpd="sng" algn="ctr">
+                      <a:solidFill>
+                        <a:srgbClr val="000000"/>
+                      </a:solidFill>
+                      <a:prstDash val="solid"/>
+                      <a:round/>
+                      <a:headEnd type="none" w="med" len="med"/>
+                      <a:tailEnd type="none" w="med" len="med"/>
+                    </a:lnB>
+                  </a:tcPr>
+                </a:tc>
+              </a:tr>
+              <a:tr h="262861">
+                <a:tc>
+                  <a:txBody>
+                    <a:bodyPr/>
+                    <a:lstStyle/>
+                    <a:p>
+                      <a:pPr algn="ctr">
+                        <a:lnSpc>
+                          <a:spcPct val="150000"/>
+                        </a:lnSpc>
+                        <a:spcAft>
+                          <a:spcPts val="0"/>
+                        </a:spcAft>
+                      </a:pPr>
+                      <a:r>
+                        <a:rPr lang="en-US" sz="1100">
+                          <a:latin typeface="Courier New"/>
+                          <a:ea typeface="Calibri"/>
+                          <a:cs typeface="Times New Roman"/>
+                        </a:rPr>
+                        <a:t>Tambah</a:t>
+                      </a:r>
+                      <a:endParaRPr lang="id-ID" sz="1100">
+                        <a:latin typeface="Calibri"/>
+                        <a:ea typeface="Calibri"/>
+                        <a:cs typeface="Times New Roman"/>
+                      </a:endParaRPr>
+                    </a:p>
+                  </a:txBody>
+                  <a:tcPr marL="65715" marR="65715" marT="0" marB="0" anchor="ctr">
+                    <a:lnL w="12700" cap="flat" cmpd="sng" algn="ctr">
+                      <a:solidFill>
+                        <a:srgbClr val="000000"/>
+                      </a:solidFill>
+                      <a:prstDash val="solid"/>
+                      <a:round/>
+                      <a:headEnd type="none" w="med" len="med"/>
+                      <a:tailEnd type="none" w="med" len="med"/>
+                    </a:lnL>
+                    <a:lnR w="12700" cap="flat" cmpd="sng" algn="ctr">
+                      <a:solidFill>
+                        <a:srgbClr val="000000"/>
+                      </a:solidFill>
+                      <a:prstDash val="solid"/>
+                      <a:round/>
+                      <a:headEnd type="none" w="med" len="med"/>
+                      <a:tailEnd type="none" w="med" len="med"/>
+                    </a:lnR>
+                    <a:lnT w="12700" cap="flat" cmpd="sng" algn="ctr">
+                      <a:solidFill>
+                        <a:srgbClr val="000000"/>
+                      </a:solidFill>
+                      <a:prstDash val="solid"/>
+                      <a:round/>
+                      <a:headEnd type="none" w="med" len="med"/>
+                      <a:tailEnd type="none" w="med" len="med"/>
+                    </a:lnT>
+                    <a:lnB w="12700" cap="flat" cmpd="sng" algn="ctr">
+                      <a:solidFill>
+                        <a:srgbClr val="000000"/>
+                      </a:solidFill>
+                      <a:prstDash val="solid"/>
+                      <a:round/>
+                      <a:headEnd type="none" w="med" len="med"/>
+                      <a:tailEnd type="none" w="med" len="med"/>
+                    </a:lnB>
+                  </a:tcPr>
+                </a:tc>
+                <a:tc>
+                  <a:txBody>
+                    <a:bodyPr/>
+                    <a:lstStyle/>
+                    <a:p>
+                      <a:pPr algn="ctr">
+                        <a:lnSpc>
+                          <a:spcPct val="150000"/>
+                        </a:lnSpc>
+                        <a:spcAft>
+                          <a:spcPts val="0"/>
+                        </a:spcAft>
+                      </a:pPr>
+                      <a:r>
+                        <a:rPr lang="en-US" sz="1100">
+                          <a:latin typeface="Courier New"/>
+                          <a:ea typeface="Calibri"/>
+                          <a:cs typeface="Times New Roman"/>
+                        </a:rPr>
+                        <a:t>0</a:t>
+                      </a:r>
+                      <a:endParaRPr lang="id-ID" sz="1100">
+                        <a:latin typeface="Calibri"/>
+                        <a:ea typeface="Calibri"/>
+                        <a:cs typeface="Times New Roman"/>
+                      </a:endParaRPr>
+                    </a:p>
+                  </a:txBody>
+                  <a:tcPr marL="65715" marR="65715" marT="0" marB="0" anchor="ctr">
+                    <a:lnL w="12700" cap="flat" cmpd="sng" algn="ctr">
+                      <a:solidFill>
+                        <a:srgbClr val="000000"/>
+                      </a:solidFill>
+                      <a:prstDash val="solid"/>
+                      <a:round/>
+                      <a:headEnd type="none" w="med" len="med"/>
+                      <a:tailEnd type="none" w="med" len="med"/>
+                    </a:lnL>
+                    <a:lnR w="12700" cap="flat" cmpd="sng" algn="ctr">
+                      <a:solidFill>
+                        <a:srgbClr val="000000"/>
+                      </a:solidFill>
+                      <a:prstDash val="solid"/>
+                      <a:round/>
+                      <a:headEnd type="none" w="med" len="med"/>
+                      <a:tailEnd type="none" w="med" len="med"/>
+                    </a:lnR>
+                    <a:lnT w="12700" cap="flat" cmpd="sng" algn="ctr">
+                      <a:solidFill>
+                        <a:srgbClr val="000000"/>
+                      </a:solidFill>
+                      <a:prstDash val="solid"/>
+                      <a:round/>
+                      <a:headEnd type="none" w="med" len="med"/>
+                      <a:tailEnd type="none" w="med" len="med"/>
+                    </a:lnT>
+                    <a:lnB w="12700" cap="flat" cmpd="sng" algn="ctr">
+                      <a:solidFill>
+                        <a:srgbClr val="000000"/>
+                      </a:solidFill>
+                      <a:prstDash val="solid"/>
+                      <a:round/>
+                      <a:headEnd type="none" w="med" len="med"/>
+                      <a:tailEnd type="none" w="med" len="med"/>
+                    </a:lnB>
+                  </a:tcPr>
+                </a:tc>
+                <a:tc>
+                  <a:txBody>
+                    <a:bodyPr/>
+                    <a:lstStyle/>
+                    <a:p>
+                      <a:pPr algn="ctr">
+                        <a:lnSpc>
+                          <a:spcPct val="150000"/>
+                        </a:lnSpc>
+                        <a:spcAft>
+                          <a:spcPts val="0"/>
+                        </a:spcAft>
+                      </a:pPr>
+                      <a:r>
+                        <a:rPr lang="en-US" sz="1100">
+                          <a:latin typeface="Courier New"/>
+                          <a:ea typeface="Calibri"/>
+                          <a:cs typeface="Times New Roman"/>
+                        </a:rPr>
+                        <a:t>0</a:t>
+                      </a:r>
+                      <a:endParaRPr lang="id-ID" sz="1100">
+                        <a:latin typeface="Calibri"/>
+                        <a:ea typeface="Calibri"/>
+                        <a:cs typeface="Times New Roman"/>
+                      </a:endParaRPr>
+                    </a:p>
+                  </a:txBody>
+                  <a:tcPr marL="65715" marR="65715" marT="0" marB="0" anchor="ctr">
+                    <a:lnL w="12700" cap="flat" cmpd="sng" algn="ctr">
+                      <a:solidFill>
+                        <a:srgbClr val="000000"/>
+                      </a:solidFill>
+                      <a:prstDash val="solid"/>
+                      <a:round/>
+                      <a:headEnd type="none" w="med" len="med"/>
+                      <a:tailEnd type="none" w="med" len="med"/>
+                    </a:lnL>
+                    <a:lnR w="12700" cap="flat" cmpd="sng" algn="ctr">
+                      <a:solidFill>
+                        <a:srgbClr val="000000"/>
+                      </a:solidFill>
+                      <a:prstDash val="solid"/>
+                      <a:round/>
+                      <a:headEnd type="none" w="med" len="med"/>
+                      <a:tailEnd type="none" w="med" len="med"/>
+                    </a:lnR>
+                    <a:lnT w="12700" cap="flat" cmpd="sng" algn="ctr">
+                      <a:solidFill>
+                        <a:srgbClr val="000000"/>
+                      </a:solidFill>
+                      <a:prstDash val="solid"/>
+                      <a:round/>
+                      <a:headEnd type="none" w="med" len="med"/>
+                      <a:tailEnd type="none" w="med" len="med"/>
+                    </a:lnT>
+                    <a:lnB w="12700" cap="flat" cmpd="sng" algn="ctr">
+                      <a:solidFill>
+                        <a:srgbClr val="000000"/>
+                      </a:solidFill>
+                      <a:prstDash val="solid"/>
+                      <a:round/>
+                      <a:headEnd type="none" w="med" len="med"/>
+                      <a:tailEnd type="none" w="med" len="med"/>
+                    </a:lnB>
+                  </a:tcPr>
+                </a:tc>
+                <a:tc>
+                  <a:txBody>
+                    <a:bodyPr/>
+                    <a:lstStyle/>
+                    <a:p>
+                      <a:pPr algn="ctr">
+                        <a:lnSpc>
+                          <a:spcPct val="150000"/>
+                        </a:lnSpc>
+                        <a:spcAft>
+                          <a:spcPts val="0"/>
+                        </a:spcAft>
+                      </a:pPr>
+                      <a:r>
+                        <a:rPr lang="en-US" sz="1100">
+                          <a:latin typeface="Courier New"/>
+                          <a:ea typeface="Calibri"/>
+                          <a:cs typeface="Times New Roman"/>
+                        </a:rPr>
+                        <a:t>0.477</a:t>
+                      </a:r>
+                      <a:endParaRPr lang="id-ID" sz="1100">
+                        <a:latin typeface="Calibri"/>
+                        <a:ea typeface="Calibri"/>
+                        <a:cs typeface="Times New Roman"/>
+                      </a:endParaRPr>
+                    </a:p>
+                  </a:txBody>
+                  <a:tcPr marL="65715" marR="65715" marT="0" marB="0" anchor="ctr">
+                    <a:lnL w="12700" cap="flat" cmpd="sng" algn="ctr">
+                      <a:solidFill>
+                        <a:srgbClr val="000000"/>
+                      </a:solidFill>
+                      <a:prstDash val="solid"/>
+                      <a:round/>
+                      <a:headEnd type="none" w="med" len="med"/>
+                      <a:tailEnd type="none" w="med" len="med"/>
+                    </a:lnL>
+                    <a:lnR w="12700" cap="flat" cmpd="sng" algn="ctr">
+                      <a:solidFill>
+                        <a:srgbClr val="000000"/>
+                      </a:solidFill>
+                      <a:prstDash val="solid"/>
+                      <a:round/>
+                      <a:headEnd type="none" w="med" len="med"/>
+                      <a:tailEnd type="none" w="med" len="med"/>
+                    </a:lnR>
+                    <a:lnT w="12700" cap="flat" cmpd="sng" algn="ctr">
+                      <a:solidFill>
+                        <a:srgbClr val="000000"/>
+                      </a:solidFill>
+                      <a:prstDash val="solid"/>
+                      <a:round/>
+                      <a:headEnd type="none" w="med" len="med"/>
+                      <a:tailEnd type="none" w="med" len="med"/>
+                    </a:lnT>
+                    <a:lnB w="12700" cap="flat" cmpd="sng" algn="ctr">
+                      <a:solidFill>
+                        <a:srgbClr val="000000"/>
+                      </a:solidFill>
+                      <a:prstDash val="solid"/>
+                      <a:round/>
+                      <a:headEnd type="none" w="med" len="med"/>
+                      <a:tailEnd type="none" w="med" len="med"/>
+                    </a:lnB>
+                  </a:tcPr>
+                </a:tc>
+              </a:tr>
+              <a:tr h="262861">
+                <a:tc>
+                  <a:txBody>
+                    <a:bodyPr/>
+                    <a:lstStyle/>
+                    <a:p>
+                      <a:pPr algn="ctr">
+                        <a:lnSpc>
+                          <a:spcPct val="150000"/>
+                        </a:lnSpc>
+                        <a:spcAft>
+                          <a:spcPts val="0"/>
+                        </a:spcAft>
+                      </a:pPr>
+                      <a:r>
+                        <a:rPr lang="en-US" sz="1100">
+                          <a:latin typeface="Courier New"/>
+                          <a:ea typeface="Calibri"/>
+                          <a:cs typeface="Times New Roman"/>
+                        </a:rPr>
+                        <a:t>Kacau</a:t>
+                      </a:r>
+                      <a:endParaRPr lang="id-ID" sz="1100">
+                        <a:latin typeface="Calibri"/>
+                        <a:ea typeface="Calibri"/>
+                        <a:cs typeface="Times New Roman"/>
+                      </a:endParaRPr>
+                    </a:p>
+                  </a:txBody>
+                  <a:tcPr marL="65715" marR="65715" marT="0" marB="0" anchor="ctr">
+                    <a:lnL w="12700" cap="flat" cmpd="sng" algn="ctr">
+                      <a:solidFill>
+                        <a:srgbClr val="000000"/>
+                      </a:solidFill>
+                      <a:prstDash val="solid"/>
+                      <a:round/>
+                      <a:headEnd type="none" w="med" len="med"/>
+                      <a:tailEnd type="none" w="med" len="med"/>
+                    </a:lnL>
+                    <a:lnR w="12700" cap="flat" cmpd="sng" algn="ctr">
+                      <a:solidFill>
+                        <a:srgbClr val="000000"/>
+                      </a:solidFill>
+                      <a:prstDash val="solid"/>
+                      <a:round/>
+                      <a:headEnd type="none" w="med" len="med"/>
+                      <a:tailEnd type="none" w="med" len="med"/>
+                    </a:lnR>
+                    <a:lnT w="12700" cap="flat" cmpd="sng" algn="ctr">
+                      <a:solidFill>
+                        <a:srgbClr val="000000"/>
+                      </a:solidFill>
+                      <a:prstDash val="solid"/>
+                      <a:round/>
+                      <a:headEnd type="none" w="med" len="med"/>
+                      <a:tailEnd type="none" w="med" len="med"/>
+                    </a:lnT>
+                    <a:lnB w="12700" cap="flat" cmpd="sng" algn="ctr">
+                      <a:solidFill>
+                        <a:srgbClr val="000000"/>
+                      </a:solidFill>
+                      <a:prstDash val="solid"/>
+                      <a:round/>
+                      <a:headEnd type="none" w="med" len="med"/>
+                      <a:tailEnd type="none" w="med" len="med"/>
+                    </a:lnB>
+                  </a:tcPr>
+                </a:tc>
+                <a:tc>
+                  <a:txBody>
+                    <a:bodyPr/>
+                    <a:lstStyle/>
+                    <a:p>
+                      <a:pPr algn="ctr">
+                        <a:lnSpc>
+                          <a:spcPct val="150000"/>
+                        </a:lnSpc>
+                        <a:spcAft>
+                          <a:spcPts val="0"/>
+                        </a:spcAft>
+                      </a:pPr>
+                      <a:r>
+                        <a:rPr lang="en-US" sz="1100">
+                          <a:latin typeface="Courier New"/>
+                          <a:ea typeface="Calibri"/>
+                          <a:cs typeface="Times New Roman"/>
+                        </a:rPr>
+                        <a:t>0</a:t>
+                      </a:r>
+                      <a:endParaRPr lang="id-ID" sz="1100">
+                        <a:latin typeface="Calibri"/>
+                        <a:ea typeface="Calibri"/>
+                        <a:cs typeface="Times New Roman"/>
+                      </a:endParaRPr>
+                    </a:p>
+                  </a:txBody>
+                  <a:tcPr marL="65715" marR="65715" marT="0" marB="0" anchor="ctr">
+                    <a:lnL w="12700" cap="flat" cmpd="sng" algn="ctr">
+                      <a:solidFill>
+                        <a:srgbClr val="000000"/>
+                      </a:solidFill>
+                      <a:prstDash val="solid"/>
+                      <a:round/>
+                      <a:headEnd type="none" w="med" len="med"/>
+                      <a:tailEnd type="none" w="med" len="med"/>
+                    </a:lnL>
+                    <a:lnR w="12700" cap="flat" cmpd="sng" algn="ctr">
+                      <a:solidFill>
+                        <a:srgbClr val="000000"/>
+                      </a:solidFill>
+                      <a:prstDash val="solid"/>
+                      <a:round/>
+                      <a:headEnd type="none" w="med" len="med"/>
+                      <a:tailEnd type="none" w="med" len="med"/>
+                    </a:lnR>
+                    <a:lnT w="12700" cap="flat" cmpd="sng" algn="ctr">
+                      <a:solidFill>
+                        <a:srgbClr val="000000"/>
+                      </a:solidFill>
+                      <a:prstDash val="solid"/>
+                      <a:round/>
+                      <a:headEnd type="none" w="med" len="med"/>
+                      <a:tailEnd type="none" w="med" len="med"/>
+                    </a:lnT>
+                    <a:lnB w="12700" cap="flat" cmpd="sng" algn="ctr">
+                      <a:solidFill>
+                        <a:srgbClr val="000000"/>
+                      </a:solidFill>
+                      <a:prstDash val="solid"/>
+                      <a:round/>
+                      <a:headEnd type="none" w="med" len="med"/>
+                      <a:tailEnd type="none" w="med" len="med"/>
+                    </a:lnB>
+                  </a:tcPr>
+                </a:tc>
+                <a:tc>
+                  <a:txBody>
+                    <a:bodyPr/>
+                    <a:lstStyle/>
+                    <a:p>
+                      <a:pPr algn="ctr">
+                        <a:lnSpc>
+                          <a:spcPct val="150000"/>
+                        </a:lnSpc>
+                        <a:spcAft>
+                          <a:spcPts val="0"/>
+                        </a:spcAft>
+                      </a:pPr>
+                      <a:r>
+                        <a:rPr lang="en-US" sz="1100">
+                          <a:latin typeface="Courier New"/>
+                          <a:ea typeface="Calibri"/>
+                          <a:cs typeface="Times New Roman"/>
+                        </a:rPr>
+                        <a:t>0</a:t>
+                      </a:r>
+                      <a:endParaRPr lang="id-ID" sz="1100">
+                        <a:latin typeface="Calibri"/>
+                        <a:ea typeface="Calibri"/>
+                        <a:cs typeface="Times New Roman"/>
+                      </a:endParaRPr>
+                    </a:p>
+                  </a:txBody>
+                  <a:tcPr marL="65715" marR="65715" marT="0" marB="0" anchor="ctr">
+                    <a:lnL w="12700" cap="flat" cmpd="sng" algn="ctr">
+                      <a:solidFill>
+                        <a:srgbClr val="000000"/>
+                      </a:solidFill>
+                      <a:prstDash val="solid"/>
+                      <a:round/>
+                      <a:headEnd type="none" w="med" len="med"/>
+                      <a:tailEnd type="none" w="med" len="med"/>
+                    </a:lnL>
+                    <a:lnR w="12700" cap="flat" cmpd="sng" algn="ctr">
+                      <a:solidFill>
+                        <a:srgbClr val="000000"/>
+                      </a:solidFill>
+                      <a:prstDash val="solid"/>
+                      <a:round/>
+                      <a:headEnd type="none" w="med" len="med"/>
+                      <a:tailEnd type="none" w="med" len="med"/>
+                    </a:lnR>
+                    <a:lnT w="12700" cap="flat" cmpd="sng" algn="ctr">
+                      <a:solidFill>
+                        <a:srgbClr val="000000"/>
+                      </a:solidFill>
+                      <a:prstDash val="solid"/>
+                      <a:round/>
+                      <a:headEnd type="none" w="med" len="med"/>
+                      <a:tailEnd type="none" w="med" len="med"/>
+                    </a:lnT>
+                    <a:lnB w="12700" cap="flat" cmpd="sng" algn="ctr">
+                      <a:solidFill>
+                        <a:srgbClr val="000000"/>
+                      </a:solidFill>
+                      <a:prstDash val="solid"/>
+                      <a:round/>
+                      <a:headEnd type="none" w="med" len="med"/>
+                      <a:tailEnd type="none" w="med" len="med"/>
+                    </a:lnB>
+                  </a:tcPr>
+                </a:tc>
+                <a:tc>
+                  <a:txBody>
+                    <a:bodyPr/>
+                    <a:lstStyle/>
+                    <a:p>
+                      <a:pPr algn="ctr">
+                        <a:lnSpc>
+                          <a:spcPct val="150000"/>
+                        </a:lnSpc>
+                        <a:spcAft>
+                          <a:spcPts val="0"/>
+                        </a:spcAft>
+                      </a:pPr>
+                      <a:r>
+                        <a:rPr lang="en-US" sz="1100">
+                          <a:latin typeface="Courier New"/>
+                          <a:ea typeface="Calibri"/>
+                          <a:cs typeface="Times New Roman"/>
+                        </a:rPr>
+                        <a:t>0.477</a:t>
+                      </a:r>
+                      <a:endParaRPr lang="id-ID" sz="1100">
+                        <a:latin typeface="Calibri"/>
+                        <a:ea typeface="Calibri"/>
+                        <a:cs typeface="Times New Roman"/>
+                      </a:endParaRPr>
+                    </a:p>
+                  </a:txBody>
+                  <a:tcPr marL="65715" marR="65715" marT="0" marB="0" anchor="ctr">
+                    <a:lnL w="12700" cap="flat" cmpd="sng" algn="ctr">
+                      <a:solidFill>
+                        <a:srgbClr val="000000"/>
+                      </a:solidFill>
+                      <a:prstDash val="solid"/>
+                      <a:round/>
+                      <a:headEnd type="none" w="med" len="med"/>
+                      <a:tailEnd type="none" w="med" len="med"/>
+                    </a:lnL>
+                    <a:lnR w="12700" cap="flat" cmpd="sng" algn="ctr">
+                      <a:solidFill>
+                        <a:srgbClr val="000000"/>
+                      </a:solidFill>
+                      <a:prstDash val="solid"/>
+                      <a:round/>
+                      <a:headEnd type="none" w="med" len="med"/>
+                      <a:tailEnd type="none" w="med" len="med"/>
+                    </a:lnR>
+                    <a:lnT w="12700" cap="flat" cmpd="sng" algn="ctr">
+                      <a:solidFill>
+                        <a:srgbClr val="000000"/>
+                      </a:solidFill>
+                      <a:prstDash val="solid"/>
+                      <a:round/>
+                      <a:headEnd type="none" w="med" len="med"/>
+                      <a:tailEnd type="none" w="med" len="med"/>
+                    </a:lnT>
+                    <a:lnB w="12700" cap="flat" cmpd="sng" algn="ctr">
+                      <a:solidFill>
+                        <a:srgbClr val="000000"/>
+                      </a:solidFill>
+                      <a:prstDash val="solid"/>
+                      <a:round/>
+                      <a:headEnd type="none" w="med" len="med"/>
+                      <a:tailEnd type="none" w="med" len="med"/>
+                    </a:lnB>
+                  </a:tcPr>
+                </a:tc>
+              </a:tr>
+              <a:tr h="262861">
+                <a:tc>
+                  <a:txBody>
+                    <a:bodyPr/>
+                    <a:lstStyle/>
+                    <a:p>
+                      <a:pPr algn="ctr">
+                        <a:lnSpc>
+                          <a:spcPct val="150000"/>
+                        </a:lnSpc>
+                        <a:spcAft>
+                          <a:spcPts val="0"/>
+                        </a:spcAft>
+                      </a:pPr>
+                      <a:r>
+                        <a:rPr lang="en-US" sz="1100">
+                          <a:latin typeface="Courier New"/>
+                          <a:ea typeface="Calibri"/>
+                          <a:cs typeface="Times New Roman"/>
+                        </a:rPr>
+                        <a:t>Brutal</a:t>
+                      </a:r>
+                      <a:endParaRPr lang="id-ID" sz="1100">
+                        <a:latin typeface="Calibri"/>
+                        <a:ea typeface="Calibri"/>
+                        <a:cs typeface="Times New Roman"/>
+                      </a:endParaRPr>
+                    </a:p>
+                  </a:txBody>
+                  <a:tcPr marL="65715" marR="65715" marT="0" marB="0" anchor="ctr">
+                    <a:lnL w="12700" cap="flat" cmpd="sng" algn="ctr">
+                      <a:solidFill>
+                        <a:srgbClr val="000000"/>
+                      </a:solidFill>
+                      <a:prstDash val="solid"/>
+                      <a:round/>
+                      <a:headEnd type="none" w="med" len="med"/>
+                      <a:tailEnd type="none" w="med" len="med"/>
+                    </a:lnL>
+                    <a:lnR w="12700" cap="flat" cmpd="sng" algn="ctr">
+                      <a:solidFill>
+                        <a:srgbClr val="000000"/>
+                      </a:solidFill>
+                      <a:prstDash val="solid"/>
+                      <a:round/>
+                      <a:headEnd type="none" w="med" len="med"/>
+                      <a:tailEnd type="none" w="med" len="med"/>
+                    </a:lnR>
+                    <a:lnT w="12700" cap="flat" cmpd="sng" algn="ctr">
+                      <a:solidFill>
+                        <a:srgbClr val="000000"/>
+                      </a:solidFill>
+                      <a:prstDash val="solid"/>
+                      <a:round/>
+                      <a:headEnd type="none" w="med" len="med"/>
+                      <a:tailEnd type="none" w="med" len="med"/>
+                    </a:lnT>
+                    <a:lnB w="12700" cap="flat" cmpd="sng" algn="ctr">
+                      <a:solidFill>
+                        <a:srgbClr val="000000"/>
+                      </a:solidFill>
+                      <a:prstDash val="solid"/>
+                      <a:round/>
+                      <a:headEnd type="none" w="med" len="med"/>
+                      <a:tailEnd type="none" w="med" len="med"/>
+                    </a:lnB>
+                  </a:tcPr>
+                </a:tc>
+                <a:tc>
+                  <a:txBody>
+                    <a:bodyPr/>
+                    <a:lstStyle/>
+                    <a:p>
+                      <a:pPr algn="ctr">
+                        <a:lnSpc>
+                          <a:spcPct val="150000"/>
+                        </a:lnSpc>
+                        <a:spcAft>
+                          <a:spcPts val="0"/>
+                        </a:spcAft>
+                      </a:pPr>
+                      <a:r>
+                        <a:rPr lang="en-US" sz="1100" dirty="0">
+                          <a:latin typeface="Courier New"/>
+                          <a:ea typeface="Calibri"/>
+                          <a:cs typeface="Times New Roman"/>
+                        </a:rPr>
+                        <a:t>0</a:t>
+                      </a:r>
+                      <a:endParaRPr lang="id-ID" sz="1100" dirty="0">
+                        <a:latin typeface="Calibri"/>
+                        <a:ea typeface="Calibri"/>
+                        <a:cs typeface="Times New Roman"/>
+                      </a:endParaRPr>
+                    </a:p>
+                  </a:txBody>
+                  <a:tcPr marL="65715" marR="65715" marT="0" marB="0" anchor="ctr">
+                    <a:lnL w="12700" cap="flat" cmpd="sng" algn="ctr">
+                      <a:solidFill>
+                        <a:srgbClr val="000000"/>
+                      </a:solidFill>
+                      <a:prstDash val="solid"/>
+                      <a:round/>
+                      <a:headEnd type="none" w="med" len="med"/>
+                      <a:tailEnd type="none" w="med" len="med"/>
+                    </a:lnL>
+                    <a:lnR w="12700" cap="flat" cmpd="sng" algn="ctr">
+                      <a:solidFill>
+                        <a:srgbClr val="000000"/>
+                      </a:solidFill>
+                      <a:prstDash val="solid"/>
+                      <a:round/>
+                      <a:headEnd type="none" w="med" len="med"/>
+                      <a:tailEnd type="none" w="med" len="med"/>
+                    </a:lnR>
+                    <a:lnT w="12700" cap="flat" cmpd="sng" algn="ctr">
+                      <a:solidFill>
+                        <a:srgbClr val="000000"/>
+                      </a:solidFill>
+                      <a:prstDash val="solid"/>
+                      <a:round/>
+                      <a:headEnd type="none" w="med" len="med"/>
+                      <a:tailEnd type="none" w="med" len="med"/>
+                    </a:lnT>
+                    <a:lnB w="12700" cap="flat" cmpd="sng" algn="ctr">
+                      <a:solidFill>
+                        <a:srgbClr val="000000"/>
+                      </a:solidFill>
+                      <a:prstDash val="solid"/>
+                      <a:round/>
+                      <a:headEnd type="none" w="med" len="med"/>
+                      <a:tailEnd type="none" w="med" len="med"/>
+                    </a:lnB>
+                  </a:tcPr>
+                </a:tc>
+                <a:tc>
+                  <a:txBody>
+                    <a:bodyPr/>
+                    <a:lstStyle/>
+                    <a:p>
+                      <a:pPr algn="ctr">
+                        <a:lnSpc>
+                          <a:spcPct val="150000"/>
+                        </a:lnSpc>
+                        <a:spcAft>
+                          <a:spcPts val="0"/>
+                        </a:spcAft>
+                      </a:pPr>
+                      <a:r>
+                        <a:rPr lang="en-US" sz="1100">
+                          <a:latin typeface="Courier New"/>
+                          <a:ea typeface="Calibri"/>
+                          <a:cs typeface="Times New Roman"/>
+                        </a:rPr>
+                        <a:t>0</a:t>
+                      </a:r>
+                      <a:endParaRPr lang="id-ID" sz="1100">
+                        <a:latin typeface="Calibri"/>
+                        <a:ea typeface="Calibri"/>
+                        <a:cs typeface="Times New Roman"/>
+                      </a:endParaRPr>
+                    </a:p>
+                  </a:txBody>
+                  <a:tcPr marL="65715" marR="65715" marT="0" marB="0" anchor="ctr">
+                    <a:lnL w="12700" cap="flat" cmpd="sng" algn="ctr">
+                      <a:solidFill>
+                        <a:srgbClr val="000000"/>
+                      </a:solidFill>
+                      <a:prstDash val="solid"/>
+                      <a:round/>
+                      <a:headEnd type="none" w="med" len="med"/>
+                      <a:tailEnd type="none" w="med" len="med"/>
+                    </a:lnL>
+                    <a:lnR w="12700" cap="flat" cmpd="sng" algn="ctr">
+                      <a:solidFill>
+                        <a:srgbClr val="000000"/>
+                      </a:solidFill>
+                      <a:prstDash val="solid"/>
+                      <a:round/>
+                      <a:headEnd type="none" w="med" len="med"/>
+                      <a:tailEnd type="none" w="med" len="med"/>
+                    </a:lnR>
+                    <a:lnT w="12700" cap="flat" cmpd="sng" algn="ctr">
+                      <a:solidFill>
+                        <a:srgbClr val="000000"/>
+                      </a:solidFill>
+                      <a:prstDash val="solid"/>
+                      <a:round/>
+                      <a:headEnd type="none" w="med" len="med"/>
+                      <a:tailEnd type="none" w="med" len="med"/>
+                    </a:lnT>
+                    <a:lnB w="12700" cap="flat" cmpd="sng" algn="ctr">
+                      <a:solidFill>
+                        <a:srgbClr val="000000"/>
+                      </a:solidFill>
+                      <a:prstDash val="solid"/>
+                      <a:round/>
+                      <a:headEnd type="none" w="med" len="med"/>
+                      <a:tailEnd type="none" w="med" len="med"/>
+                    </a:lnB>
+                  </a:tcPr>
+                </a:tc>
+                <a:tc>
+                  <a:txBody>
+                    <a:bodyPr/>
+                    <a:lstStyle/>
+                    <a:p>
+                      <a:pPr algn="ctr">
+                        <a:lnSpc>
+                          <a:spcPct val="150000"/>
+                        </a:lnSpc>
+                        <a:spcAft>
+                          <a:spcPts val="0"/>
+                        </a:spcAft>
+                      </a:pPr>
+                      <a:r>
+                        <a:rPr lang="en-US" sz="1100" dirty="0">
+                          <a:latin typeface="Courier New"/>
+                          <a:ea typeface="Calibri"/>
+                          <a:cs typeface="Times New Roman"/>
+                        </a:rPr>
+                        <a:t>0.477</a:t>
+                      </a:r>
+                      <a:endParaRPr lang="id-ID" sz="1100" dirty="0">
+                        <a:latin typeface="Calibri"/>
+                        <a:ea typeface="Calibri"/>
+                        <a:cs typeface="Times New Roman"/>
+                      </a:endParaRPr>
+                    </a:p>
+                  </a:txBody>
+                  <a:tcPr marL="65715" marR="65715" marT="0" marB="0" anchor="ctr">
+                    <a:lnL w="12700" cap="flat" cmpd="sng" algn="ctr">
+                      <a:solidFill>
+                        <a:srgbClr val="000000"/>
+                      </a:solidFill>
+                      <a:prstDash val="solid"/>
+                      <a:round/>
+                      <a:headEnd type="none" w="med" len="med"/>
+                      <a:tailEnd type="none" w="med" len="med"/>
+                    </a:lnL>
+                    <a:lnR w="12700" cap="flat" cmpd="sng" algn="ctr">
+                      <a:solidFill>
+                        <a:srgbClr val="000000"/>
+                      </a:solidFill>
+                      <a:prstDash val="solid"/>
+                      <a:round/>
+                      <a:headEnd type="none" w="med" len="med"/>
+                      <a:tailEnd type="none" w="med" len="med"/>
+                    </a:lnR>
+                    <a:lnT w="12700" cap="flat" cmpd="sng" algn="ctr">
+                      <a:solidFill>
+                        <a:srgbClr val="000000"/>
+                      </a:solidFill>
+                      <a:prstDash val="solid"/>
+                      <a:round/>
+                      <a:headEnd type="none" w="med" len="med"/>
+                      <a:tailEnd type="none" w="med" len="med"/>
+                    </a:lnT>
+                    <a:lnB w="12700" cap="flat" cmpd="sng" algn="ctr">
+                      <a:solidFill>
+                        <a:srgbClr val="000000"/>
+                      </a:solidFill>
+                      <a:prstDash val="solid"/>
+                      <a:round/>
+                      <a:headEnd type="none" w="med" len="med"/>
+                      <a:tailEnd type="none" w="med" len="med"/>
+                    </a:lnB>
+                  </a:tcPr>
+                </a:tc>
+              </a:tr>
+            </a:tbl>
+          </a:graphicData>
+        </a:graphic>
+      </p:graphicFrame>
     </p:spTree>
   </p:cSld>
   <p:clrMapOvr>
     <a:masterClrMapping/>
   </p:clrMapOvr>
-  <p:timing>
-    <p:tnLst>
-      <p:par>
-        <p:cTn id="1" dur="indefinite" restart="never" nodeType="tmRoot"/>
-      </p:par>
-    </p:tnLst>
-  </p:timing>
-</p:sld>
-</file>
-
-<file path=ppt/slides/slide9.xml><?xml version="1.0" encoding="utf-8"?>
-<p:sld xmlns:a="http://schemas.openxmlformats.org/drawingml/2006/main" xmlns:r="http://schemas.openxmlformats.org/officeDocument/2006/relationships" xmlns:p="http://schemas.openxmlformats.org/presentationml/2006/main">
-  <p:cSld>
-    <p:spTree>
-      <p:nvGrpSpPr>
-        <p:cNvPr id="1" name=""/>
-        <p:cNvGrpSpPr/>
-        <p:nvPr/>
-      </p:nvGrpSpPr>
-      <p:grpSpPr>
-        <a:xfrm>
-          <a:off x="0" y="0"/>
-          <a:ext cx="0" cy="0"/>
-          <a:chOff x="0" y="0"/>
-          <a:chExt cx="0" cy="0"/>
-        </a:xfrm>
-      </p:grpSpPr>
-      <p:sp>
-        <p:nvSpPr>
-          <p:cNvPr id="10242" name="Titre 1"/>
-          <p:cNvSpPr>
-            <a:spLocks noGrp="1"/>
-          </p:cNvSpPr>
-          <p:nvPr>
-            <p:ph type="title"/>
-          </p:nvPr>
-        </p:nvSpPr>
-        <p:spPr/>
-        <p:txBody>
-          <a:bodyPr/>
-          <a:lstStyle/>
-          <a:p>
-            <a:pPr eaLnBrk="1" hangingPunct="1"/>
-            <a:r>
-              <a:rPr lang="fr-CA" smtClean="0">
-                <a:solidFill>
-                  <a:schemeClr val="bg1"/>
-                </a:solidFill>
-              </a:rPr>
-              <a:t>Struktur Navigasi</a:t>
-            </a:r>
-          </a:p>
-        </p:txBody>
-      </p:sp>
-      <p:sp>
-        <p:nvSpPr>
-          <p:cNvPr id="10" name="Rectangle 9"/>
-          <p:cNvSpPr/>
-          <p:nvPr/>
-        </p:nvSpPr>
-        <p:spPr>
-          <a:xfrm>
-            <a:off x="3962400" y="1981200"/>
-            <a:ext cx="1371600" cy="533400"/>
-          </a:xfrm>
-          <a:prstGeom prst="rect">
-            <a:avLst/>
-          </a:prstGeom>
-          <a:noFill/>
-          <a:ln>
-            <a:noFill/>
-          </a:ln>
-        </p:spPr>
-        <p:style>
-          <a:lnRef idx="2">
-            <a:schemeClr val="accent1">
-              <a:shade val="50000"/>
-            </a:schemeClr>
-          </a:lnRef>
-          <a:fillRef idx="1">
-            <a:schemeClr val="accent1"/>
-          </a:fillRef>
-          <a:effectRef idx="0">
-            <a:schemeClr val="accent1"/>
-          </a:effectRef>
-          <a:fontRef idx="minor">
-            <a:schemeClr val="lt1"/>
-          </a:fontRef>
-        </p:style>
-        <p:txBody>
-          <a:bodyPr anchor="ctr"/>
-          <a:lstStyle/>
-          <a:p>
-            <a:pPr algn="ctr" eaLnBrk="1" hangingPunct="1">
-              <a:defRPr/>
-            </a:pPr>
-            <a:endParaRPr lang="en-US"/>
-          </a:p>
-        </p:txBody>
-      </p:sp>
-      <p:pic>
-        <p:nvPicPr>
-          <p:cNvPr id="10244" name="Picture 7" descr="HEADER1 copy.png"/>
-          <p:cNvPicPr>
-            <a:picLocks noChangeAspect="1"/>
-          </p:cNvPicPr>
-          <p:nvPr/>
-        </p:nvPicPr>
-        <p:blipFill>
-          <a:blip r:embed="rId2"/>
-          <a:srcRect/>
-          <a:stretch>
-            <a:fillRect/>
-          </a:stretch>
-        </p:blipFill>
-        <p:spPr bwMode="auto">
-          <a:xfrm>
-            <a:off x="0" y="0"/>
-            <a:ext cx="9144000" cy="1417638"/>
-          </a:xfrm>
-          <a:prstGeom prst="rect">
-            <a:avLst/>
-          </a:prstGeom>
-          <a:noFill/>
-          <a:ln w="9525">
-            <a:noFill/>
-            <a:miter lim="800000"/>
-            <a:headEnd/>
-            <a:tailEnd/>
-          </a:ln>
-        </p:spPr>
-      </p:pic>
-      <p:sp>
-        <p:nvSpPr>
-          <p:cNvPr id="10245" name="TextBox 45"/>
-          <p:cNvSpPr txBox="1">
-            <a:spLocks noChangeArrowheads="1"/>
-          </p:cNvSpPr>
-          <p:nvPr/>
-        </p:nvSpPr>
-        <p:spPr bwMode="auto">
-          <a:xfrm>
-            <a:off x="2286000" y="228600"/>
-            <a:ext cx="4419600" cy="461963"/>
-          </a:xfrm>
-          <a:prstGeom prst="rect">
-            <a:avLst/>
-          </a:prstGeom>
-          <a:noFill/>
-          <a:ln w="9525">
-            <a:noFill/>
-            <a:miter lim="800000"/>
-            <a:headEnd/>
-            <a:tailEnd/>
-          </a:ln>
-        </p:spPr>
-        <p:txBody>
-          <a:bodyPr>
-            <a:spAutoFit/>
-          </a:bodyPr>
-          <a:lstStyle/>
-          <a:p>
-            <a:pPr algn="ctr" eaLnBrk="1" hangingPunct="1"/>
-            <a:r>
-              <a:rPr lang="en-US" sz="2400" b="1" dirty="0">
-                <a:solidFill>
-                  <a:schemeClr val="bg1"/>
-                </a:solidFill>
-                <a:latin typeface="Times New Roman" pitchFamily="18" charset="0"/>
-                <a:cs typeface="Times New Roman" pitchFamily="18" charset="0"/>
-              </a:rPr>
-              <a:t>Flowchart </a:t>
-            </a:r>
-            <a:r>
-              <a:rPr lang="id-ID" sz="2400" b="1" dirty="0" smtClean="0">
-                <a:solidFill>
-                  <a:schemeClr val="bg1"/>
-                </a:solidFill>
-                <a:latin typeface="Times New Roman" pitchFamily="18" charset="0"/>
-                <a:cs typeface="Times New Roman" pitchFamily="18" charset="0"/>
-              </a:rPr>
-              <a:t>SVM</a:t>
-            </a:r>
-            <a:endParaRPr lang="en-US" sz="2400" b="1" dirty="0">
-              <a:solidFill>
-                <a:schemeClr val="bg1"/>
-              </a:solidFill>
-              <a:latin typeface="Times New Roman" pitchFamily="18" charset="0"/>
-              <a:cs typeface="Times New Roman" pitchFamily="18" charset="0"/>
-            </a:endParaRPr>
-          </a:p>
-        </p:txBody>
-      </p:sp>
-      <p:pic>
-        <p:nvPicPr>
-          <p:cNvPr id="10246" name="Picture 6" descr="FOOTER1.png"/>
-          <p:cNvPicPr>
-            <a:picLocks noChangeAspect="1"/>
-          </p:cNvPicPr>
-          <p:nvPr/>
-        </p:nvPicPr>
-        <p:blipFill>
-          <a:blip r:embed="rId3"/>
-          <a:srcRect/>
-          <a:stretch>
-            <a:fillRect/>
-          </a:stretch>
-        </p:blipFill>
-        <p:spPr bwMode="auto">
-          <a:xfrm>
-            <a:off x="0" y="5483225"/>
-            <a:ext cx="9144000" cy="1374775"/>
-          </a:xfrm>
-          <a:prstGeom prst="rect">
-            <a:avLst/>
-          </a:prstGeom>
-          <a:noFill/>
-          <a:ln w="9525">
-            <a:noFill/>
-            <a:miter lim="800000"/>
-            <a:headEnd/>
-            <a:tailEnd/>
-          </a:ln>
-        </p:spPr>
-      </p:pic>
-      <p:sp>
-        <p:nvSpPr>
-          <p:cNvPr id="2" name="Flowchart: Terminator 1"/>
-          <p:cNvSpPr/>
-          <p:nvPr/>
-        </p:nvSpPr>
-        <p:spPr>
-          <a:xfrm>
-            <a:off x="304800" y="990600"/>
-            <a:ext cx="930275" cy="307975"/>
-          </a:xfrm>
-          <a:prstGeom prst="flowChartTerminator">
-            <a:avLst/>
-          </a:prstGeom>
-        </p:spPr>
-        <p:style>
-          <a:lnRef idx="1">
-            <a:schemeClr val="accent1"/>
-          </a:lnRef>
-          <a:fillRef idx="3">
-            <a:schemeClr val="accent1"/>
-          </a:fillRef>
-          <a:effectRef idx="2">
-            <a:schemeClr val="accent1"/>
-          </a:effectRef>
-          <a:fontRef idx="minor">
-            <a:schemeClr val="lt1"/>
-          </a:fontRef>
-        </p:style>
-        <p:txBody>
-          <a:bodyPr anchor="ctr"/>
-          <a:lstStyle/>
-          <a:p>
-            <a:pPr algn="ctr">
-              <a:defRPr/>
-            </a:pPr>
-            <a:r>
-              <a:rPr lang="en-US" dirty="0" err="1"/>
-              <a:t>Mulai</a:t>
-            </a:r>
-            <a:endParaRPr lang="en-US" dirty="0"/>
-          </a:p>
-        </p:txBody>
-      </p:sp>
-      <p:sp>
-        <p:nvSpPr>
-          <p:cNvPr id="3" name="Flowchart: Process 2"/>
-          <p:cNvSpPr/>
-          <p:nvPr/>
-        </p:nvSpPr>
-        <p:spPr>
-          <a:xfrm>
-            <a:off x="1066800" y="1657350"/>
-            <a:ext cx="2133600" cy="857250"/>
-          </a:xfrm>
-          <a:prstGeom prst="flowChartProcess">
-            <a:avLst/>
-          </a:prstGeom>
-        </p:spPr>
-        <p:style>
-          <a:lnRef idx="1">
-            <a:schemeClr val="accent1"/>
-          </a:lnRef>
-          <a:fillRef idx="3">
-            <a:schemeClr val="accent1"/>
-          </a:fillRef>
-          <a:effectRef idx="2">
-            <a:schemeClr val="accent1"/>
-          </a:effectRef>
-          <a:fontRef idx="minor">
-            <a:schemeClr val="lt1"/>
-          </a:fontRef>
-        </p:style>
-        <p:txBody>
-          <a:bodyPr anchor="ctr"/>
-          <a:lstStyle/>
-          <a:p>
-            <a:pPr algn="ctr">
-              <a:defRPr/>
-            </a:pPr>
-            <a:r>
-              <a:rPr lang="id-ID" sz="1400" dirty="0" smtClean="0"/>
-              <a:t>Vektorisasi TF –IDF dan Hitung iterasi Kernel Linear untuk x dan y</a:t>
-            </a:r>
-            <a:endParaRPr lang="en-US" sz="1400" dirty="0"/>
-          </a:p>
-        </p:txBody>
-      </p:sp>
-      <p:sp>
-        <p:nvSpPr>
-          <p:cNvPr id="17" name="Flowchart: Process 16"/>
-          <p:cNvSpPr/>
-          <p:nvPr/>
-        </p:nvSpPr>
-        <p:spPr>
-          <a:xfrm>
-            <a:off x="685800" y="2714625"/>
-            <a:ext cx="2895600" cy="866775"/>
-          </a:xfrm>
-          <a:prstGeom prst="flowChartProcess">
-            <a:avLst/>
-          </a:prstGeom>
-        </p:spPr>
-        <p:style>
-          <a:lnRef idx="1">
-            <a:schemeClr val="accent1"/>
-          </a:lnRef>
-          <a:fillRef idx="3">
-            <a:schemeClr val="accent1"/>
-          </a:fillRef>
-          <a:effectRef idx="2">
-            <a:schemeClr val="accent1"/>
-          </a:effectRef>
-          <a:fontRef idx="minor">
-            <a:schemeClr val="lt1"/>
-          </a:fontRef>
-        </p:style>
-        <p:txBody>
-          <a:bodyPr anchor="ctr"/>
-          <a:lstStyle/>
-          <a:p>
-            <a:pPr algn="ctr">
-              <a:defRPr/>
-            </a:pPr>
-            <a:r>
-              <a:rPr lang="id-ID" sz="1400" dirty="0" smtClean="0"/>
-              <a:t>Mengubah x dan y ke bentuk matrix dan menjumlahkannya untuk menentukan titik x dan y setiap kalimat</a:t>
-            </a:r>
-            <a:endParaRPr lang="en-US" sz="1400" dirty="0"/>
-          </a:p>
-        </p:txBody>
-      </p:sp>
-      <p:cxnSp>
-        <p:nvCxnSpPr>
-          <p:cNvPr id="11" name="Straight Arrow Connector 10"/>
-          <p:cNvCxnSpPr>
-            <a:stCxn id="3" idx="2"/>
-            <a:endCxn id="17" idx="0"/>
-          </p:cNvCxnSpPr>
-          <p:nvPr/>
-        </p:nvCxnSpPr>
-        <p:spPr>
-          <a:xfrm rot="5400000">
-            <a:off x="2033588" y="2614612"/>
-            <a:ext cx="200025" cy="1588"/>
-          </a:xfrm>
-          <a:prstGeom prst="straightConnector1">
-            <a:avLst/>
-          </a:prstGeom>
-          <a:ln>
-            <a:tailEnd type="triangle"/>
-          </a:ln>
-        </p:spPr>
-        <p:style>
-          <a:lnRef idx="3">
-            <a:schemeClr val="accent1"/>
-          </a:lnRef>
-          <a:fillRef idx="0">
-            <a:schemeClr val="accent1"/>
-          </a:fillRef>
-          <a:effectRef idx="2">
-            <a:schemeClr val="accent1"/>
-          </a:effectRef>
-          <a:fontRef idx="minor">
-            <a:schemeClr val="tx1"/>
-          </a:fontRef>
-        </p:style>
-      </p:cxnSp>
-      <p:sp>
-        <p:nvSpPr>
-          <p:cNvPr id="22" name="Flowchart: Process 21"/>
-          <p:cNvSpPr/>
-          <p:nvPr/>
-        </p:nvSpPr>
-        <p:spPr>
-          <a:xfrm>
-            <a:off x="806450" y="3795713"/>
-            <a:ext cx="2549525" cy="852487"/>
-          </a:xfrm>
-          <a:prstGeom prst="flowChartProcess">
-            <a:avLst/>
-          </a:prstGeom>
-        </p:spPr>
-        <p:style>
-          <a:lnRef idx="1">
-            <a:schemeClr val="accent3"/>
-          </a:lnRef>
-          <a:fillRef idx="3">
-            <a:schemeClr val="accent3"/>
-          </a:fillRef>
-          <a:effectRef idx="2">
-            <a:schemeClr val="accent3"/>
-          </a:effectRef>
-          <a:fontRef idx="minor">
-            <a:schemeClr val="lt1"/>
-          </a:fontRef>
-        </p:style>
-        <p:txBody>
-          <a:bodyPr anchor="ctr"/>
-          <a:lstStyle/>
-          <a:p>
-            <a:pPr algn="ctr">
-              <a:defRPr/>
-            </a:pPr>
-            <a:r>
-              <a:rPr lang="id-ID" dirty="0" smtClean="0"/>
-              <a:t>Menghitung Transformasi Vektor</a:t>
-            </a:r>
-            <a:endParaRPr lang="en-US" dirty="0"/>
-          </a:p>
-        </p:txBody>
-      </p:sp>
-      <p:sp>
-        <p:nvSpPr>
-          <p:cNvPr id="29" name="Flowchart: Process 28"/>
-          <p:cNvSpPr/>
-          <p:nvPr/>
-        </p:nvSpPr>
-        <p:spPr>
-          <a:xfrm>
-            <a:off x="806450" y="4862512"/>
-            <a:ext cx="2549525" cy="852488"/>
-          </a:xfrm>
-          <a:prstGeom prst="flowChartProcess">
-            <a:avLst/>
-          </a:prstGeom>
-        </p:spPr>
-        <p:style>
-          <a:lnRef idx="1">
-            <a:schemeClr val="accent1"/>
-          </a:lnRef>
-          <a:fillRef idx="3">
-            <a:schemeClr val="accent1"/>
-          </a:fillRef>
-          <a:effectRef idx="2">
-            <a:schemeClr val="accent1"/>
-          </a:effectRef>
-          <a:fontRef idx="minor">
-            <a:schemeClr val="lt1"/>
-          </a:fontRef>
-        </p:style>
-        <p:txBody>
-          <a:bodyPr anchor="ctr"/>
-          <a:lstStyle/>
-          <a:p>
-            <a:pPr algn="ctr">
-              <a:defRPr/>
-            </a:pPr>
-            <a:r>
-              <a:rPr lang="id-ID" dirty="0" smtClean="0"/>
-              <a:t>Menentukan bobot (w) dan hyperplane (b)</a:t>
-            </a:r>
-            <a:endParaRPr lang="en-US" dirty="0"/>
-          </a:p>
-        </p:txBody>
-      </p:sp>
-      <p:sp>
-        <p:nvSpPr>
-          <p:cNvPr id="30" name="Flowchart: Terminator 29"/>
-          <p:cNvSpPr/>
-          <p:nvPr/>
-        </p:nvSpPr>
-        <p:spPr>
-          <a:xfrm>
-            <a:off x="1616075" y="5865812"/>
-            <a:ext cx="930275" cy="306388"/>
-          </a:xfrm>
-          <a:prstGeom prst="flowChartTerminator">
-            <a:avLst/>
-          </a:prstGeom>
-        </p:spPr>
-        <p:style>
-          <a:lnRef idx="1">
-            <a:schemeClr val="accent1"/>
-          </a:lnRef>
-          <a:fillRef idx="3">
-            <a:schemeClr val="accent1"/>
-          </a:fillRef>
-          <a:effectRef idx="2">
-            <a:schemeClr val="accent1"/>
-          </a:effectRef>
-          <a:fontRef idx="minor">
-            <a:schemeClr val="lt1"/>
-          </a:fontRef>
-        </p:style>
-        <p:txBody>
-          <a:bodyPr anchor="ctr"/>
-          <a:lstStyle/>
-          <a:p>
-            <a:pPr algn="ctr">
-              <a:defRPr/>
-            </a:pPr>
-            <a:r>
-              <a:rPr lang="en-US" dirty="0" err="1"/>
-              <a:t>Selesai</a:t>
-            </a:r>
-            <a:endParaRPr lang="en-US" dirty="0"/>
-          </a:p>
-        </p:txBody>
-      </p:sp>
-      <p:cxnSp>
-        <p:nvCxnSpPr>
-          <p:cNvPr id="23" name="Straight Arrow Connector 22"/>
-          <p:cNvCxnSpPr>
-            <a:stCxn id="17" idx="2"/>
-            <a:endCxn id="22" idx="0"/>
-          </p:cNvCxnSpPr>
-          <p:nvPr/>
-        </p:nvCxnSpPr>
-        <p:spPr>
-          <a:xfrm rot="5400000">
-            <a:off x="2000251" y="3662363"/>
-            <a:ext cx="214313" cy="52387"/>
-          </a:xfrm>
-          <a:prstGeom prst="straightConnector1">
-            <a:avLst/>
-          </a:prstGeom>
-          <a:ln>
-            <a:tailEnd type="triangle"/>
-          </a:ln>
-        </p:spPr>
-        <p:style>
-          <a:lnRef idx="3">
-            <a:schemeClr val="accent1"/>
-          </a:lnRef>
-          <a:fillRef idx="0">
-            <a:schemeClr val="accent1"/>
-          </a:fillRef>
-          <a:effectRef idx="2">
-            <a:schemeClr val="accent1"/>
-          </a:effectRef>
-          <a:fontRef idx="minor">
-            <a:schemeClr val="tx1"/>
-          </a:fontRef>
-        </p:style>
-      </p:cxnSp>
-      <p:cxnSp>
-        <p:nvCxnSpPr>
-          <p:cNvPr id="25" name="Straight Arrow Connector 24"/>
-          <p:cNvCxnSpPr>
-            <a:stCxn id="22" idx="2"/>
-            <a:endCxn id="29" idx="0"/>
-          </p:cNvCxnSpPr>
-          <p:nvPr/>
-        </p:nvCxnSpPr>
-        <p:spPr>
-          <a:xfrm rot="5400000">
-            <a:off x="1974057" y="4755356"/>
-            <a:ext cx="214312" cy="1588"/>
-          </a:xfrm>
-          <a:prstGeom prst="straightConnector1">
-            <a:avLst/>
-          </a:prstGeom>
-          <a:ln>
-            <a:tailEnd type="triangle"/>
-          </a:ln>
-        </p:spPr>
-        <p:style>
-          <a:lnRef idx="3">
-            <a:schemeClr val="accent1"/>
-          </a:lnRef>
-          <a:fillRef idx="0">
-            <a:schemeClr val="accent1"/>
-          </a:fillRef>
-          <a:effectRef idx="2">
-            <a:schemeClr val="accent1"/>
-          </a:effectRef>
-          <a:fontRef idx="minor">
-            <a:schemeClr val="tx1"/>
-          </a:fontRef>
-        </p:style>
-      </p:cxnSp>
-      <p:cxnSp>
-        <p:nvCxnSpPr>
-          <p:cNvPr id="27" name="Straight Arrow Connector 26"/>
-          <p:cNvCxnSpPr>
-            <a:stCxn id="29" idx="2"/>
-            <a:endCxn id="30" idx="0"/>
-          </p:cNvCxnSpPr>
-          <p:nvPr/>
-        </p:nvCxnSpPr>
-        <p:spPr>
-          <a:xfrm rot="5400000">
-            <a:off x="2005807" y="5790406"/>
-            <a:ext cx="150812" cy="1588"/>
-          </a:xfrm>
-          <a:prstGeom prst="straightConnector1">
-            <a:avLst/>
-          </a:prstGeom>
-          <a:ln>
-            <a:tailEnd type="triangle"/>
-          </a:ln>
-        </p:spPr>
-        <p:style>
-          <a:lnRef idx="3">
-            <a:schemeClr val="accent1"/>
-          </a:lnRef>
-          <a:fillRef idx="0">
-            <a:schemeClr val="accent1"/>
-          </a:fillRef>
-          <a:effectRef idx="2">
-            <a:schemeClr val="accent1"/>
-          </a:effectRef>
-          <a:fontRef idx="minor">
-            <a:schemeClr val="tx1"/>
-          </a:fontRef>
-        </p:style>
-      </p:cxnSp>
-      <p:sp>
-        <p:nvSpPr>
-          <p:cNvPr id="31" name="Flowchart: Process 30"/>
-          <p:cNvSpPr/>
-          <p:nvPr/>
-        </p:nvSpPr>
-        <p:spPr>
-          <a:xfrm>
-            <a:off x="3962400" y="1295400"/>
-            <a:ext cx="2913063" cy="525463"/>
-          </a:xfrm>
-          <a:prstGeom prst="flowChartProcess">
-            <a:avLst/>
-          </a:prstGeom>
-        </p:spPr>
-        <p:style>
-          <a:lnRef idx="1">
-            <a:schemeClr val="accent3"/>
-          </a:lnRef>
-          <a:fillRef idx="3">
-            <a:schemeClr val="accent3"/>
-          </a:fillRef>
-          <a:effectRef idx="2">
-            <a:schemeClr val="accent3"/>
-          </a:effectRef>
-          <a:fontRef idx="minor">
-            <a:schemeClr val="lt1"/>
-          </a:fontRef>
-        </p:style>
-        <p:txBody>
-          <a:bodyPr anchor="ctr"/>
-          <a:lstStyle/>
-          <a:p>
-            <a:pPr algn="ctr">
-              <a:defRPr/>
-            </a:pPr>
-            <a:r>
-              <a:rPr lang="id-ID" dirty="0" smtClean="0"/>
-              <a:t>Fungsi Transformasi Vektor</a:t>
-            </a:r>
-            <a:endParaRPr lang="en-US" dirty="0"/>
-          </a:p>
-        </p:txBody>
-      </p:sp>
-      <p:sp>
-        <p:nvSpPr>
-          <p:cNvPr id="26" name="Flowchart: Data 25"/>
-          <p:cNvSpPr/>
-          <p:nvPr/>
-        </p:nvSpPr>
-        <p:spPr>
-          <a:xfrm>
-            <a:off x="1219200" y="914400"/>
-            <a:ext cx="2209800" cy="457200"/>
-          </a:xfrm>
-          <a:prstGeom prst="flowChartInputOutput">
-            <a:avLst/>
-          </a:prstGeom>
-        </p:spPr>
-        <p:style>
-          <a:lnRef idx="1">
-            <a:schemeClr val="accent1"/>
-          </a:lnRef>
-          <a:fillRef idx="3">
-            <a:schemeClr val="accent1"/>
-          </a:fillRef>
-          <a:effectRef idx="2">
-            <a:schemeClr val="accent1"/>
-          </a:effectRef>
-          <a:fontRef idx="minor">
-            <a:schemeClr val="lt1"/>
-          </a:fontRef>
-        </p:style>
-        <p:txBody>
-          <a:bodyPr anchor="ctr"/>
-          <a:lstStyle/>
-          <a:p>
-            <a:pPr algn="ctr">
-              <a:defRPr/>
-            </a:pPr>
-            <a:r>
-              <a:rPr lang="id-ID" dirty="0" smtClean="0"/>
-              <a:t>Hasil TF-IDF</a:t>
-            </a:r>
-            <a:endParaRPr lang="en-US" dirty="0"/>
-          </a:p>
-        </p:txBody>
-      </p:sp>
-      <p:cxnSp>
-        <p:nvCxnSpPr>
-          <p:cNvPr id="40" name="Straight Arrow Connector 39"/>
-          <p:cNvCxnSpPr>
-            <a:stCxn id="2" idx="3"/>
-            <a:endCxn id="26" idx="2"/>
-          </p:cNvCxnSpPr>
-          <p:nvPr/>
-        </p:nvCxnSpPr>
-        <p:spPr>
-          <a:xfrm flipV="1">
-            <a:off x="1235075" y="1143000"/>
-            <a:ext cx="205105" cy="1588"/>
-          </a:xfrm>
-          <a:prstGeom prst="straightConnector1">
-            <a:avLst/>
-          </a:prstGeom>
-          <a:ln>
-            <a:tailEnd type="arrow"/>
-          </a:ln>
-        </p:spPr>
-        <p:style>
-          <a:lnRef idx="2">
-            <a:schemeClr val="accent1"/>
-          </a:lnRef>
-          <a:fillRef idx="0">
-            <a:schemeClr val="accent1"/>
-          </a:fillRef>
-          <a:effectRef idx="1">
-            <a:schemeClr val="accent1"/>
-          </a:effectRef>
-          <a:fontRef idx="minor">
-            <a:schemeClr val="tx1"/>
-          </a:fontRef>
-        </p:style>
-      </p:cxnSp>
-      <p:cxnSp>
-        <p:nvCxnSpPr>
-          <p:cNvPr id="43" name="Straight Arrow Connector 42"/>
-          <p:cNvCxnSpPr>
-            <a:stCxn id="26" idx="3"/>
-            <a:endCxn id="3" idx="0"/>
-          </p:cNvCxnSpPr>
-          <p:nvPr/>
-        </p:nvCxnSpPr>
-        <p:spPr>
-          <a:xfrm rot="16200000" flipH="1">
-            <a:off x="1975485" y="1499235"/>
-            <a:ext cx="285750" cy="30480"/>
-          </a:xfrm>
-          <a:prstGeom prst="straightConnector1">
-            <a:avLst/>
-          </a:prstGeom>
-          <a:ln>
-            <a:tailEnd type="arrow"/>
-          </a:ln>
-        </p:spPr>
-        <p:style>
-          <a:lnRef idx="2">
-            <a:schemeClr val="accent1"/>
-          </a:lnRef>
-          <a:fillRef idx="0">
-            <a:schemeClr val="accent1"/>
-          </a:fillRef>
-          <a:effectRef idx="1">
-            <a:schemeClr val="accent1"/>
-          </a:effectRef>
-          <a:fontRef idx="minor">
-            <a:schemeClr val="tx1"/>
-          </a:fontRef>
-        </p:style>
-      </p:cxnSp>
-      <p:pic>
-        <p:nvPicPr>
-          <p:cNvPr id="33" name="Content Placeholder 32" descr="rumustransform.PNG"/>
-          <p:cNvPicPr>
-            <a:picLocks noGrp="1"/>
-          </p:cNvPicPr>
-          <p:nvPr>
-            <p:ph idx="1"/>
-          </p:nvPr>
-        </p:nvPicPr>
-        <p:blipFill>
-          <a:blip r:embed="rId4"/>
-          <a:stretch>
-            <a:fillRect/>
-          </a:stretch>
-        </p:blipFill>
-        <p:spPr>
-          <a:xfrm>
-            <a:off x="4038600" y="2133600"/>
-            <a:ext cx="4495800" cy="1371600"/>
-          </a:xfrm>
-          <a:prstGeom prst="rect">
-            <a:avLst/>
-          </a:prstGeom>
-        </p:spPr>
-      </p:pic>
-    </p:spTree>
-  </p:cSld>
-  <p:clrMapOvr>
-    <a:masterClrMapping/>
-  </p:clrMapOvr>
+  <p:transition>
+    <p:wedge/>
+  </p:transition>
   <p:timing>
     <p:tnLst>
       <p:par>

--- a/Sidang-Skripsi.pptx
+++ b/Sidang-Skripsi.pptx
@@ -251,7 +251,7 @@
               <a:pPr>
                 <a:defRPr/>
               </a:pPr>
-              <a:t>12/19/2019</a:t>
+              <a:t>12/20/2019</a:t>
             </a:fld>
             <a:endParaRPr lang="en-US"/>
           </a:p>
@@ -851,7 +851,7 @@
               <a:pPr>
                 <a:defRPr/>
               </a:pPr>
-              <a:t>19/12/2019</a:t>
+              <a:t>20/12/2019</a:t>
             </a:fld>
             <a:endParaRPr lang="fr-CA"/>
           </a:p>
@@ -1038,7 +1038,7 @@
               <a:pPr>
                 <a:defRPr/>
               </a:pPr>
-              <a:t>19/12/2019</a:t>
+              <a:t>20/12/2019</a:t>
             </a:fld>
             <a:endParaRPr lang="fr-CA"/>
           </a:p>
@@ -1235,7 +1235,7 @@
               <a:pPr>
                 <a:defRPr/>
               </a:pPr>
-              <a:t>19/12/2019</a:t>
+              <a:t>20/12/2019</a:t>
             </a:fld>
             <a:endParaRPr lang="fr-CA"/>
           </a:p>
@@ -1422,7 +1422,7 @@
               <a:pPr>
                 <a:defRPr/>
               </a:pPr>
-              <a:t>19/12/2019</a:t>
+              <a:t>20/12/2019</a:t>
             </a:fld>
             <a:endParaRPr lang="fr-CA"/>
           </a:p>
@@ -1685,7 +1685,7 @@
               <a:pPr>
                 <a:defRPr/>
               </a:pPr>
-              <a:t>19/12/2019</a:t>
+              <a:t>20/12/2019</a:t>
             </a:fld>
             <a:endParaRPr lang="fr-CA"/>
           </a:p>
@@ -1990,7 +1990,7 @@
               <a:pPr>
                 <a:defRPr/>
               </a:pPr>
-              <a:t>19/12/2019</a:t>
+              <a:t>20/12/2019</a:t>
             </a:fld>
             <a:endParaRPr lang="fr-CA"/>
           </a:p>
@@ -2429,7 +2429,7 @@
               <a:pPr>
                 <a:defRPr/>
               </a:pPr>
-              <a:t>19/12/2019</a:t>
+              <a:t>20/12/2019</a:t>
             </a:fld>
             <a:endParaRPr lang="fr-CA"/>
           </a:p>
@@ -2564,7 +2564,7 @@
               <a:pPr>
                 <a:defRPr/>
               </a:pPr>
-              <a:t>19/12/2019</a:t>
+              <a:t>20/12/2019</a:t>
             </a:fld>
             <a:endParaRPr lang="fr-CA"/>
           </a:p>
@@ -2676,7 +2676,7 @@
               <a:pPr>
                 <a:defRPr/>
               </a:pPr>
-              <a:t>19/12/2019</a:t>
+              <a:t>20/12/2019</a:t>
             </a:fld>
             <a:endParaRPr lang="fr-CA"/>
           </a:p>
@@ -2970,7 +2970,7 @@
               <a:pPr>
                 <a:defRPr/>
               </a:pPr>
-              <a:t>19/12/2019</a:t>
+              <a:t>20/12/2019</a:t>
             </a:fld>
             <a:endParaRPr lang="fr-CA"/>
           </a:p>
@@ -3243,7 +3243,7 @@
               <a:pPr>
                 <a:defRPr/>
               </a:pPr>
-              <a:t>19/12/2019</a:t>
+              <a:t>20/12/2019</a:t>
             </a:fld>
             <a:endParaRPr lang="fr-CA"/>
           </a:p>
@@ -3487,7 +3487,7 @@
               <a:pPr>
                 <a:defRPr/>
               </a:pPr>
-              <a:t>19/12/2019</a:t>
+              <a:t>20/12/2019</a:t>
             </a:fld>
             <a:endParaRPr lang="fr-CA"/>
           </a:p>
@@ -5204,14 +5204,24 @@
           <a:p>
             <a:pPr algn="ctr" eaLnBrk="1" hangingPunct="1"/>
             <a:r>
-              <a:rPr lang="en-US" sz="2400" b="1" dirty="0">
+              <a:rPr lang="id-ID" sz="2400" b="1" smtClean="0">
                 <a:solidFill>
                   <a:schemeClr val="bg1"/>
                 </a:solidFill>
                 <a:latin typeface="Times New Roman" pitchFamily="18" charset="0"/>
                 <a:cs typeface="Times New Roman" pitchFamily="18" charset="0"/>
               </a:rPr>
-              <a:t>Flowchart </a:t>
+              <a:t>Klasifikasi</a:t>
+            </a:r>
+            <a:r>
+              <a:rPr lang="en-US" sz="2400" b="1" smtClean="0">
+                <a:solidFill>
+                  <a:schemeClr val="bg1"/>
+                </a:solidFill>
+                <a:latin typeface="Times New Roman" pitchFamily="18" charset="0"/>
+                <a:cs typeface="Times New Roman" pitchFamily="18" charset="0"/>
+              </a:rPr>
+              <a:t> </a:t>
             </a:r>
             <a:r>
               <a:rPr lang="id-ID" sz="2400" b="1" dirty="0" smtClean="0">
@@ -5515,11 +5525,7 @@
             </a:pPr>
             <a:r>
               <a:rPr lang="id-ID" dirty="0" smtClean="0"/>
-              <a:t>Menentukan </a:t>
-            </a:r>
-            <a:r>
-              <a:rPr lang="id-ID" dirty="0" smtClean="0"/>
-              <a:t>support vektor</a:t>
+              <a:t>Menentukan support vektor</a:t>
             </a:r>
             <a:endParaRPr lang="en-US" dirty="0"/>
           </a:p>
@@ -6419,11 +6425,7 @@
             </a:pPr>
             <a:r>
               <a:rPr lang="id-ID" sz="1600" dirty="0" smtClean="0"/>
-              <a:t>Mengkalikan bobot dengan Transformasi vektor dan Membandingkan </a:t>
-            </a:r>
-            <a:r>
-              <a:rPr lang="id-ID" sz="1600" dirty="0" smtClean="0"/>
-              <a:t>dengan hyperplane (b)</a:t>
+              <a:t>Mengkalikan bobot dengan Transformasi vektor dan Membandingkan dengan hyperplane (b)</a:t>
             </a:r>
             <a:endParaRPr lang="en-US" sz="1600" dirty="0"/>
           </a:p>
@@ -7792,14 +7794,24 @@
           <a:p>
             <a:pPr eaLnBrk="1" hangingPunct="1"/>
             <a:r>
-              <a:rPr lang="id-ID" sz="2400" b="1" dirty="0" smtClean="0">
+              <a:rPr lang="id-ID" sz="2400" b="1" smtClean="0">
                 <a:solidFill>
                   <a:schemeClr val="bg1"/>
                 </a:solidFill>
                 <a:latin typeface="Times New Roman" pitchFamily="18" charset="0"/>
                 <a:cs typeface="Times New Roman" pitchFamily="18" charset="0"/>
               </a:rPr>
-              <a:t>Hasil Cleansing</a:t>
+              <a:t>Hasil </a:t>
+            </a:r>
+            <a:r>
+              <a:rPr lang="id-ID" sz="2400" b="1" smtClean="0">
+                <a:solidFill>
+                  <a:schemeClr val="bg1"/>
+                </a:solidFill>
+                <a:latin typeface="Times New Roman" pitchFamily="18" charset="0"/>
+                <a:cs typeface="Times New Roman" pitchFamily="18" charset="0"/>
+              </a:rPr>
+              <a:t>Preprocessing</a:t>
             </a:r>
             <a:endParaRPr lang="en-US" sz="2400" dirty="0" smtClean="0">
               <a:solidFill>
